--- a/O3652-2 Deep Dive Apps for Office in Word/O3652-2 Deep Dive into Apps for Office in Word.pptx
+++ b/O3652-2 Deep Dive Apps for Office in Word/O3652-2 Deep Dive into Apps for Office in Word.pptx
@@ -6,10 +6,10 @@
     <p:sldMasterId id="2147484046" r:id="rId5"/>
   </p:sldMasterIdLst>
   <p:notesMasterIdLst>
-    <p:notesMasterId r:id="rId46"/>
+    <p:notesMasterId r:id="rId47"/>
   </p:notesMasterIdLst>
   <p:handoutMasterIdLst>
-    <p:handoutMasterId r:id="rId47"/>
+    <p:handoutMasterId r:id="rId48"/>
   </p:handoutMasterIdLst>
   <p:sldIdLst>
     <p:sldId id="778" r:id="rId6"/>
@@ -46,12 +46,13 @@
     <p:sldId id="936" r:id="rId37"/>
     <p:sldId id="937" r:id="rId38"/>
     <p:sldId id="938" r:id="rId39"/>
-    <p:sldId id="922" r:id="rId40"/>
-    <p:sldId id="890" r:id="rId41"/>
-    <p:sldId id="891" r:id="rId42"/>
-    <p:sldId id="894" r:id="rId43"/>
-    <p:sldId id="939" r:id="rId44"/>
-    <p:sldId id="654" r:id="rId45"/>
+    <p:sldId id="941" r:id="rId40"/>
+    <p:sldId id="922" r:id="rId41"/>
+    <p:sldId id="890" r:id="rId42"/>
+    <p:sldId id="891" r:id="rId43"/>
+    <p:sldId id="894" r:id="rId44"/>
+    <p:sldId id="939" r:id="rId45"/>
+    <p:sldId id="654" r:id="rId46"/>
   </p:sldIdLst>
   <p:sldSz cx="12188825" cy="6858000"/>
   <p:notesSz cx="6858000" cy="9144000"/>
@@ -354,7 +355,7 @@
           <a:p>
             <a:fld id="{DE219B1A-AE41-483B-A766-69B9363DDA6A}" type="datetimeFigureOut">
               <a:rPr lang="en-US" smtClean="0"/>
-              <a:t>8/28/2014</a:t>
+              <a:t>9/2/2014</a:t>
             </a:fld>
             <a:endParaRPr lang="en-US"/>
           </a:p>
@@ -636,7 +637,7 @@
           <a:p>
             <a:fld id="{D51B1278-D92B-4AF3-A9C1-71DD298190CE}" type="datetimeFigureOut">
               <a:rPr lang="en-US" smtClean="0"/>
-              <a:t>8/28/2014</a:t>
+              <a:t>9/2/2014</a:t>
             </a:fld>
             <a:endParaRPr lang="en-US"/>
           </a:p>
@@ -1329,7 +1330,7 @@
           <a:p>
             <a:fld id="{F520EA6B-12B9-470C-8032-CF7B89111BB8}" type="datetime1">
               <a:rPr lang="en-US" smtClean="0"/>
-              <a:t>8/28/2014</a:t>
+              <a:t>9/2/2014</a:t>
             </a:fld>
             <a:endParaRPr lang="en-US"/>
           </a:p>
@@ -1551,7 +1552,7 @@
           <a:p>
             <a:fld id="{FC5F0E7A-DD5F-4903-B380-98FDBDD8F972}" type="datetime1">
               <a:rPr lang="en-US" smtClean="0"/>
-              <a:t>8/28/2014</a:t>
+              <a:t>9/2/2014</a:t>
             </a:fld>
             <a:endParaRPr lang="en-US"/>
           </a:p>
@@ -1765,7 +1766,7 @@
           <a:p>
             <a:fld id="{64469F49-A1F5-4E7A-A41B-14BD8D8FB2E1}" type="datetime1">
               <a:rPr lang="en-US" smtClean="0"/>
-              <a:t>8/28/2014</a:t>
+              <a:t>9/2/2014</a:t>
             </a:fld>
             <a:endParaRPr lang="en-US"/>
           </a:p>
@@ -2162,7 +2163,7 @@
           <a:p>
             <a:fld id="{68584938-3506-4DA6-B670-23FF647A9E8B}" type="datetime1">
               <a:rPr lang="en-US" smtClean="0"/>
-              <a:t>8/28/2014</a:t>
+              <a:t>9/2/2014</a:t>
             </a:fld>
             <a:endParaRPr lang="en-US"/>
           </a:p>
@@ -2433,7 +2434,7 @@
           <a:p>
             <a:fld id="{05E1850F-7595-48D2-899E-D3C1304F8E26}" type="datetime1">
               <a:rPr lang="en-US" smtClean="0"/>
-              <a:t>8/28/2014</a:t>
+              <a:t>9/2/2014</a:t>
             </a:fld>
             <a:endParaRPr lang="en-US"/>
           </a:p>
@@ -2737,15 +2738,7 @@
           <a:p>
             <a:r>
               <a:rPr lang="en-US" dirty="0" smtClean="0"/>
-              <a:t>When you press the {F5} with a Visual Studio </a:t>
-            </a:r>
-            <a:r>
-              <a:rPr lang="en-US" dirty="0" smtClean="0"/>
-              <a:t>2013 project </a:t>
-            </a:r>
-            <a:r>
-              <a:rPr lang="en-US" dirty="0" smtClean="0"/>
-              <a:t>for an task</a:t>
+              <a:t>When you press the {F5} with a Visual Studio 2013 project for an task</a:t>
             </a:r>
             <a:r>
               <a:rPr lang="en-US" baseline="0" dirty="0" smtClean="0"/>
@@ -2884,7 +2877,7 @@
           <a:p>
             <a:fld id="{F8C64A9D-8829-430E-BA7E-156543677E2C}" type="datetime1">
               <a:rPr lang="en-US" smtClean="0"/>
-              <a:t>8/28/2014</a:t>
+              <a:t>9/2/2014</a:t>
             </a:fld>
             <a:endParaRPr lang="en-US"/>
           </a:p>
@@ -3144,7 +3137,7 @@
           <a:p>
             <a:fld id="{B079C3B8-7366-4A44-A34B-3977080C19E7}" type="datetime1">
               <a:rPr lang="en-US" smtClean="0"/>
-              <a:t>8/28/2014</a:t>
+              <a:t>9/2/2014</a:t>
             </a:fld>
             <a:endParaRPr lang="en-US" dirty="0"/>
           </a:p>
@@ -3319,7 +3312,7 @@
           <a:p>
             <a:fld id="{CAFAEC0D-A9DC-4104-A93F-17133DFA0E36}" type="datetime1">
               <a:rPr lang="en-US" smtClean="0"/>
-              <a:t>8/28/2014</a:t>
+              <a:t>9/2/2014</a:t>
             </a:fld>
             <a:endParaRPr lang="en-US"/>
           </a:p>
@@ -3533,7 +3526,7 @@
           <a:p>
             <a:fld id="{9D689792-065F-46CA-A8D6-9FE9DE607F6F}" type="datetime1">
               <a:rPr lang="en-US" smtClean="0"/>
-              <a:t>8/28/2014</a:t>
+              <a:t>9/2/2014</a:t>
             </a:fld>
             <a:endParaRPr lang="en-US"/>
           </a:p>
@@ -3747,7 +3740,7 @@
           <a:p>
             <a:fld id="{EAAF7A1D-E478-4D65-ACC8-4A753A4B48E4}" type="datetime1">
               <a:rPr lang="en-US" smtClean="0"/>
-              <a:t>8/28/2014</a:t>
+              <a:t>9/2/2014</a:t>
             </a:fld>
             <a:endParaRPr lang="en-US"/>
           </a:p>
@@ -4028,7 +4021,7 @@
           <a:p>
             <a:fld id="{78F2F61C-3C71-4D72-AAAA-EBBF57852989}" type="datetime1">
               <a:rPr lang="en-US" smtClean="0"/>
-              <a:t>8/28/2014</a:t>
+              <a:t>9/2/2014</a:t>
             </a:fld>
             <a:endParaRPr lang="en-US"/>
           </a:p>
@@ -4215,11 +4208,7 @@
           <a:p>
             <a:r>
               <a:rPr lang="en-US" dirty="0" smtClean="0"/>
-              <a:t>This code shows how to register an e</a:t>
-            </a:r>
-            <a:r>
-              <a:rPr lang="en-US" dirty="0" smtClean="0"/>
-              <a:t>vent handler on a binding using the </a:t>
+              <a:t>This code shows how to register an event handler on a binding using the </a:t>
             </a:r>
             <a:r>
               <a:rPr lang="en-US" dirty="0" err="1" smtClean="0"/>
@@ -4277,7 +4266,7 @@
           <a:p>
             <a:fld id="{FF14B676-97ED-41B1-9238-56ABE5960535}" type="datetime1">
               <a:rPr lang="en-US" smtClean="0"/>
-              <a:t>8/28/2014</a:t>
+              <a:t>9/2/2014</a:t>
             </a:fld>
             <a:endParaRPr lang="en-US"/>
           </a:p>
@@ -4462,186 +4451,123 @@
           <a:bodyPr/>
           <a:lstStyle/>
           <a:p>
-            <a:r>
-              <a:rPr lang="en-US" dirty="0" smtClean="0"/>
-              <a:t>When it is time to deploy an app, the actual deployment is similar to standard web site because you must</a:t>
-            </a:r>
-            <a:r>
-              <a:rPr lang="en-US" baseline="0" dirty="0" smtClean="0"/>
-              <a:t> make the Web page for an app and the office supporting files available on a Web server. However, you must also publish the manifest to make the app discoverable for installation. </a:t>
-            </a:r>
-            <a:r>
-              <a:rPr lang="en-US" dirty="0" smtClean="0"/>
-              <a:t>IT admins can designate trusted App Catalogs via Global Policy Objects (GPO). Note</a:t>
-            </a:r>
-            <a:r>
-              <a:rPr lang="en-US" baseline="0" dirty="0" smtClean="0"/>
-              <a:t> that the m</a:t>
-            </a:r>
-            <a:r>
-              <a:rPr lang="en-US" dirty="0" smtClean="0"/>
-              <a:t>anifests for Mail Apps must be uploaded to Exchange 2013 App Catalog.</a:t>
-            </a:r>
-          </a:p>
-        </p:txBody>
-      </p:sp>
-      <p:sp>
-        <p:nvSpPr>
-          <p:cNvPr id="4" name="Date Placeholder 3"/>
-          <p:cNvSpPr>
-            <a:spLocks noGrp="1"/>
-          </p:cNvSpPr>
-          <p:nvPr>
-            <p:ph type="dt" idx="10"/>
-          </p:nvPr>
-        </p:nvSpPr>
-        <p:spPr>
-          <a:xfrm>
-            <a:off x="3884613" y="0"/>
-            <a:ext cx="2971800" cy="457200"/>
-          </a:xfrm>
-          <a:prstGeom prst="rect">
-            <a:avLst/>
-          </a:prstGeom>
-        </p:spPr>
-        <p:txBody>
-          <a:bodyPr/>
-          <a:lstStyle/>
-          <a:p>
-            <a:fld id="{1FACD3AE-923F-4C13-A9A6-673B7F1DFF4E}" type="datetime1">
-              <a:rPr lang="en-US" smtClean="0"/>
-              <a:t>8/28/2014</a:t>
-            </a:fld>
-            <a:endParaRPr lang="en-US"/>
-          </a:p>
-        </p:txBody>
-      </p:sp>
-      <p:sp>
-        <p:nvSpPr>
-          <p:cNvPr id="5" name="Slide Number Placeholder 4"/>
-          <p:cNvSpPr>
-            <a:spLocks noGrp="1"/>
-          </p:cNvSpPr>
-          <p:nvPr>
-            <p:ph type="sldNum" sz="quarter" idx="11"/>
-          </p:nvPr>
-        </p:nvSpPr>
-        <p:spPr/>
-        <p:txBody>
-          <a:bodyPr/>
-          <a:lstStyle/>
-          <a:p>
-            <a:fld id="{B4008EB6-D09E-4580-8CD6-DDB14511944F}" type="slidenum">
-              <a:rPr lang="en-US" smtClean="0"/>
-              <a:t>36</a:t>
-            </a:fld>
+            <a:pPr indent="-3966">
+              <a:lnSpc>
+                <a:spcPts val="2166"/>
+              </a:lnSpc>
+              <a:spcAft>
+                <a:spcPts val="500"/>
+              </a:spcAft>
+              <a:defRPr/>
+            </a:pPr>
+            <a:r>
+              <a:rPr lang="da-DK" sz="1000" dirty="0" smtClean="0">
+                <a:solidFill>
+                  <a:srgbClr val="EE7816"/>
+                </a:solidFill>
+                <a:cs typeface="Segoe UI" pitchFamily="-65" charset="-52"/>
+              </a:rPr>
+              <a:t>Microsoft Word intorduced</a:t>
+            </a:r>
+            <a:r>
+              <a:rPr lang="da-DK" sz="1000" baseline="0" dirty="0" smtClean="0">
+                <a:solidFill>
+                  <a:srgbClr val="EE7816"/>
+                </a:solidFill>
+                <a:cs typeface="Segoe UI" pitchFamily="-65" charset="-52"/>
+              </a:rPr>
+              <a:t> </a:t>
+            </a:r>
+            <a:r>
+              <a:rPr lang="da-DK" sz="1000" dirty="0" smtClean="0">
+                <a:solidFill>
+                  <a:srgbClr val="EE7816"/>
+                </a:solidFill>
+                <a:cs typeface="Segoe UI" pitchFamily="-65" charset="-52"/>
+              </a:rPr>
+              <a:t>Content Controls in </a:t>
+            </a:r>
+            <a:r>
+              <a:rPr lang="en-US" sz="900" dirty="0" smtClean="0">
+                <a:solidFill>
+                  <a:srgbClr val="595959"/>
+                </a:solidFill>
+              </a:rPr>
+              <a:t>Office 2007. Content controls act as containers and user input controls</a:t>
+            </a:r>
+            <a:r>
+              <a:rPr lang="en-US" sz="900" baseline="0" dirty="0" smtClean="0">
+                <a:solidFill>
+                  <a:srgbClr val="595959"/>
+                </a:solidFill>
+              </a:rPr>
+              <a:t> </a:t>
+            </a:r>
+            <a:r>
+              <a:rPr lang="en-US" sz="900" dirty="0" smtClean="0">
+                <a:solidFill>
+                  <a:srgbClr val="595959"/>
+                </a:solidFill>
+              </a:rPr>
+              <a:t>for specific kinds of content. A valuable</a:t>
+            </a:r>
+            <a:r>
+              <a:rPr lang="en-US" sz="900" baseline="0" dirty="0" smtClean="0">
+                <a:solidFill>
+                  <a:srgbClr val="595959"/>
+                </a:solidFill>
+              </a:rPr>
+              <a:t> role of c</a:t>
+            </a:r>
+            <a:r>
+              <a:rPr lang="en-US" sz="900" dirty="0" smtClean="0">
+                <a:solidFill>
+                  <a:srgbClr val="595959"/>
+                </a:solidFill>
+              </a:rPr>
+              <a:t>ontent controls is that they can be mapped to nodes within a custom XML part which is an XML document with custom content which is embedded within a Office document such as a DOCX file.. </a:t>
+            </a:r>
+          </a:p>
+          <a:p>
+            <a:endParaRPr lang="en-US" dirty="0" smtClean="0"/>
+          </a:p>
+          <a:p>
+            <a:pPr indent="-3966">
+              <a:lnSpc>
+                <a:spcPts val="2166"/>
+              </a:lnSpc>
+              <a:spcAft>
+                <a:spcPts val="500"/>
+              </a:spcAft>
+              <a:defRPr/>
+            </a:pPr>
+            <a:r>
+              <a:rPr lang="da-DK" sz="1000" dirty="0" smtClean="0">
+                <a:solidFill>
+                  <a:srgbClr val="EE7816"/>
+                </a:solidFill>
+                <a:cs typeface="Segoe UI" pitchFamily="-65" charset="-52"/>
+              </a:rPr>
+              <a:t>With Office 2013, there is a new content control for repeating sections. </a:t>
+            </a:r>
+            <a:r>
+              <a:rPr lang="en-US" sz="900" dirty="0" smtClean="0">
+                <a:solidFill>
+                  <a:srgbClr val="595959"/>
+                </a:solidFill>
+              </a:rPr>
+              <a:t>A Repeating Section content control provides the capability to bind to a collection of nodes which typically represent the many side on a one-to-many relationship as in the case where a single time summary document has many time activity entries. </a:t>
+            </a:r>
+          </a:p>
+          <a:p>
             <a:endParaRPr lang="en-US" dirty="0"/>
-          </a:p>
-        </p:txBody>
-      </p:sp>
-      <p:sp>
-        <p:nvSpPr>
-          <p:cNvPr id="6" name="Header Placeholder 5"/>
-          <p:cNvSpPr>
-            <a:spLocks noGrp="1"/>
-          </p:cNvSpPr>
-          <p:nvPr>
-            <p:ph type="hdr" sz="quarter" idx="12"/>
-          </p:nvPr>
-        </p:nvSpPr>
-        <p:spPr/>
-        <p:txBody>
-          <a:bodyPr/>
-          <a:lstStyle/>
-          <a:p>
-            <a:r>
-              <a:rPr lang="en-US" smtClean="0"/>
-              <a:t>Microsoft Office</a:t>
-            </a:r>
-            <a:endParaRPr lang="en-US" dirty="0"/>
-          </a:p>
-        </p:txBody>
-      </p:sp>
-      <p:sp>
-        <p:nvSpPr>
-          <p:cNvPr id="7" name="Footer Placeholder 6"/>
-          <p:cNvSpPr>
-            <a:spLocks noGrp="1"/>
-          </p:cNvSpPr>
-          <p:nvPr>
-            <p:ph type="ftr" sz="quarter" idx="13"/>
-          </p:nvPr>
-        </p:nvSpPr>
-        <p:spPr/>
-        <p:txBody>
-          <a:bodyPr/>
-          <a:lstStyle/>
-          <a:p>
-            <a:pPr marL="231775" defTabSz="914099" eaLnBrk="0" hangingPunct="0"/>
-            <a:r>
-              <a:rPr lang="en-US" sz="500" smtClean="0">
-                <a:gradFill>
-                  <a:gsLst>
-                    <a:gs pos="0">
-                      <a:schemeClr val="tx1"/>
-                    </a:gs>
-                    <a:gs pos="100000">
-                      <a:schemeClr val="tx1"/>
-                    </a:gs>
-                  </a:gsLst>
-                  <a:lin ang="5400000" scaled="0"/>
-                </a:gradFill>
-                <a:latin typeface="Segoe UI" pitchFamily="34" charset="0"/>
-                <a:ea typeface="Segoe UI" pitchFamily="34" charset="0"/>
-                <a:cs typeface="Segoe UI" pitchFamily="34" charset="0"/>
-              </a:rPr>
-              <a:t>© 2012 Microsoft Corporation. All rights reserved. Microsoft, Windows, and other product names are or may be registered trademarks and/or trademarks in the U.S. and/or other countries.</a:t>
-            </a:r>
-          </a:p>
-          <a:p>
-            <a:pPr marL="231775" defTabSz="914099" eaLnBrk="0" hangingPunct="0"/>
-            <a:r>
-              <a:rPr lang="en-US" sz="500" smtClean="0">
-                <a:gradFill>
-                  <a:gsLst>
-                    <a:gs pos="0">
-                      <a:schemeClr val="tx1"/>
-                    </a:gs>
-                    <a:gs pos="100000">
-                      <a:schemeClr val="tx1"/>
-                    </a:gs>
-                  </a:gsLst>
-                  <a:lin ang="5400000" scaled="0"/>
-                </a:gradFill>
-                <a:latin typeface="Segoe UI" pitchFamily="34" charset="0"/>
-                <a:ea typeface="Segoe UI" pitchFamily="34" charset="0"/>
-                <a:cs typeface="Segoe UI" pitchFamily="34" charset="0"/>
-              </a:rPr>
-              <a:t>The information herein is for informational purposes only and represents the current view of Microsoft Corporation as of the date of this presentation.  Because Microsoft must respond to changing market conditions, it should not be interpreted to be a commitment on the part of Microsoft, and Microsoft cannot guarantee the accuracy of any information provided after the date of this presentation.  MICROSOFT MAKES NO WARRANTIES, EXPRESS, IMPLIED OR STATUTORY, AS TO THE INFORMATION IN THIS PRESENTATION.</a:t>
-            </a:r>
-            <a:endParaRPr lang="en-US" sz="500" dirty="0">
-              <a:gradFill>
-                <a:gsLst>
-                  <a:gs pos="0">
-                    <a:schemeClr val="tx1"/>
-                  </a:gs>
-                  <a:gs pos="100000">
-                    <a:schemeClr val="tx1"/>
-                  </a:gs>
-                </a:gsLst>
-                <a:lin ang="5400000" scaled="0"/>
-              </a:gradFill>
-              <a:latin typeface="Segoe UI" pitchFamily="34" charset="0"/>
-              <a:ea typeface="Segoe UI" pitchFamily="34" charset="0"/>
-              <a:cs typeface="Segoe UI" pitchFamily="34" charset="0"/>
-            </a:endParaRPr>
           </a:p>
         </p:txBody>
       </p:sp>
     </p:spTree>
     <p:extLst>
       <p:ext uri="{BB962C8B-B14F-4D97-AF65-F5344CB8AC3E}">
-        <p14:creationId xmlns:p14="http://schemas.microsoft.com/office/powerpoint/2010/main" val="1384272028"/>
+        <p14:creationId xmlns:p14="http://schemas.microsoft.com/office/powerpoint/2010/main" val="3009876821"/>
       </p:ext>
     </p:extLst>
   </p:cSld>
@@ -4697,73 +4623,24 @@
           <a:p>
             <a:r>
               <a:rPr lang="en-US" dirty="0" smtClean="0"/>
-              <a:t>SharePoint 2013 implements the App Catalog using a site collection created from a special site template. The app Catalog is designed for Office 365 and for private corporate networks in that it is available to only</a:t>
+              <a:t>When it is time to deploy an app, the actual deployment is similar to standard web site because you must</a:t>
             </a:r>
             <a:r>
               <a:rPr lang="en-US" baseline="0" dirty="0" smtClean="0"/>
-              <a:t> to users who have been granted access. It p</a:t>
+              <a:t> make the Web page for an app and the office supporting files available on a Web server. However, you must also publish the manifest to make the app discoverable for installation. </a:t>
             </a:r>
             <a:r>
               <a:rPr lang="en-US" dirty="0" smtClean="0"/>
-              <a:t>rovides users with catalog of pre-screened and pre-approved apps. An App</a:t>
+              <a:t>IT admins can designate trusted App Catalogs via Global Policy Objects (GPO). Note</a:t>
             </a:r>
             <a:r>
               <a:rPr lang="en-US" baseline="0" dirty="0" smtClean="0"/>
-              <a:t> Catalog can be </a:t>
+              <a:t> that the m</a:t>
             </a:r>
             <a:r>
               <a:rPr lang="en-US" dirty="0" smtClean="0"/>
-              <a:t>used to deploy apps developed in-house of by 3</a:t>
-            </a:r>
-            <a:r>
-              <a:rPr lang="en-US" baseline="30000" dirty="0" smtClean="0"/>
-              <a:t>rd</a:t>
-            </a:r>
-            <a:r>
-              <a:rPr lang="en-US" dirty="0" smtClean="0"/>
-              <a:t> party ISVs. Note that the App Catalog in SharePoint</a:t>
-            </a:r>
-            <a:r>
-              <a:rPr lang="en-US" baseline="0" dirty="0" smtClean="0"/>
-              <a:t> s</a:t>
-            </a:r>
-            <a:r>
-              <a:rPr lang="en-US" dirty="0" smtClean="0"/>
-              <a:t>upports document-based apps (</a:t>
-            </a:r>
-            <a:r>
-              <a:rPr lang="en-US" i="1" dirty="0" smtClean="0"/>
-              <a:t>i.e. Task pane apps and Content apps</a:t>
-            </a:r>
-            <a:r>
-              <a:rPr lang="en-US" dirty="0" smtClean="0"/>
-              <a:t>).</a:t>
-            </a:r>
-          </a:p>
-          <a:p>
-            <a:endParaRPr lang="en-US" dirty="0" smtClean="0"/>
-          </a:p>
-          <a:p>
-            <a:r>
-              <a:rPr lang="en-US" dirty="0" smtClean="0"/>
-              <a:t>As already mentioned, the SharePoint App Catalog hosted using a SharePoint 2013 site collection. The actual catalog is simply a document library to which app manifests are uploaded.</a:t>
-            </a:r>
-            <a:r>
-              <a:rPr lang="en-US" baseline="0" dirty="0" smtClean="0"/>
-              <a:t> The a</a:t>
-            </a:r>
-            <a:r>
-              <a:rPr lang="en-US" dirty="0" smtClean="0"/>
-              <a:t>dministrator can configure app security settings that</a:t>
-            </a:r>
-            <a:r>
-              <a:rPr lang="en-US" baseline="0" dirty="0" smtClean="0"/>
-              <a:t> controls who can see and install the apps inside.</a:t>
-            </a:r>
-            <a:endParaRPr lang="en-US" dirty="0" smtClean="0"/>
-          </a:p>
-          <a:p>
-            <a:endParaRPr lang="en-US" dirty="0"/>
+              <a:t>anifests for Mail Apps must be uploaded to Exchange 2013 App Catalog.</a:t>
+            </a:r>
           </a:p>
         </p:txBody>
       </p:sp>
@@ -4790,9 +4667,9 @@
           <a:bodyPr/>
           <a:lstStyle/>
           <a:p>
-            <a:fld id="{E8ACEF62-E2D2-43AA-9423-0EAFEA11EF99}" type="datetime1">
+            <a:fld id="{1FACD3AE-923F-4C13-A9A6-673B7F1DFF4E}" type="datetime1">
               <a:rPr lang="en-US" smtClean="0"/>
-              <a:t>8/28/2014</a:t>
+              <a:t>9/2/2014</a:t>
             </a:fld>
             <a:endParaRPr lang="en-US"/>
           </a:p>
@@ -4923,7 +4800,7 @@
     </p:spTree>
     <p:extLst>
       <p:ext uri="{BB962C8B-B14F-4D97-AF65-F5344CB8AC3E}">
-        <p14:creationId xmlns:p14="http://schemas.microsoft.com/office/powerpoint/2010/main" val="1506203197"/>
+        <p14:creationId xmlns:p14="http://schemas.microsoft.com/office/powerpoint/2010/main" val="1384272028"/>
       </p:ext>
     </p:extLst>
   </p:cSld>
@@ -4979,24 +4856,72 @@
           <a:p>
             <a:r>
               <a:rPr lang="en-US" dirty="0" smtClean="0"/>
-              <a:t>A File Share App Catalog provides the easiest way to deploy Apps for Office. It does not require either SharePoint 2013 or Exchange 2013. Instead, app manifest are simply</a:t>
+              <a:t>SharePoint 2013 implements the App Catalog using a site collection created from a special site template. The app Catalog is designed for Office 365 and for private corporate networks in that it is available to only</a:t>
             </a:r>
             <a:r>
               <a:rPr lang="en-US" baseline="0" dirty="0" smtClean="0"/>
-              <a:t> copied to </a:t>
+              <a:t> to users who have been granted access. It p</a:t>
             </a:r>
             <a:r>
               <a:rPr lang="en-US" dirty="0" smtClean="0"/>
-              <a:t>a Windows file share. Of course, the user desktops running Office Applications must be configured </a:t>
-            </a:r>
-            <a:r>
-              <a:rPr lang="en-US" dirty="0" err="1" smtClean="0"/>
-              <a:t>configured</a:t>
+              <a:t>rovides users with catalog of pre-screened and pre-approved apps. An App</a:t>
+            </a:r>
+            <a:r>
+              <a:rPr lang="en-US" baseline="0" dirty="0" smtClean="0"/>
+              <a:t> Catalog can be </a:t>
             </a:r>
             <a:r>
               <a:rPr lang="en-US" dirty="0" smtClean="0"/>
-              <a:t> with the correct file share path to discover Apps for Office which can be done manually by user or centrally using GPO.</a:t>
-            </a:r>
+              <a:t>used to deploy apps developed in-house of by 3</a:t>
+            </a:r>
+            <a:r>
+              <a:rPr lang="en-US" baseline="30000" dirty="0" smtClean="0"/>
+              <a:t>rd</a:t>
+            </a:r>
+            <a:r>
+              <a:rPr lang="en-US" dirty="0" smtClean="0"/>
+              <a:t> party ISVs. Note that the App Catalog in SharePoint</a:t>
+            </a:r>
+            <a:r>
+              <a:rPr lang="en-US" baseline="0" dirty="0" smtClean="0"/>
+              <a:t> s</a:t>
+            </a:r>
+            <a:r>
+              <a:rPr lang="en-US" dirty="0" smtClean="0"/>
+              <a:t>upports document-based apps (</a:t>
+            </a:r>
+            <a:r>
+              <a:rPr lang="en-US" i="1" dirty="0" smtClean="0"/>
+              <a:t>i.e. Task pane apps and Content apps</a:t>
+            </a:r>
+            <a:r>
+              <a:rPr lang="en-US" dirty="0" smtClean="0"/>
+              <a:t>).</a:t>
+            </a:r>
+          </a:p>
+          <a:p>
+            <a:endParaRPr lang="en-US" dirty="0" smtClean="0"/>
+          </a:p>
+          <a:p>
+            <a:r>
+              <a:rPr lang="en-US" dirty="0" smtClean="0"/>
+              <a:t>As already mentioned, the SharePoint App Catalog hosted using a SharePoint 2013 site collection. The actual catalog is simply a document library to which app manifests are uploaded.</a:t>
+            </a:r>
+            <a:r>
+              <a:rPr lang="en-US" baseline="0" dirty="0" smtClean="0"/>
+              <a:t> The a</a:t>
+            </a:r>
+            <a:r>
+              <a:rPr lang="en-US" dirty="0" smtClean="0"/>
+              <a:t>dministrator can configure app security settings that</a:t>
+            </a:r>
+            <a:r>
+              <a:rPr lang="en-US" baseline="0" dirty="0" smtClean="0"/>
+              <a:t> controls who can see and install the apps inside.</a:t>
+            </a:r>
+            <a:endParaRPr lang="en-US" dirty="0" smtClean="0"/>
+          </a:p>
+          <a:p>
             <a:endParaRPr lang="en-US" dirty="0"/>
           </a:p>
         </p:txBody>
@@ -5024,9 +4949,9 @@
           <a:bodyPr/>
           <a:lstStyle/>
           <a:p>
-            <a:fld id="{19FBB715-882E-494B-9411-DF2FAA2E6AAD}" type="datetime1">
+            <a:fld id="{E8ACEF62-E2D2-43AA-9423-0EAFEA11EF99}" type="datetime1">
               <a:rPr lang="en-US" smtClean="0"/>
-              <a:t>8/28/2014</a:t>
+              <a:t>9/2/2014</a:t>
             </a:fld>
             <a:endParaRPr lang="en-US"/>
           </a:p>
@@ -5157,7 +5082,7 @@
     </p:spTree>
     <p:extLst>
       <p:ext uri="{BB962C8B-B14F-4D97-AF65-F5344CB8AC3E}">
-        <p14:creationId xmlns:p14="http://schemas.microsoft.com/office/powerpoint/2010/main" val="3221996167"/>
+        <p14:creationId xmlns:p14="http://schemas.microsoft.com/office/powerpoint/2010/main" val="1506203197"/>
       </p:ext>
     </p:extLst>
   </p:cSld>
@@ -5211,6 +5136,240 @@
           <a:bodyPr/>
           <a:lstStyle/>
           <a:p>
+            <a:r>
+              <a:rPr lang="en-US" dirty="0" smtClean="0"/>
+              <a:t>A File Share App Catalog provides the easiest way to deploy Apps for Office. It does not require either SharePoint 2013 or Exchange 2013. Instead, app manifest are simply</a:t>
+            </a:r>
+            <a:r>
+              <a:rPr lang="en-US" baseline="0" dirty="0" smtClean="0"/>
+              <a:t> copied to </a:t>
+            </a:r>
+            <a:r>
+              <a:rPr lang="en-US" dirty="0" smtClean="0"/>
+              <a:t>a Windows file share. Of course, the user desktops running Office Applications must be configured </a:t>
+            </a:r>
+            <a:r>
+              <a:rPr lang="en-US" dirty="0" err="1" smtClean="0"/>
+              <a:t>configured</a:t>
+            </a:r>
+            <a:r>
+              <a:rPr lang="en-US" dirty="0" smtClean="0"/>
+              <a:t> with the correct file share path to discover Apps for Office which can be done manually by user or centrally using GPO.</a:t>
+            </a:r>
+            <a:endParaRPr lang="en-US" dirty="0"/>
+          </a:p>
+        </p:txBody>
+      </p:sp>
+      <p:sp>
+        <p:nvSpPr>
+          <p:cNvPr id="4" name="Date Placeholder 3"/>
+          <p:cNvSpPr>
+            <a:spLocks noGrp="1"/>
+          </p:cNvSpPr>
+          <p:nvPr>
+            <p:ph type="dt" idx="10"/>
+          </p:nvPr>
+        </p:nvSpPr>
+        <p:spPr>
+          <a:xfrm>
+            <a:off x="3884613" y="0"/>
+            <a:ext cx="2971800" cy="457200"/>
+          </a:xfrm>
+          <a:prstGeom prst="rect">
+            <a:avLst/>
+          </a:prstGeom>
+        </p:spPr>
+        <p:txBody>
+          <a:bodyPr/>
+          <a:lstStyle/>
+          <a:p>
+            <a:fld id="{19FBB715-882E-494B-9411-DF2FAA2E6AAD}" type="datetime1">
+              <a:rPr lang="en-US" smtClean="0"/>
+              <a:t>9/2/2014</a:t>
+            </a:fld>
+            <a:endParaRPr lang="en-US"/>
+          </a:p>
+        </p:txBody>
+      </p:sp>
+      <p:sp>
+        <p:nvSpPr>
+          <p:cNvPr id="5" name="Slide Number Placeholder 4"/>
+          <p:cNvSpPr>
+            <a:spLocks noGrp="1"/>
+          </p:cNvSpPr>
+          <p:nvPr>
+            <p:ph type="sldNum" sz="quarter" idx="11"/>
+          </p:nvPr>
+        </p:nvSpPr>
+        <p:spPr/>
+        <p:txBody>
+          <a:bodyPr/>
+          <a:lstStyle/>
+          <a:p>
+            <a:fld id="{B4008EB6-D09E-4580-8CD6-DDB14511944F}" type="slidenum">
+              <a:rPr lang="en-US" smtClean="0"/>
+              <a:t>39</a:t>
+            </a:fld>
+            <a:endParaRPr lang="en-US" dirty="0"/>
+          </a:p>
+        </p:txBody>
+      </p:sp>
+      <p:sp>
+        <p:nvSpPr>
+          <p:cNvPr id="6" name="Header Placeholder 5"/>
+          <p:cNvSpPr>
+            <a:spLocks noGrp="1"/>
+          </p:cNvSpPr>
+          <p:nvPr>
+            <p:ph type="hdr" sz="quarter" idx="12"/>
+          </p:nvPr>
+        </p:nvSpPr>
+        <p:spPr/>
+        <p:txBody>
+          <a:bodyPr/>
+          <a:lstStyle/>
+          <a:p>
+            <a:r>
+              <a:rPr lang="en-US" smtClean="0"/>
+              <a:t>Microsoft Office</a:t>
+            </a:r>
+            <a:endParaRPr lang="en-US" dirty="0"/>
+          </a:p>
+        </p:txBody>
+      </p:sp>
+      <p:sp>
+        <p:nvSpPr>
+          <p:cNvPr id="7" name="Footer Placeholder 6"/>
+          <p:cNvSpPr>
+            <a:spLocks noGrp="1"/>
+          </p:cNvSpPr>
+          <p:nvPr>
+            <p:ph type="ftr" sz="quarter" idx="13"/>
+          </p:nvPr>
+        </p:nvSpPr>
+        <p:spPr/>
+        <p:txBody>
+          <a:bodyPr/>
+          <a:lstStyle/>
+          <a:p>
+            <a:pPr marL="231775" defTabSz="914099" eaLnBrk="0" hangingPunct="0"/>
+            <a:r>
+              <a:rPr lang="en-US" sz="500" smtClean="0">
+                <a:gradFill>
+                  <a:gsLst>
+                    <a:gs pos="0">
+                      <a:schemeClr val="tx1"/>
+                    </a:gs>
+                    <a:gs pos="100000">
+                      <a:schemeClr val="tx1"/>
+                    </a:gs>
+                  </a:gsLst>
+                  <a:lin ang="5400000" scaled="0"/>
+                </a:gradFill>
+                <a:latin typeface="Segoe UI" pitchFamily="34" charset="0"/>
+                <a:ea typeface="Segoe UI" pitchFamily="34" charset="0"/>
+                <a:cs typeface="Segoe UI" pitchFamily="34" charset="0"/>
+              </a:rPr>
+              <a:t>© 2012 Microsoft Corporation. All rights reserved. Microsoft, Windows, and other product names are or may be registered trademarks and/or trademarks in the U.S. and/or other countries.</a:t>
+            </a:r>
+          </a:p>
+          <a:p>
+            <a:pPr marL="231775" defTabSz="914099" eaLnBrk="0" hangingPunct="0"/>
+            <a:r>
+              <a:rPr lang="en-US" sz="500" smtClean="0">
+                <a:gradFill>
+                  <a:gsLst>
+                    <a:gs pos="0">
+                      <a:schemeClr val="tx1"/>
+                    </a:gs>
+                    <a:gs pos="100000">
+                      <a:schemeClr val="tx1"/>
+                    </a:gs>
+                  </a:gsLst>
+                  <a:lin ang="5400000" scaled="0"/>
+                </a:gradFill>
+                <a:latin typeface="Segoe UI" pitchFamily="34" charset="0"/>
+                <a:ea typeface="Segoe UI" pitchFamily="34" charset="0"/>
+                <a:cs typeface="Segoe UI" pitchFamily="34" charset="0"/>
+              </a:rPr>
+              <a:t>The information herein is for informational purposes only and represents the current view of Microsoft Corporation as of the date of this presentation.  Because Microsoft must respond to changing market conditions, it should not be interpreted to be a commitment on the part of Microsoft, and Microsoft cannot guarantee the accuracy of any information provided after the date of this presentation.  MICROSOFT MAKES NO WARRANTIES, EXPRESS, IMPLIED OR STATUTORY, AS TO THE INFORMATION IN THIS PRESENTATION.</a:t>
+            </a:r>
+            <a:endParaRPr lang="en-US" sz="500" dirty="0">
+              <a:gradFill>
+                <a:gsLst>
+                  <a:gs pos="0">
+                    <a:schemeClr val="tx1"/>
+                  </a:gs>
+                  <a:gs pos="100000">
+                    <a:schemeClr val="tx1"/>
+                  </a:gs>
+                </a:gsLst>
+                <a:lin ang="5400000" scaled="0"/>
+              </a:gradFill>
+              <a:latin typeface="Segoe UI" pitchFamily="34" charset="0"/>
+              <a:ea typeface="Segoe UI" pitchFamily="34" charset="0"/>
+              <a:cs typeface="Segoe UI" pitchFamily="34" charset="0"/>
+            </a:endParaRPr>
+          </a:p>
+        </p:txBody>
+      </p:sp>
+    </p:spTree>
+    <p:extLst>
+      <p:ext uri="{BB962C8B-B14F-4D97-AF65-F5344CB8AC3E}">
+        <p14:creationId xmlns:p14="http://schemas.microsoft.com/office/powerpoint/2010/main" val="3221996167"/>
+      </p:ext>
+    </p:extLst>
+  </p:cSld>
+  <p:clrMapOvr>
+    <a:masterClrMapping/>
+  </p:clrMapOvr>
+</p:notes>
+</file>
+
+<file path=ppt/notesSlides/notesSlide29.xml><?xml version="1.0" encoding="utf-8"?>
+<p:notes xmlns:a="http://schemas.openxmlformats.org/drawingml/2006/main" xmlns:r="http://schemas.openxmlformats.org/officeDocument/2006/relationships" xmlns:p="http://schemas.openxmlformats.org/presentationml/2006/main">
+  <p:cSld>
+    <p:spTree>
+      <p:nvGrpSpPr>
+        <p:cNvPr id="1" name=""/>
+        <p:cNvGrpSpPr/>
+        <p:nvPr/>
+      </p:nvGrpSpPr>
+      <p:grpSpPr>
+        <a:xfrm>
+          <a:off x="0" y="0"/>
+          <a:ext cx="0" cy="0"/>
+          <a:chOff x="0" y="0"/>
+          <a:chExt cx="0" cy="0"/>
+        </a:xfrm>
+      </p:grpSpPr>
+      <p:sp>
+        <p:nvSpPr>
+          <p:cNvPr id="2" name="Slide Image Placeholder 1"/>
+          <p:cNvSpPr>
+            <a:spLocks noGrp="1" noRot="1" noChangeAspect="1"/>
+          </p:cNvSpPr>
+          <p:nvPr>
+            <p:ph type="sldImg"/>
+          </p:nvPr>
+        </p:nvSpPr>
+        <p:spPr/>
+      </p:sp>
+      <p:sp>
+        <p:nvSpPr>
+          <p:cNvPr id="3" name="Notes Placeholder 2"/>
+          <p:cNvSpPr>
+            <a:spLocks noGrp="1"/>
+          </p:cNvSpPr>
+          <p:nvPr>
+            <p:ph type="body" idx="1"/>
+          </p:nvPr>
+        </p:nvSpPr>
+        <p:spPr/>
+        <p:txBody>
+          <a:bodyPr/>
+          <a:lstStyle/>
+          <a:p>
             <a:endParaRPr lang="en-US"/>
           </a:p>
         </p:txBody>
@@ -5343,7 +5502,7 @@
           <a:p>
             <a:fld id="{0BB6559B-C68D-49B4-97AE-9BB74C417927}" type="datetime1">
               <a:rPr lang="en-US" smtClean="0"/>
-              <a:t>8/28/2014</a:t>
+              <a:t>9/2/2014</a:t>
             </a:fld>
             <a:endParaRPr lang="en-US"/>
           </a:p>
@@ -5366,7 +5525,7 @@
           <a:p>
             <a:fld id="{B4008EB6-D09E-4580-8CD6-DDB14511944F}" type="slidenum">
               <a:rPr lang="en-US" smtClean="0"/>
-              <a:t>40</a:t>
+              <a:t>41</a:t>
             </a:fld>
             <a:endParaRPr lang="en-US" dirty="0"/>
           </a:p>
@@ -5506,7 +5665,7 @@
           <a:p>
             <a:fld id="{015232D4-6E30-4A26-A2CA-8531DCB72EA6}" type="datetime1">
               <a:rPr lang="en-US" smtClean="0"/>
-              <a:t>8/28/2014</a:t>
+              <a:t>9/2/2014</a:t>
             </a:fld>
             <a:endParaRPr lang="en-US"/>
           </a:p>
@@ -5886,7 +6045,7 @@
           <a:p>
             <a:fld id="{9FEEF74C-1007-402E-B0A6-22E0FEB3AB9E}" type="datetime1">
               <a:rPr lang="en-US" smtClean="0"/>
-              <a:t>8/28/2014</a:t>
+              <a:t>9/2/2014</a:t>
             </a:fld>
             <a:endParaRPr lang="en-US"/>
           </a:p>
@@ -6119,7 +6278,7 @@
           <a:p>
             <a:fld id="{0963315D-FADD-47D1-B04E-85DCA5AF53D6}" type="datetime1">
               <a:rPr lang="en-US" smtClean="0"/>
-              <a:t>8/28/2014</a:t>
+              <a:t>9/2/2014</a:t>
             </a:fld>
             <a:endParaRPr lang="en-US"/>
           </a:p>
@@ -6361,7 +6520,7 @@
           <a:p>
             <a:fld id="{F158C575-4F53-44CC-8D6E-CAE5944D2CEA}" type="datetime1">
               <a:rPr lang="en-US" smtClean="0"/>
-              <a:t>8/28/2014</a:t>
+              <a:t>9/2/2014</a:t>
             </a:fld>
             <a:endParaRPr lang="en-US"/>
           </a:p>
@@ -6649,7 +6808,7 @@
           <a:p>
             <a:fld id="{520542AC-2E5E-4BC8-BBEE-E2E42C12BB55}" type="datetime1">
               <a:rPr lang="en-US" smtClean="0"/>
-              <a:t>8/28/2014</a:t>
+              <a:t>9/2/2014</a:t>
             </a:fld>
             <a:endParaRPr lang="en-US"/>
           </a:p>
@@ -18355,7 +18514,7 @@
                 <a:gridCol w="11225057">
                   <a:extLst>
                     <a:ext uri="{9D8B030D-6E8A-4147-A177-3AD203B41FA5}">
-                      <a16:colId xmlns="" xmlns:a16="http://schemas.microsoft.com/office/drawing/2014/main" val="1253488153"/>
+                      <a16:colId xmlns:a16="http://schemas.microsoft.com/office/drawing/2014/main" xmlns="" val="1253488153"/>
                     </a:ext>
                   </a:extLst>
                 </a:gridCol>
@@ -18385,7 +18544,7 @@
                 </a:tc>
                 <a:extLst>
                   <a:ext uri="{0D108BD9-81ED-4DB2-BD59-A6C34878D82A}">
-                    <a16:rowId xmlns="" xmlns:a16="http://schemas.microsoft.com/office/drawing/2014/main" val="829859176"/>
+                    <a16:rowId xmlns:a16="http://schemas.microsoft.com/office/drawing/2014/main" xmlns="" val="829859176"/>
                   </a:ext>
                 </a:extLst>
               </a:tr>
@@ -18406,7 +18565,7 @@
                 </a:tc>
                 <a:extLst>
                   <a:ext uri="{0D108BD9-81ED-4DB2-BD59-A6C34878D82A}">
-                    <a16:rowId xmlns="" xmlns:a16="http://schemas.microsoft.com/office/drawing/2014/main" val="1946132611"/>
+                    <a16:rowId xmlns:a16="http://schemas.microsoft.com/office/drawing/2014/main" xmlns="" val="1946132611"/>
                   </a:ext>
                 </a:extLst>
               </a:tr>
@@ -18443,7 +18602,7 @@
                 </a:tc>
                 <a:extLst>
                   <a:ext uri="{0D108BD9-81ED-4DB2-BD59-A6C34878D82A}">
-                    <a16:rowId xmlns="" xmlns:a16="http://schemas.microsoft.com/office/drawing/2014/main" val="3204002662"/>
+                    <a16:rowId xmlns:a16="http://schemas.microsoft.com/office/drawing/2014/main" xmlns="" val="3204002662"/>
                   </a:ext>
                 </a:extLst>
               </a:tr>
@@ -18484,7 +18643,7 @@
                 </a:tc>
                 <a:extLst>
                   <a:ext uri="{0D108BD9-81ED-4DB2-BD59-A6C34878D82A}">
-                    <a16:rowId xmlns="" xmlns:a16="http://schemas.microsoft.com/office/drawing/2014/main" val="4266278162"/>
+                    <a16:rowId xmlns:a16="http://schemas.microsoft.com/office/drawing/2014/main" xmlns="" val="4266278162"/>
                   </a:ext>
                 </a:extLst>
               </a:tr>
@@ -18962,15 +19121,7 @@
           <a:p>
             <a:r>
               <a:rPr lang="en-US" dirty="0" smtClean="0"/>
-              <a:t>Creating an App </a:t>
-            </a:r>
-            <a:r>
-              <a:rPr lang="en-US" dirty="0" smtClean="0"/>
-              <a:t>for </a:t>
-            </a:r>
-            <a:r>
-              <a:rPr lang="en-US" dirty="0" smtClean="0"/>
-              <a:t>Office Targeting Microsoft Word</a:t>
+              <a:t>Creating an App for Office Targeting Microsoft Word</a:t>
             </a:r>
             <a:endParaRPr lang="en-US" dirty="0"/>
           </a:p>
@@ -20601,25 +20752,1829 @@
           <a:lstStyle/>
           <a:p>
             <a:r>
-              <a:rPr lang="en-US" sz="8000" dirty="0"/>
-              <a:t>Packaging and Deployment</a:t>
-            </a:r>
-          </a:p>
-        </p:txBody>
-      </p:sp>
+              <a:rPr lang="en-US" sz="4799" dirty="0"/>
+              <a:t>Open XML and Content Control Refresher</a:t>
+            </a:r>
+          </a:p>
+        </p:txBody>
+      </p:sp>
+      <p:sp>
+        <p:nvSpPr>
+          <p:cNvPr id="54" name="Content Placeholder 53"/>
+          <p:cNvSpPr>
+            <a:spLocks noGrp="1"/>
+          </p:cNvSpPr>
+          <p:nvPr>
+            <p:ph type="body" sz="quarter" idx="10"/>
+          </p:nvPr>
+        </p:nvSpPr>
+        <p:spPr/>
+        <p:txBody>
+          <a:bodyPr/>
+          <a:lstStyle/>
+          <a:p>
+            <a:r>
+              <a:rPr lang="en-US" sz="2399" dirty="0"/>
+              <a:t>The </a:t>
+            </a:r>
+            <a:r>
+              <a:rPr lang="en-US" sz="2399" dirty="0" err="1"/>
+              <a:t>TimeSummary</a:t>
+            </a:r>
+            <a:r>
+              <a:rPr lang="en-US" sz="2399" dirty="0"/>
+              <a:t> document contains custom XML document</a:t>
+            </a:r>
+          </a:p>
+          <a:p>
+            <a:pPr lvl="1"/>
+            <a:r>
+              <a:rPr lang="en-US" sz="1999" dirty="0"/>
+              <a:t>Inner XML document contains elements bound to Word Content Controls</a:t>
+            </a:r>
+          </a:p>
+          <a:p>
+            <a:pPr lvl="1"/>
+            <a:r>
+              <a:rPr lang="en-US" sz="1999" dirty="0"/>
+              <a:t>Custom XML document can be modified/updated by your app</a:t>
+            </a:r>
+          </a:p>
+          <a:p>
+            <a:pPr lvl="1"/>
+            <a:r>
+              <a:rPr lang="en-US" sz="1999" dirty="0"/>
+              <a:t>Custom XML document can be modified by user input</a:t>
+            </a:r>
+          </a:p>
+          <a:p>
+            <a:endParaRPr lang="en-US" sz="2399" dirty="0"/>
+          </a:p>
+        </p:txBody>
+      </p:sp>
+      <p:sp>
+        <p:nvSpPr>
+          <p:cNvPr id="32" name="Rounded Rectangle 31"/>
+          <p:cNvSpPr/>
+          <p:nvPr/>
+        </p:nvSpPr>
+        <p:spPr bwMode="auto">
+          <a:xfrm>
+            <a:off x="5834132" y="3018220"/>
+            <a:ext cx="1894318" cy="3093740"/>
+          </a:xfrm>
+          <a:prstGeom prst="roundRect">
+            <a:avLst/>
+          </a:prstGeom>
+          <a:solidFill>
+            <a:schemeClr val="accent5">
+              <a:lumMod val="75000"/>
+            </a:schemeClr>
+          </a:solidFill>
+          <a:ln>
+            <a:noFill/>
+            <a:headEnd type="none" w="med" len="med"/>
+            <a:tailEnd type="none" w="med" len="med"/>
+          </a:ln>
+          <a:effectLst/>
+        </p:spPr>
+        <p:style>
+          <a:lnRef idx="1">
+            <a:schemeClr val="accent2"/>
+          </a:lnRef>
+          <a:fillRef idx="3">
+            <a:schemeClr val="accent2"/>
+          </a:fillRef>
+          <a:effectRef idx="2">
+            <a:schemeClr val="accent2"/>
+          </a:effectRef>
+          <a:fontRef idx="minor">
+            <a:schemeClr val="lt1"/>
+          </a:fontRef>
+        </p:style>
+        <p:txBody>
+          <a:bodyPr vert="horz" wrap="square" lIns="182832" tIns="182832" rIns="182832" bIns="45706" numCol="1" rtlCol="0" anchor="t" anchorCtr="0" compatLnSpc="1">
+            <a:prstTxWarp prst="textNoShape">
+              <a:avLst/>
+            </a:prstTxWarp>
+          </a:bodyPr>
+          <a:lstStyle/>
+          <a:p>
+            <a:pPr algn="ctr" defTabSz="913825" fontAlgn="base">
+              <a:spcBef>
+                <a:spcPct val="0"/>
+              </a:spcBef>
+              <a:spcAft>
+                <a:spcPct val="0"/>
+              </a:spcAft>
+            </a:pPr>
+            <a:endParaRPr lang="en-US" sz="1799" dirty="0">
+              <a:gradFill>
+                <a:gsLst>
+                  <a:gs pos="0">
+                    <a:srgbClr val="FFFFFF"/>
+                  </a:gs>
+                  <a:gs pos="100000">
+                    <a:srgbClr val="FFFFFF"/>
+                  </a:gs>
+                </a:gsLst>
+                <a:lin ang="5400000" scaled="0"/>
+              </a:gradFill>
+              <a:latin typeface="Segoe Condensed" pitchFamily="34" charset="0"/>
+            </a:endParaRPr>
+          </a:p>
+        </p:txBody>
+      </p:sp>
+      <p:sp>
+        <p:nvSpPr>
+          <p:cNvPr id="36" name="Rectangle 35"/>
+          <p:cNvSpPr/>
+          <p:nvPr/>
+        </p:nvSpPr>
+        <p:spPr bwMode="auto">
+          <a:xfrm>
+            <a:off x="6803753" y="4256863"/>
+            <a:ext cx="802311" cy="802311"/>
+          </a:xfrm>
+          <a:prstGeom prst="rect">
+            <a:avLst/>
+          </a:prstGeom>
+          <a:solidFill>
+            <a:schemeClr val="accent1">
+              <a:lumMod val="75000"/>
+            </a:schemeClr>
+          </a:solidFill>
+          <a:ln w="3175">
+            <a:solidFill>
+              <a:schemeClr val="bg1">
+                <a:lumMod val="75000"/>
+              </a:schemeClr>
+            </a:solidFill>
+            <a:headEnd type="none" w="med" len="med"/>
+            <a:tailEnd type="none" w="med" len="med"/>
+          </a:ln>
+          <a:effectLst/>
+        </p:spPr>
+        <p:style>
+          <a:lnRef idx="1">
+            <a:schemeClr val="accent2"/>
+          </a:lnRef>
+          <a:fillRef idx="3">
+            <a:schemeClr val="accent2"/>
+          </a:fillRef>
+          <a:effectRef idx="2">
+            <a:schemeClr val="accent2"/>
+          </a:effectRef>
+          <a:fontRef idx="minor">
+            <a:schemeClr val="lt1"/>
+          </a:fontRef>
+        </p:style>
+        <p:txBody>
+          <a:bodyPr rot="0" spcFirstLastPara="0" vertOverflow="overflow" horzOverflow="overflow" vert="horz" wrap="square" lIns="91416" tIns="45708" rIns="45708" bIns="91416" numCol="1" spcCol="0" rtlCol="0" fromWordArt="0" anchor="b" anchorCtr="0" forceAA="0" compatLnSpc="1">
+            <a:prstTxWarp prst="textNoShape">
+              <a:avLst/>
+            </a:prstTxWarp>
+            <a:noAutofit/>
+          </a:bodyPr>
+          <a:lstStyle/>
+          <a:p>
+            <a:pPr defTabSz="913307" fontAlgn="base">
+              <a:spcBef>
+                <a:spcPct val="0"/>
+              </a:spcBef>
+              <a:spcAft>
+                <a:spcPct val="0"/>
+              </a:spcAft>
+            </a:pPr>
+            <a:r>
+              <a:rPr lang="en-US" sz="800" b="1" dirty="0">
+                <a:solidFill>
+                  <a:schemeClr val="bg1"/>
+                </a:solidFill>
+                <a:ea typeface="Segoe UI" pitchFamily="34" charset="0"/>
+                <a:cs typeface="Segoe UI" pitchFamily="34" charset="0"/>
+              </a:rPr>
+              <a:t>word</a:t>
+            </a:r>
+          </a:p>
+        </p:txBody>
+      </p:sp>
+      <p:sp>
+        <p:nvSpPr>
+          <p:cNvPr id="37" name="Rectangle 36"/>
+          <p:cNvSpPr/>
+          <p:nvPr/>
+        </p:nvSpPr>
+        <p:spPr bwMode="auto">
+          <a:xfrm>
+            <a:off x="5957539" y="3408328"/>
+            <a:ext cx="802311" cy="802311"/>
+          </a:xfrm>
+          <a:prstGeom prst="rect">
+            <a:avLst/>
+          </a:prstGeom>
+          <a:solidFill>
+            <a:schemeClr val="accent1">
+              <a:lumMod val="75000"/>
+            </a:schemeClr>
+          </a:solidFill>
+          <a:ln w="3175">
+            <a:solidFill>
+              <a:schemeClr val="bg1">
+                <a:lumMod val="75000"/>
+              </a:schemeClr>
+            </a:solidFill>
+            <a:headEnd type="none" w="med" len="med"/>
+            <a:tailEnd type="none" w="med" len="med"/>
+          </a:ln>
+          <a:effectLst/>
+        </p:spPr>
+        <p:style>
+          <a:lnRef idx="1">
+            <a:schemeClr val="accent2"/>
+          </a:lnRef>
+          <a:fillRef idx="3">
+            <a:schemeClr val="accent2"/>
+          </a:fillRef>
+          <a:effectRef idx="2">
+            <a:schemeClr val="accent2"/>
+          </a:effectRef>
+          <a:fontRef idx="minor">
+            <a:schemeClr val="lt1"/>
+          </a:fontRef>
+        </p:style>
+        <p:txBody>
+          <a:bodyPr rot="0" spcFirstLastPara="0" vertOverflow="overflow" horzOverflow="overflow" vert="horz" wrap="square" lIns="91416" tIns="45708" rIns="45708" bIns="91416" numCol="1" spcCol="0" rtlCol="0" fromWordArt="0" anchor="b" anchorCtr="0" forceAA="0" compatLnSpc="1">
+            <a:prstTxWarp prst="textNoShape">
+              <a:avLst/>
+            </a:prstTxWarp>
+            <a:noAutofit/>
+          </a:bodyPr>
+          <a:lstStyle/>
+          <a:p>
+            <a:pPr defTabSz="913307" fontAlgn="base">
+              <a:spcBef>
+                <a:spcPct val="0"/>
+              </a:spcBef>
+              <a:spcAft>
+                <a:spcPct val="0"/>
+              </a:spcAft>
+            </a:pPr>
+            <a:r>
+              <a:rPr lang="en-US" sz="800" b="1" dirty="0">
+                <a:solidFill>
+                  <a:schemeClr val="bg1"/>
+                </a:solidFill>
+                <a:ea typeface="Segoe UI" pitchFamily="34" charset="0"/>
+                <a:cs typeface="Segoe UI" pitchFamily="34" charset="0"/>
+              </a:rPr>
+              <a:t>_</a:t>
+            </a:r>
+            <a:r>
+              <a:rPr lang="en-US" sz="800" b="1" dirty="0" err="1">
+                <a:solidFill>
+                  <a:schemeClr val="bg1"/>
+                </a:solidFill>
+                <a:ea typeface="Segoe UI" pitchFamily="34" charset="0"/>
+                <a:cs typeface="Segoe UI" pitchFamily="34" charset="0"/>
+              </a:rPr>
+              <a:t>rels</a:t>
+            </a:r>
+            <a:endParaRPr lang="en-US" sz="800" b="1" dirty="0">
+              <a:solidFill>
+                <a:schemeClr val="bg1"/>
+              </a:solidFill>
+              <a:ea typeface="Segoe UI" pitchFamily="34" charset="0"/>
+              <a:cs typeface="Segoe UI" pitchFamily="34" charset="0"/>
+            </a:endParaRPr>
+          </a:p>
+        </p:txBody>
+      </p:sp>
+      <p:sp>
+        <p:nvSpPr>
+          <p:cNvPr id="38" name="Rectangle 37"/>
+          <p:cNvSpPr/>
+          <p:nvPr/>
+        </p:nvSpPr>
+        <p:spPr bwMode="auto">
+          <a:xfrm>
+            <a:off x="6803753" y="3408328"/>
+            <a:ext cx="802311" cy="802311"/>
+          </a:xfrm>
+          <a:prstGeom prst="rect">
+            <a:avLst/>
+          </a:prstGeom>
+          <a:solidFill>
+            <a:schemeClr val="accent1">
+              <a:lumMod val="75000"/>
+            </a:schemeClr>
+          </a:solidFill>
+          <a:ln w="3175">
+            <a:solidFill>
+              <a:schemeClr val="bg1">
+                <a:lumMod val="75000"/>
+              </a:schemeClr>
+            </a:solidFill>
+            <a:headEnd type="none" w="med" len="med"/>
+            <a:tailEnd type="none" w="med" len="med"/>
+          </a:ln>
+          <a:effectLst/>
+        </p:spPr>
+        <p:style>
+          <a:lnRef idx="1">
+            <a:schemeClr val="accent2"/>
+          </a:lnRef>
+          <a:fillRef idx="3">
+            <a:schemeClr val="accent2"/>
+          </a:fillRef>
+          <a:effectRef idx="2">
+            <a:schemeClr val="accent2"/>
+          </a:effectRef>
+          <a:fontRef idx="minor">
+            <a:schemeClr val="lt1"/>
+          </a:fontRef>
+        </p:style>
+        <p:txBody>
+          <a:bodyPr rot="0" spcFirstLastPara="0" vertOverflow="overflow" horzOverflow="overflow" vert="horz" wrap="square" lIns="91416" tIns="45708" rIns="45708" bIns="91416" numCol="1" spcCol="0" rtlCol="0" fromWordArt="0" anchor="b" anchorCtr="0" forceAA="0" compatLnSpc="1">
+            <a:prstTxWarp prst="textNoShape">
+              <a:avLst/>
+            </a:prstTxWarp>
+            <a:noAutofit/>
+          </a:bodyPr>
+          <a:lstStyle/>
+          <a:p>
+            <a:pPr defTabSz="913307" fontAlgn="base">
+              <a:spcBef>
+                <a:spcPct val="0"/>
+              </a:spcBef>
+              <a:spcAft>
+                <a:spcPct val="0"/>
+              </a:spcAft>
+            </a:pPr>
+            <a:r>
+              <a:rPr lang="en-US" sz="800" b="1" dirty="0" err="1">
+                <a:solidFill>
+                  <a:schemeClr val="bg1"/>
+                </a:solidFill>
+                <a:ea typeface="Segoe UI" pitchFamily="34" charset="0"/>
+                <a:cs typeface="Segoe UI" pitchFamily="34" charset="0"/>
+              </a:rPr>
+              <a:t>customXml</a:t>
+            </a:r>
+            <a:endParaRPr lang="en-US" sz="800" b="1" dirty="0">
+              <a:solidFill>
+                <a:schemeClr val="bg1"/>
+              </a:solidFill>
+              <a:ea typeface="Segoe UI" pitchFamily="34" charset="0"/>
+              <a:cs typeface="Segoe UI" pitchFamily="34" charset="0"/>
+            </a:endParaRPr>
+          </a:p>
+        </p:txBody>
+      </p:sp>
+      <p:sp>
+        <p:nvSpPr>
+          <p:cNvPr id="39" name="Rectangle 38"/>
+          <p:cNvSpPr/>
+          <p:nvPr/>
+        </p:nvSpPr>
+        <p:spPr bwMode="auto">
+          <a:xfrm>
+            <a:off x="5957539" y="4256864"/>
+            <a:ext cx="802311" cy="802311"/>
+          </a:xfrm>
+          <a:prstGeom prst="rect">
+            <a:avLst/>
+          </a:prstGeom>
+          <a:solidFill>
+            <a:schemeClr val="accent1">
+              <a:lumMod val="75000"/>
+            </a:schemeClr>
+          </a:solidFill>
+          <a:ln w="3175">
+            <a:solidFill>
+              <a:schemeClr val="bg1">
+                <a:lumMod val="75000"/>
+              </a:schemeClr>
+            </a:solidFill>
+            <a:headEnd type="none" w="med" len="med"/>
+            <a:tailEnd type="none" w="med" len="med"/>
+          </a:ln>
+          <a:effectLst/>
+        </p:spPr>
+        <p:style>
+          <a:lnRef idx="1">
+            <a:schemeClr val="accent2"/>
+          </a:lnRef>
+          <a:fillRef idx="3">
+            <a:schemeClr val="accent2"/>
+          </a:fillRef>
+          <a:effectRef idx="2">
+            <a:schemeClr val="accent2"/>
+          </a:effectRef>
+          <a:fontRef idx="minor">
+            <a:schemeClr val="lt1"/>
+          </a:fontRef>
+        </p:style>
+        <p:txBody>
+          <a:bodyPr rot="0" spcFirstLastPara="0" vertOverflow="overflow" horzOverflow="overflow" vert="horz" wrap="square" lIns="91416" tIns="45708" rIns="45708" bIns="91416" numCol="1" spcCol="0" rtlCol="0" fromWordArt="0" anchor="b" anchorCtr="0" forceAA="0" compatLnSpc="1">
+            <a:prstTxWarp prst="textNoShape">
+              <a:avLst/>
+            </a:prstTxWarp>
+            <a:noAutofit/>
+          </a:bodyPr>
+          <a:lstStyle/>
+          <a:p>
+            <a:pPr defTabSz="913307" fontAlgn="base">
+              <a:spcBef>
+                <a:spcPct val="0"/>
+              </a:spcBef>
+              <a:spcAft>
+                <a:spcPct val="0"/>
+              </a:spcAft>
+            </a:pPr>
+            <a:r>
+              <a:rPr lang="en-US" sz="800" b="1" dirty="0" err="1">
+                <a:solidFill>
+                  <a:schemeClr val="bg1"/>
+                </a:solidFill>
+                <a:ea typeface="Segoe UI" pitchFamily="34" charset="0"/>
+                <a:cs typeface="Segoe UI" pitchFamily="34" charset="0"/>
+              </a:rPr>
+              <a:t>docProps</a:t>
+            </a:r>
+            <a:endParaRPr lang="en-US" sz="800" b="1" dirty="0">
+              <a:solidFill>
+                <a:schemeClr val="bg1"/>
+              </a:solidFill>
+              <a:ea typeface="Segoe UI" pitchFamily="34" charset="0"/>
+              <a:cs typeface="Segoe UI" pitchFamily="34" charset="0"/>
+            </a:endParaRPr>
+          </a:p>
+        </p:txBody>
+      </p:sp>
+      <p:sp>
+        <p:nvSpPr>
+          <p:cNvPr id="41" name="Rectangle 40"/>
+          <p:cNvSpPr/>
+          <p:nvPr/>
+        </p:nvSpPr>
+        <p:spPr bwMode="auto">
+          <a:xfrm>
+            <a:off x="6803753" y="5112432"/>
+            <a:ext cx="802311" cy="802311"/>
+          </a:xfrm>
+          <a:prstGeom prst="rect">
+            <a:avLst/>
+          </a:prstGeom>
+          <a:solidFill>
+            <a:schemeClr val="accent1">
+              <a:lumMod val="75000"/>
+            </a:schemeClr>
+          </a:solidFill>
+          <a:ln w="3175">
+            <a:solidFill>
+              <a:schemeClr val="bg1">
+                <a:lumMod val="75000"/>
+              </a:schemeClr>
+            </a:solidFill>
+            <a:headEnd type="none" w="med" len="med"/>
+            <a:tailEnd type="none" w="med" len="med"/>
+          </a:ln>
+          <a:effectLst/>
+        </p:spPr>
+        <p:style>
+          <a:lnRef idx="1">
+            <a:schemeClr val="accent2"/>
+          </a:lnRef>
+          <a:fillRef idx="3">
+            <a:schemeClr val="accent2"/>
+          </a:fillRef>
+          <a:effectRef idx="2">
+            <a:schemeClr val="accent2"/>
+          </a:effectRef>
+          <a:fontRef idx="minor">
+            <a:schemeClr val="lt1"/>
+          </a:fontRef>
+        </p:style>
+        <p:txBody>
+          <a:bodyPr rot="0" spcFirstLastPara="0" vertOverflow="overflow" horzOverflow="overflow" vert="horz" wrap="square" lIns="76159" tIns="38079" rIns="38079" bIns="76159" numCol="1" spcCol="0" rtlCol="0" fromWordArt="0" anchor="b" anchorCtr="0" forceAA="0" compatLnSpc="1">
+            <a:prstTxWarp prst="textNoShape">
+              <a:avLst/>
+            </a:prstTxWarp>
+            <a:noAutofit/>
+          </a:bodyPr>
+          <a:lstStyle/>
+          <a:p>
+            <a:pPr defTabSz="913307" fontAlgn="base">
+              <a:spcBef>
+                <a:spcPct val="0"/>
+              </a:spcBef>
+              <a:spcAft>
+                <a:spcPct val="0"/>
+              </a:spcAft>
+            </a:pPr>
+            <a:endParaRPr lang="en-US" sz="800" b="1" dirty="0" err="1">
+              <a:solidFill>
+                <a:schemeClr val="bg1"/>
+              </a:solidFill>
+              <a:ea typeface="Segoe UI" pitchFamily="34" charset="0"/>
+              <a:cs typeface="Segoe UI" pitchFamily="34" charset="0"/>
+            </a:endParaRPr>
+          </a:p>
+        </p:txBody>
+      </p:sp>
+      <p:sp>
+        <p:nvSpPr>
+          <p:cNvPr id="42" name="Rectangle 41"/>
+          <p:cNvSpPr/>
+          <p:nvPr/>
+        </p:nvSpPr>
+        <p:spPr bwMode="auto">
+          <a:xfrm>
+            <a:off x="5957539" y="5112433"/>
+            <a:ext cx="802311" cy="802311"/>
+          </a:xfrm>
+          <a:prstGeom prst="rect">
+            <a:avLst/>
+          </a:prstGeom>
+          <a:solidFill>
+            <a:schemeClr val="accent1">
+              <a:lumMod val="75000"/>
+            </a:schemeClr>
+          </a:solidFill>
+          <a:ln w="3175">
+            <a:solidFill>
+              <a:schemeClr val="bg1">
+                <a:lumMod val="75000"/>
+              </a:schemeClr>
+            </a:solidFill>
+            <a:headEnd type="none" w="med" len="med"/>
+            <a:tailEnd type="none" w="med" len="med"/>
+          </a:ln>
+          <a:effectLst/>
+        </p:spPr>
+        <p:style>
+          <a:lnRef idx="1">
+            <a:schemeClr val="accent2"/>
+          </a:lnRef>
+          <a:fillRef idx="3">
+            <a:schemeClr val="accent2"/>
+          </a:fillRef>
+          <a:effectRef idx="2">
+            <a:schemeClr val="accent2"/>
+          </a:effectRef>
+          <a:fontRef idx="minor">
+            <a:schemeClr val="lt1"/>
+          </a:fontRef>
+        </p:style>
+        <p:txBody>
+          <a:bodyPr rot="0" spcFirstLastPara="0" vertOverflow="overflow" horzOverflow="overflow" vert="horz" wrap="square" lIns="76159" tIns="38079" rIns="38079" bIns="76159" numCol="1" spcCol="0" rtlCol="0" fromWordArt="0" anchor="b" anchorCtr="0" forceAA="0" compatLnSpc="1">
+            <a:prstTxWarp prst="textNoShape">
+              <a:avLst/>
+            </a:prstTxWarp>
+            <a:noAutofit/>
+          </a:bodyPr>
+          <a:lstStyle/>
+          <a:p>
+            <a:pPr defTabSz="913307" fontAlgn="base">
+              <a:spcBef>
+                <a:spcPct val="0"/>
+              </a:spcBef>
+              <a:spcAft>
+                <a:spcPct val="0"/>
+              </a:spcAft>
+            </a:pPr>
+            <a:r>
+              <a:rPr lang="en-US" sz="800" b="1" dirty="0">
+                <a:solidFill>
+                  <a:schemeClr val="bg1"/>
+                </a:solidFill>
+                <a:ea typeface="Segoe UI" pitchFamily="34" charset="0"/>
+                <a:cs typeface="Segoe UI" pitchFamily="34" charset="0"/>
+              </a:rPr>
+              <a:t>Content Types</a:t>
+            </a:r>
+          </a:p>
+        </p:txBody>
+      </p:sp>
+      <p:sp>
+        <p:nvSpPr>
+          <p:cNvPr id="44" name="Rectangle 43"/>
+          <p:cNvSpPr/>
+          <p:nvPr/>
+        </p:nvSpPr>
+        <p:spPr bwMode="auto">
+          <a:xfrm>
+            <a:off x="5814349" y="3018221"/>
+            <a:ext cx="1950034" cy="3065137"/>
+          </a:xfrm>
+          <a:prstGeom prst="rect">
+            <a:avLst/>
+          </a:prstGeom>
+          <a:noFill/>
+          <a:ln>
+            <a:noFill/>
+            <a:headEnd type="none" w="med" len="med"/>
+            <a:tailEnd type="none" w="med" len="med"/>
+          </a:ln>
+          <a:effectLst/>
+        </p:spPr>
+        <p:style>
+          <a:lnRef idx="1">
+            <a:schemeClr val="accent4"/>
+          </a:lnRef>
+          <a:fillRef idx="3">
+            <a:schemeClr val="accent4"/>
+          </a:fillRef>
+          <a:effectRef idx="2">
+            <a:schemeClr val="accent4"/>
+          </a:effectRef>
+          <a:fontRef idx="minor">
+            <a:schemeClr val="lt1"/>
+          </a:fontRef>
+        </p:style>
+        <p:txBody>
+          <a:bodyPr vert="horz" wrap="square" lIns="76155" tIns="38078" rIns="76155" bIns="38078" numCol="1" rtlCol="0" anchor="ctr" anchorCtr="0" compatLnSpc="1">
+            <a:prstTxWarp prst="textNoShape">
+              <a:avLst/>
+            </a:prstTxWarp>
+          </a:bodyPr>
+          <a:lstStyle/>
+          <a:p>
+            <a:pPr algn="ctr" defTabSz="761308"/>
+            <a:endParaRPr lang="en-US" sz="1200" dirty="0">
+              <a:gradFill>
+                <a:gsLst>
+                  <a:gs pos="0">
+                    <a:srgbClr val="FFFFFF"/>
+                  </a:gs>
+                  <a:gs pos="100000">
+                    <a:srgbClr val="FFFFFF"/>
+                  </a:gs>
+                </a:gsLst>
+                <a:lin ang="5400000" scaled="0"/>
+              </a:gradFill>
+            </a:endParaRPr>
+          </a:p>
+        </p:txBody>
+      </p:sp>
+      <p:sp>
+        <p:nvSpPr>
+          <p:cNvPr id="45" name="TextBox 44"/>
+          <p:cNvSpPr txBox="1"/>
+          <p:nvPr/>
+        </p:nvSpPr>
+        <p:spPr>
+          <a:xfrm>
+            <a:off x="6154575" y="3129679"/>
+            <a:ext cx="1362197" cy="184618"/>
+          </a:xfrm>
+          <a:prstGeom prst="rect">
+            <a:avLst/>
+          </a:prstGeom>
+          <a:noFill/>
+        </p:spPr>
+        <p:txBody>
+          <a:bodyPr wrap="none" lIns="0" tIns="0" rIns="0" bIns="0" rtlCol="0">
+            <a:spAutoFit/>
+          </a:bodyPr>
+          <a:lstStyle/>
+          <a:p>
+            <a:r>
+              <a:rPr lang="en-US" sz="1200" b="1" dirty="0">
+                <a:solidFill>
+                  <a:schemeClr val="bg1"/>
+                </a:solidFill>
+              </a:rPr>
+              <a:t>Word file structure</a:t>
+            </a:r>
+          </a:p>
+        </p:txBody>
+      </p:sp>
+      <p:pic>
+        <p:nvPicPr>
+          <p:cNvPr id="46" name="Picture 3" descr="\\MAGNUM\Projects\Microsoft\Cloud Power FY12\Design\ICONS_PNG\Document.png"/>
+          <p:cNvPicPr>
+            <a:picLocks noChangeAspect="1" noChangeArrowheads="1"/>
+          </p:cNvPicPr>
+          <p:nvPr/>
+        </p:nvPicPr>
+        <p:blipFill>
+          <a:blip r:embed="rId3" cstate="print">
+            <a:lum bright="100000"/>
+          </a:blip>
+          <a:stretch>
+            <a:fillRect/>
+          </a:stretch>
+        </p:blipFill>
+        <p:spPr bwMode="auto">
+          <a:xfrm>
+            <a:off x="6180401" y="5255521"/>
+            <a:ext cx="390006" cy="390108"/>
+          </a:xfrm>
+          <a:prstGeom prst="rect">
+            <a:avLst/>
+          </a:prstGeom>
+          <a:noFill/>
+        </p:spPr>
+      </p:pic>
+      <p:pic>
+        <p:nvPicPr>
+          <p:cNvPr id="47" name="Picture 46" descr="C:\Users\mitchellg\Desktop\Folder.png"/>
+          <p:cNvPicPr>
+            <a:picLocks noChangeAspect="1" noChangeArrowheads="1"/>
+          </p:cNvPicPr>
+          <p:nvPr/>
+        </p:nvPicPr>
+        <p:blipFill>
+          <a:blip r:embed="rId4" cstate="print">
+            <a:lum bright="100000"/>
+          </a:blip>
+          <a:srcRect/>
+          <a:stretch>
+            <a:fillRect/>
+          </a:stretch>
+        </p:blipFill>
+        <p:spPr bwMode="auto">
+          <a:xfrm>
+            <a:off x="6152542" y="4411464"/>
+            <a:ext cx="445722" cy="445838"/>
+          </a:xfrm>
+          <a:prstGeom prst="rect">
+            <a:avLst/>
+          </a:prstGeom>
+          <a:noFill/>
+        </p:spPr>
+      </p:pic>
+      <p:pic>
+        <p:nvPicPr>
+          <p:cNvPr id="48" name="Picture 47" descr="C:\Users\mitchellg\Desktop\Folder.png"/>
+          <p:cNvPicPr>
+            <a:picLocks noChangeAspect="1" noChangeArrowheads="1"/>
+          </p:cNvPicPr>
+          <p:nvPr/>
+        </p:nvPicPr>
+        <p:blipFill>
+          <a:blip r:embed="rId4" cstate="print">
+            <a:lum bright="100000"/>
+          </a:blip>
+          <a:srcRect/>
+          <a:stretch>
+            <a:fillRect/>
+          </a:stretch>
+        </p:blipFill>
+        <p:spPr bwMode="auto">
+          <a:xfrm>
+            <a:off x="6152542" y="3586565"/>
+            <a:ext cx="445722" cy="445838"/>
+          </a:xfrm>
+          <a:prstGeom prst="rect">
+            <a:avLst/>
+          </a:prstGeom>
+          <a:noFill/>
+        </p:spPr>
+      </p:pic>
+      <p:pic>
+        <p:nvPicPr>
+          <p:cNvPr id="49" name="Picture 48" descr="C:\Users\mitchellg\Desktop\Folder.png"/>
+          <p:cNvPicPr>
+            <a:picLocks noChangeAspect="1" noChangeArrowheads="1"/>
+          </p:cNvPicPr>
+          <p:nvPr/>
+        </p:nvPicPr>
+        <p:blipFill>
+          <a:blip r:embed="rId4" cstate="print">
+            <a:lum bright="100000"/>
+          </a:blip>
+          <a:srcRect/>
+          <a:stretch>
+            <a:fillRect/>
+          </a:stretch>
+        </p:blipFill>
+        <p:spPr bwMode="auto">
+          <a:xfrm>
+            <a:off x="6982047" y="3586565"/>
+            <a:ext cx="445722" cy="445838"/>
+          </a:xfrm>
+          <a:prstGeom prst="rect">
+            <a:avLst/>
+          </a:prstGeom>
+          <a:noFill/>
+        </p:spPr>
+      </p:pic>
+      <p:pic>
+        <p:nvPicPr>
+          <p:cNvPr id="50" name="Picture 49" descr="C:\Users\mitchellg\Desktop\Folder.png"/>
+          <p:cNvPicPr>
+            <a:picLocks noChangeAspect="1" noChangeArrowheads="1"/>
+          </p:cNvPicPr>
+          <p:nvPr/>
+        </p:nvPicPr>
+        <p:blipFill>
+          <a:blip r:embed="rId4" cstate="print">
+            <a:lum bright="100000"/>
+          </a:blip>
+          <a:srcRect/>
+          <a:stretch>
+            <a:fillRect/>
+          </a:stretch>
+        </p:blipFill>
+        <p:spPr bwMode="auto">
+          <a:xfrm>
+            <a:off x="6960413" y="4411464"/>
+            <a:ext cx="445722" cy="445838"/>
+          </a:xfrm>
+          <a:prstGeom prst="rect">
+            <a:avLst/>
+          </a:prstGeom>
+          <a:noFill/>
+        </p:spPr>
+      </p:pic>
+      <p:pic>
+        <p:nvPicPr>
+          <p:cNvPr id="8" name="Picture 7" descr="Screen Clipping"/>
+          <p:cNvPicPr>
+            <a:picLocks noChangeAspect="1"/>
+          </p:cNvPicPr>
+          <p:nvPr/>
+        </p:nvPicPr>
+        <p:blipFill>
+          <a:blip r:embed="rId5">
+            <a:extLst>
+              <a:ext uri="{28A0092B-C50C-407E-A947-70E740481C1C}">
+                <a14:useLocalDpi xmlns:a14="http://schemas.microsoft.com/office/drawing/2010/main" val="0"/>
+              </a:ext>
+            </a:extLst>
+          </a:blip>
+          <a:stretch>
+            <a:fillRect/>
+          </a:stretch>
+        </p:blipFill>
+        <p:spPr>
+          <a:xfrm>
+            <a:off x="941392" y="2925407"/>
+            <a:ext cx="4414529" cy="3279364"/>
+          </a:xfrm>
+          <a:prstGeom prst="rect">
+            <a:avLst/>
+          </a:prstGeom>
+        </p:spPr>
+      </p:pic>
+      <p:pic>
+        <p:nvPicPr>
+          <p:cNvPr id="9" name="Picture 8" descr="Screen Clipping"/>
+          <p:cNvPicPr>
+            <a:picLocks noChangeAspect="1"/>
+          </p:cNvPicPr>
+          <p:nvPr/>
+        </p:nvPicPr>
+        <p:blipFill>
+          <a:blip r:embed="rId6">
+            <a:extLst>
+              <a:ext uri="{28A0092B-C50C-407E-A947-70E740481C1C}">
+                <a14:useLocalDpi xmlns:a14="http://schemas.microsoft.com/office/drawing/2010/main" val="0"/>
+              </a:ext>
+            </a:extLst>
+          </a:blip>
+          <a:stretch>
+            <a:fillRect/>
+          </a:stretch>
+        </p:blipFill>
+        <p:spPr>
+          <a:xfrm>
+            <a:off x="8174434" y="3395143"/>
+            <a:ext cx="3122944" cy="2499005"/>
+          </a:xfrm>
+          <a:prstGeom prst="rect">
+            <a:avLst/>
+          </a:prstGeom>
+        </p:spPr>
+      </p:pic>
+      <p:sp>
+        <p:nvSpPr>
+          <p:cNvPr id="25" name="Right Brace 24"/>
+          <p:cNvSpPr/>
+          <p:nvPr/>
+        </p:nvSpPr>
+        <p:spPr>
+          <a:xfrm>
+            <a:off x="5454328" y="2925407"/>
+            <a:ext cx="334292" cy="3279364"/>
+          </a:xfrm>
+          <a:prstGeom prst="rightBrace">
+            <a:avLst>
+              <a:gd name="adj1" fmla="val 11164"/>
+              <a:gd name="adj2" fmla="val 49763"/>
+            </a:avLst>
+          </a:prstGeom>
+          <a:ln>
+            <a:solidFill>
+              <a:srgbClr val="C00000"/>
+            </a:solidFill>
+          </a:ln>
+        </p:spPr>
+        <p:style>
+          <a:lnRef idx="1">
+            <a:schemeClr val="accent1"/>
+          </a:lnRef>
+          <a:fillRef idx="0">
+            <a:schemeClr val="accent1"/>
+          </a:fillRef>
+          <a:effectRef idx="0">
+            <a:schemeClr val="accent1"/>
+          </a:effectRef>
+          <a:fontRef idx="minor">
+            <a:schemeClr val="tx1"/>
+          </a:fontRef>
+        </p:style>
+        <p:txBody>
+          <a:bodyPr lIns="76159" tIns="38079" rIns="76159" bIns="38079" rtlCol="0" anchor="ctr"/>
+          <a:lstStyle/>
+          <a:p>
+            <a:pPr algn="ctr"/>
+            <a:endParaRPr lang="en-US" sz="1400">
+              <a:solidFill>
+                <a:prstClr val="black"/>
+              </a:solidFill>
+            </a:endParaRPr>
+          </a:p>
+        </p:txBody>
+      </p:sp>
+      <p:sp>
+        <p:nvSpPr>
+          <p:cNvPr id="26" name="Left Brace 25"/>
+          <p:cNvSpPr/>
+          <p:nvPr/>
+        </p:nvSpPr>
+        <p:spPr>
+          <a:xfrm>
+            <a:off x="7764383" y="3311671"/>
+            <a:ext cx="357224" cy="2639631"/>
+          </a:xfrm>
+          <a:prstGeom prst="leftBrace">
+            <a:avLst>
+              <a:gd name="adj1" fmla="val 8333"/>
+              <a:gd name="adj2" fmla="val 17846"/>
+            </a:avLst>
+          </a:prstGeom>
+          <a:ln>
+            <a:solidFill>
+              <a:srgbClr val="C00000"/>
+            </a:solidFill>
+          </a:ln>
+        </p:spPr>
+        <p:style>
+          <a:lnRef idx="1">
+            <a:schemeClr val="accent1"/>
+          </a:lnRef>
+          <a:fillRef idx="0">
+            <a:schemeClr val="accent1"/>
+          </a:fillRef>
+          <a:effectRef idx="0">
+            <a:schemeClr val="accent1"/>
+          </a:effectRef>
+          <a:fontRef idx="minor">
+            <a:schemeClr val="tx1"/>
+          </a:fontRef>
+        </p:style>
+        <p:txBody>
+          <a:bodyPr lIns="76159" tIns="38079" rIns="76159" bIns="38079" rtlCol="0" anchor="ctr"/>
+          <a:lstStyle/>
+          <a:p>
+            <a:pPr algn="ctr"/>
+            <a:endParaRPr lang="en-US" sz="1400">
+              <a:solidFill>
+                <a:prstClr val="black"/>
+              </a:solidFill>
+            </a:endParaRPr>
+          </a:p>
+        </p:txBody>
+      </p:sp>
+      <p:sp>
+        <p:nvSpPr>
+          <p:cNvPr id="3" name="Rectangle 2"/>
+          <p:cNvSpPr/>
+          <p:nvPr/>
+        </p:nvSpPr>
+        <p:spPr bwMode="auto">
+          <a:xfrm>
+            <a:off x="1498545" y="5210327"/>
+            <a:ext cx="3209199" cy="390108"/>
+          </a:xfrm>
+          <a:prstGeom prst="rect">
+            <a:avLst/>
+          </a:prstGeom>
+          <a:solidFill>
+            <a:srgbClr val="FF8A00">
+              <a:alpha val="18824"/>
+            </a:srgbClr>
+          </a:solidFill>
+          <a:ln>
+            <a:solidFill>
+              <a:srgbClr val="C00000"/>
+            </a:solidFill>
+            <a:headEnd type="none" w="med" len="med"/>
+            <a:tailEnd type="none" w="med" len="med"/>
+          </a:ln>
+          <a:effectLst/>
+        </p:spPr>
+        <p:style>
+          <a:lnRef idx="1">
+            <a:schemeClr val="accent4"/>
+          </a:lnRef>
+          <a:fillRef idx="3">
+            <a:schemeClr val="accent4"/>
+          </a:fillRef>
+          <a:effectRef idx="2">
+            <a:schemeClr val="accent4"/>
+          </a:effectRef>
+          <a:fontRef idx="minor">
+            <a:schemeClr val="lt1"/>
+          </a:fontRef>
+        </p:style>
+        <p:txBody>
+          <a:bodyPr vert="horz" wrap="square" lIns="76155" tIns="38078" rIns="76155" bIns="38078" numCol="1" rtlCol="0" anchor="ctr" anchorCtr="0" compatLnSpc="1">
+            <a:prstTxWarp prst="textNoShape">
+              <a:avLst/>
+            </a:prstTxWarp>
+          </a:bodyPr>
+          <a:lstStyle/>
+          <a:p>
+            <a:pPr algn="ctr" defTabSz="761308"/>
+            <a:endParaRPr lang="en-US" sz="1200" dirty="0">
+              <a:solidFill>
+                <a:srgbClr val="C00000"/>
+              </a:solidFill>
+            </a:endParaRPr>
+          </a:p>
+        </p:txBody>
+      </p:sp>
+      <p:sp>
+        <p:nvSpPr>
+          <p:cNvPr id="29" name="Rectangle 28"/>
+          <p:cNvSpPr/>
+          <p:nvPr/>
+        </p:nvSpPr>
+        <p:spPr bwMode="auto">
+          <a:xfrm>
+            <a:off x="1792719" y="3761354"/>
+            <a:ext cx="445722" cy="140439"/>
+          </a:xfrm>
+          <a:prstGeom prst="rect">
+            <a:avLst/>
+          </a:prstGeom>
+          <a:solidFill>
+            <a:srgbClr val="FF8A00">
+              <a:alpha val="18824"/>
+            </a:srgbClr>
+          </a:solidFill>
+          <a:ln>
+            <a:solidFill>
+              <a:srgbClr val="FF8A00"/>
+            </a:solidFill>
+            <a:headEnd type="none" w="med" len="med"/>
+            <a:tailEnd type="none" w="med" len="med"/>
+          </a:ln>
+          <a:effectLst/>
+        </p:spPr>
+        <p:style>
+          <a:lnRef idx="1">
+            <a:schemeClr val="accent4"/>
+          </a:lnRef>
+          <a:fillRef idx="3">
+            <a:schemeClr val="accent4"/>
+          </a:fillRef>
+          <a:effectRef idx="2">
+            <a:schemeClr val="accent4"/>
+          </a:effectRef>
+          <a:fontRef idx="minor">
+            <a:schemeClr val="lt1"/>
+          </a:fontRef>
+        </p:style>
+        <p:txBody>
+          <a:bodyPr vert="horz" wrap="square" lIns="76155" tIns="38078" rIns="76155" bIns="38078" numCol="1" rtlCol="0" anchor="ctr" anchorCtr="0" compatLnSpc="1">
+            <a:prstTxWarp prst="textNoShape">
+              <a:avLst/>
+            </a:prstTxWarp>
+          </a:bodyPr>
+          <a:lstStyle/>
+          <a:p>
+            <a:pPr algn="ctr" defTabSz="761308"/>
+            <a:endParaRPr lang="en-US" sz="1200" dirty="0">
+              <a:gradFill>
+                <a:gsLst>
+                  <a:gs pos="0">
+                    <a:srgbClr val="FFFFFF"/>
+                  </a:gs>
+                  <a:gs pos="100000">
+                    <a:srgbClr val="FFFFFF"/>
+                  </a:gs>
+                </a:gsLst>
+                <a:lin ang="5400000" scaled="0"/>
+              </a:gradFill>
+            </a:endParaRPr>
+          </a:p>
+        </p:txBody>
+      </p:sp>
+      <p:sp>
+        <p:nvSpPr>
+          <p:cNvPr id="30" name="Rectangle 29"/>
+          <p:cNvSpPr/>
+          <p:nvPr/>
+        </p:nvSpPr>
+        <p:spPr bwMode="auto">
+          <a:xfrm>
+            <a:off x="1832835" y="3959752"/>
+            <a:ext cx="1002875" cy="140439"/>
+          </a:xfrm>
+          <a:prstGeom prst="rect">
+            <a:avLst/>
+          </a:prstGeom>
+          <a:solidFill>
+            <a:srgbClr val="FF8A00">
+              <a:alpha val="18824"/>
+            </a:srgbClr>
+          </a:solidFill>
+          <a:ln>
+            <a:solidFill>
+              <a:srgbClr val="FF8A00"/>
+            </a:solidFill>
+            <a:headEnd type="none" w="med" len="med"/>
+            <a:tailEnd type="none" w="med" len="med"/>
+          </a:ln>
+          <a:effectLst/>
+        </p:spPr>
+        <p:style>
+          <a:lnRef idx="1">
+            <a:schemeClr val="accent4"/>
+          </a:lnRef>
+          <a:fillRef idx="3">
+            <a:schemeClr val="accent4"/>
+          </a:fillRef>
+          <a:effectRef idx="2">
+            <a:schemeClr val="accent4"/>
+          </a:effectRef>
+          <a:fontRef idx="minor">
+            <a:schemeClr val="lt1"/>
+          </a:fontRef>
+        </p:style>
+        <p:txBody>
+          <a:bodyPr vert="horz" wrap="square" lIns="76155" tIns="38078" rIns="76155" bIns="38078" numCol="1" rtlCol="0" anchor="ctr" anchorCtr="0" compatLnSpc="1">
+            <a:prstTxWarp prst="textNoShape">
+              <a:avLst/>
+            </a:prstTxWarp>
+          </a:bodyPr>
+          <a:lstStyle/>
+          <a:p>
+            <a:pPr algn="ctr" defTabSz="761308"/>
+            <a:endParaRPr lang="en-US" sz="1200" dirty="0">
+              <a:gradFill>
+                <a:gsLst>
+                  <a:gs pos="0">
+                    <a:srgbClr val="FFFFFF"/>
+                  </a:gs>
+                  <a:gs pos="100000">
+                    <a:srgbClr val="FFFFFF"/>
+                  </a:gs>
+                </a:gsLst>
+                <a:lin ang="5400000" scaled="0"/>
+              </a:gradFill>
+            </a:endParaRPr>
+          </a:p>
+        </p:txBody>
+      </p:sp>
+      <p:sp>
+        <p:nvSpPr>
+          <p:cNvPr id="31" name="Rectangle 30"/>
+          <p:cNvSpPr/>
+          <p:nvPr/>
+        </p:nvSpPr>
+        <p:spPr bwMode="auto">
+          <a:xfrm>
+            <a:off x="8233037" y="3622929"/>
+            <a:ext cx="2907903" cy="2022702"/>
+          </a:xfrm>
+          <a:prstGeom prst="rect">
+            <a:avLst/>
+          </a:prstGeom>
+          <a:solidFill>
+            <a:srgbClr val="FF8A00">
+              <a:alpha val="18824"/>
+            </a:srgbClr>
+          </a:solidFill>
+          <a:ln>
+            <a:solidFill>
+              <a:srgbClr val="C00000"/>
+            </a:solidFill>
+            <a:headEnd type="none" w="med" len="med"/>
+            <a:tailEnd type="none" w="med" len="med"/>
+          </a:ln>
+          <a:effectLst/>
+        </p:spPr>
+        <p:style>
+          <a:lnRef idx="1">
+            <a:schemeClr val="accent4"/>
+          </a:lnRef>
+          <a:fillRef idx="3">
+            <a:schemeClr val="accent4"/>
+          </a:fillRef>
+          <a:effectRef idx="2">
+            <a:schemeClr val="accent4"/>
+          </a:effectRef>
+          <a:fontRef idx="minor">
+            <a:schemeClr val="lt1"/>
+          </a:fontRef>
+        </p:style>
+        <p:txBody>
+          <a:bodyPr vert="horz" wrap="square" lIns="76155" tIns="38078" rIns="76155" bIns="38078" numCol="1" rtlCol="0" anchor="ctr" anchorCtr="0" compatLnSpc="1">
+            <a:prstTxWarp prst="textNoShape">
+              <a:avLst/>
+            </a:prstTxWarp>
+          </a:bodyPr>
+          <a:lstStyle/>
+          <a:p>
+            <a:pPr algn="ctr" defTabSz="761308"/>
+            <a:endParaRPr lang="en-US" sz="1200" dirty="0">
+              <a:gradFill>
+                <a:gsLst>
+                  <a:gs pos="0">
+                    <a:srgbClr val="FFFFFF"/>
+                  </a:gs>
+                  <a:gs pos="100000">
+                    <a:srgbClr val="FFFFFF"/>
+                  </a:gs>
+                </a:gsLst>
+                <a:lin ang="5400000" scaled="0"/>
+              </a:gradFill>
+            </a:endParaRPr>
+          </a:p>
+        </p:txBody>
+      </p:sp>
+      <p:sp>
+        <p:nvSpPr>
+          <p:cNvPr id="33" name="TextBox 4"/>
+          <p:cNvSpPr txBox="1">
+            <a:spLocks noChangeArrowheads="1"/>
+          </p:cNvSpPr>
+          <p:nvPr/>
+        </p:nvSpPr>
+        <p:spPr bwMode="auto">
+          <a:xfrm>
+            <a:off x="3225718" y="3741714"/>
+            <a:ext cx="1727173" cy="404528"/>
+          </a:xfrm>
+          <a:prstGeom prst="rect">
+            <a:avLst/>
+          </a:prstGeom>
+          <a:solidFill>
+            <a:schemeClr val="accent3">
+              <a:lumMod val="40000"/>
+              <a:lumOff val="60000"/>
+            </a:schemeClr>
+          </a:solidFill>
+          <a:ln w="9525">
+            <a:solidFill>
+              <a:srgbClr val="C00000"/>
+            </a:solidFill>
+            <a:miter lim="800000"/>
+            <a:headEnd/>
+            <a:tailEnd/>
+          </a:ln>
+        </p:spPr>
+        <p:txBody>
+          <a:bodyPr wrap="square" lIns="98942" tIns="49471" rIns="98942" bIns="49471">
+            <a:spAutoFit/>
+          </a:bodyPr>
+          <a:lstStyle/>
+          <a:p>
+            <a:pPr>
+              <a:lnSpc>
+                <a:spcPct val="90000"/>
+              </a:lnSpc>
+              <a:spcBef>
+                <a:spcPct val="20000"/>
+              </a:spcBef>
+              <a:buClr>
+                <a:srgbClr val="F69F1E"/>
+              </a:buClr>
+              <a:buSzPct val="90000"/>
+            </a:pPr>
+            <a:r>
+              <a:rPr lang="da-DK" sz="1050" dirty="0">
+                <a:solidFill>
+                  <a:srgbClr val="C00000"/>
+                </a:solidFill>
+              </a:rPr>
+              <a:t>Content Controls mapped to custom XML part</a:t>
+            </a:r>
+            <a:endParaRPr lang="en-US" sz="1050" dirty="0">
+              <a:solidFill>
+                <a:srgbClr val="C00000"/>
+              </a:solidFill>
+            </a:endParaRPr>
+          </a:p>
+        </p:txBody>
+      </p:sp>
+      <p:cxnSp>
+        <p:nvCxnSpPr>
+          <p:cNvPr id="34" name="Straight Arrow Connector 33"/>
+          <p:cNvCxnSpPr>
+            <a:stCxn id="33" idx="1"/>
+          </p:cNvCxnSpPr>
+          <p:nvPr/>
+        </p:nvCxnSpPr>
+        <p:spPr>
+          <a:xfrm flipH="1" flipV="1">
+            <a:off x="2334275" y="3828133"/>
+            <a:ext cx="891443" cy="115844"/>
+          </a:xfrm>
+          <a:prstGeom prst="straightConnector1">
+            <a:avLst/>
+          </a:prstGeom>
+          <a:ln w="22225">
+            <a:solidFill>
+              <a:srgbClr val="C00000"/>
+            </a:solidFill>
+            <a:tailEnd type="oval"/>
+          </a:ln>
+        </p:spPr>
+        <p:style>
+          <a:lnRef idx="1">
+            <a:schemeClr val="accent1"/>
+          </a:lnRef>
+          <a:fillRef idx="0">
+            <a:schemeClr val="accent1"/>
+          </a:fillRef>
+          <a:effectRef idx="0">
+            <a:schemeClr val="accent1"/>
+          </a:effectRef>
+          <a:fontRef idx="minor">
+            <a:schemeClr val="tx1"/>
+          </a:fontRef>
+        </p:style>
+      </p:cxnSp>
+      <p:cxnSp>
+        <p:nvCxnSpPr>
+          <p:cNvPr id="35" name="Straight Arrow Connector 34"/>
+          <p:cNvCxnSpPr>
+            <a:stCxn id="33" idx="1"/>
+          </p:cNvCxnSpPr>
+          <p:nvPr/>
+        </p:nvCxnSpPr>
+        <p:spPr>
+          <a:xfrm flipH="1">
+            <a:off x="2947141" y="3943977"/>
+            <a:ext cx="278575" cy="87431"/>
+          </a:xfrm>
+          <a:prstGeom prst="straightConnector1">
+            <a:avLst/>
+          </a:prstGeom>
+          <a:ln w="22225">
+            <a:solidFill>
+              <a:srgbClr val="C00000"/>
+            </a:solidFill>
+            <a:tailEnd type="oval"/>
+          </a:ln>
+        </p:spPr>
+        <p:style>
+          <a:lnRef idx="1">
+            <a:schemeClr val="accent1"/>
+          </a:lnRef>
+          <a:fillRef idx="0">
+            <a:schemeClr val="accent1"/>
+          </a:fillRef>
+          <a:effectRef idx="0">
+            <a:schemeClr val="accent1"/>
+          </a:effectRef>
+          <a:fontRef idx="minor">
+            <a:schemeClr val="tx1"/>
+          </a:fontRef>
+        </p:style>
+      </p:cxnSp>
+      <p:cxnSp>
+        <p:nvCxnSpPr>
+          <p:cNvPr id="40" name="Straight Arrow Connector 39"/>
+          <p:cNvCxnSpPr>
+            <a:stCxn id="33" idx="1"/>
+          </p:cNvCxnSpPr>
+          <p:nvPr/>
+        </p:nvCxnSpPr>
+        <p:spPr>
+          <a:xfrm>
+            <a:off x="3225718" y="3943977"/>
+            <a:ext cx="1" cy="1133845"/>
+          </a:xfrm>
+          <a:prstGeom prst="straightConnector1">
+            <a:avLst/>
+          </a:prstGeom>
+          <a:ln w="22225">
+            <a:solidFill>
+              <a:srgbClr val="C00000"/>
+            </a:solidFill>
+            <a:tailEnd type="oval"/>
+          </a:ln>
+        </p:spPr>
+        <p:style>
+          <a:lnRef idx="1">
+            <a:schemeClr val="accent1"/>
+          </a:lnRef>
+          <a:fillRef idx="0">
+            <a:schemeClr val="accent1"/>
+          </a:fillRef>
+          <a:effectRef idx="0">
+            <a:schemeClr val="accent1"/>
+          </a:effectRef>
+          <a:fontRef idx="minor">
+            <a:schemeClr val="tx1"/>
+          </a:fontRef>
+        </p:style>
+      </p:cxnSp>
+      <p:cxnSp>
+        <p:nvCxnSpPr>
+          <p:cNvPr id="43" name="Straight Arrow Connector 42"/>
+          <p:cNvCxnSpPr>
+            <a:stCxn id="33" idx="3"/>
+            <a:endCxn id="31" idx="1"/>
+          </p:cNvCxnSpPr>
+          <p:nvPr/>
+        </p:nvCxnSpPr>
+        <p:spPr>
+          <a:xfrm>
+            <a:off x="4952889" y="3943977"/>
+            <a:ext cx="3280148" cy="690302"/>
+          </a:xfrm>
+          <a:prstGeom prst="straightConnector1">
+            <a:avLst/>
+          </a:prstGeom>
+          <a:ln w="57150">
+            <a:solidFill>
+              <a:srgbClr val="C00000"/>
+            </a:solidFill>
+            <a:tailEnd type="oval"/>
+          </a:ln>
+        </p:spPr>
+        <p:style>
+          <a:lnRef idx="1">
+            <a:schemeClr val="accent1"/>
+          </a:lnRef>
+          <a:fillRef idx="0">
+            <a:schemeClr val="accent1"/>
+          </a:fillRef>
+          <a:effectRef idx="0">
+            <a:schemeClr val="accent1"/>
+          </a:effectRef>
+          <a:fontRef idx="minor">
+            <a:schemeClr val="tx1"/>
+          </a:fontRef>
+        </p:style>
+      </p:cxnSp>
     </p:spTree>
     <p:extLst>
       <p:ext uri="{BB962C8B-B14F-4D97-AF65-F5344CB8AC3E}">
-        <p14:creationId xmlns:p14="http://schemas.microsoft.com/office/powerpoint/2010/main" val="1606935007"/>
+        <p14:creationId xmlns:p14="http://schemas.microsoft.com/office/powerpoint/2010/main" val="72930443"/>
       </p:ext>
     </p:extLst>
   </p:cSld>
   <p:clrMapOvr>
     <a:masterClrMapping/>
   </p:clrMapOvr>
-  <p:transition>
-    <p:fade/>
+  <p:transition spd="slow">
+    <p:wipe/>
   </p:transition>
+  <p:timing>
+    <p:tnLst>
+      <p:par>
+        <p:cTn id="1" dur="indefinite" restart="never" nodeType="tmRoot">
+          <p:childTnLst>
+            <p:seq concurrent="1" nextAc="seek">
+              <p:cTn id="2" dur="indefinite" nodeType="mainSeq">
+                <p:childTnLst>
+                  <p:par>
+                    <p:cTn id="3" fill="hold">
+                      <p:stCondLst>
+                        <p:cond delay="indefinite"/>
+                      </p:stCondLst>
+                      <p:childTnLst>
+                        <p:par>
+                          <p:cTn id="4" fill="hold">
+                            <p:stCondLst>
+                              <p:cond delay="0"/>
+                            </p:stCondLst>
+                            <p:childTnLst>
+                              <p:par>
+                                <p:cTn id="5" presetID="1" presetClass="entr" presetSubtype="0" fill="hold" grpId="0" nodeType="clickEffect">
+                                  <p:stCondLst>
+                                    <p:cond delay="0"/>
+                                  </p:stCondLst>
+                                  <p:childTnLst>
+                                    <p:set>
+                                      <p:cBhvr>
+                                        <p:cTn id="6" dur="1" fill="hold">
+                                          <p:stCondLst>
+                                            <p:cond delay="0"/>
+                                          </p:stCondLst>
+                                        </p:cTn>
+                                        <p:tgtEl>
+                                          <p:spTgt spid="33"/>
+                                        </p:tgtEl>
+                                        <p:attrNameLst>
+                                          <p:attrName>style.visibility</p:attrName>
+                                        </p:attrNameLst>
+                                      </p:cBhvr>
+                                      <p:to>
+                                        <p:strVal val="visible"/>
+                                      </p:to>
+                                    </p:set>
+                                  </p:childTnLst>
+                                </p:cTn>
+                              </p:par>
+                              <p:par>
+                                <p:cTn id="7" presetID="1" presetClass="entr" presetSubtype="0" fill="hold" nodeType="withEffect">
+                                  <p:stCondLst>
+                                    <p:cond delay="0"/>
+                                  </p:stCondLst>
+                                  <p:childTnLst>
+                                    <p:set>
+                                      <p:cBhvr>
+                                        <p:cTn id="8" dur="1" fill="hold">
+                                          <p:stCondLst>
+                                            <p:cond delay="0"/>
+                                          </p:stCondLst>
+                                        </p:cTn>
+                                        <p:tgtEl>
+                                          <p:spTgt spid="43"/>
+                                        </p:tgtEl>
+                                        <p:attrNameLst>
+                                          <p:attrName>style.visibility</p:attrName>
+                                        </p:attrNameLst>
+                                      </p:cBhvr>
+                                      <p:to>
+                                        <p:strVal val="visible"/>
+                                      </p:to>
+                                    </p:set>
+                                  </p:childTnLst>
+                                </p:cTn>
+                              </p:par>
+                              <p:par>
+                                <p:cTn id="9" presetID="1" presetClass="entr" presetSubtype="0" fill="hold" grpId="0" nodeType="withEffect">
+                                  <p:stCondLst>
+                                    <p:cond delay="0"/>
+                                  </p:stCondLst>
+                                  <p:childTnLst>
+                                    <p:set>
+                                      <p:cBhvr>
+                                        <p:cTn id="10" dur="1" fill="hold">
+                                          <p:stCondLst>
+                                            <p:cond delay="0"/>
+                                          </p:stCondLst>
+                                        </p:cTn>
+                                        <p:tgtEl>
+                                          <p:spTgt spid="31"/>
+                                        </p:tgtEl>
+                                        <p:attrNameLst>
+                                          <p:attrName>style.visibility</p:attrName>
+                                        </p:attrNameLst>
+                                      </p:cBhvr>
+                                      <p:to>
+                                        <p:strVal val="visible"/>
+                                      </p:to>
+                                    </p:set>
+                                  </p:childTnLst>
+                                </p:cTn>
+                              </p:par>
+                            </p:childTnLst>
+                          </p:cTn>
+                        </p:par>
+                      </p:childTnLst>
+                    </p:cTn>
+                  </p:par>
+                  <p:par>
+                    <p:cTn id="11" fill="hold">
+                      <p:stCondLst>
+                        <p:cond delay="indefinite"/>
+                      </p:stCondLst>
+                      <p:childTnLst>
+                        <p:par>
+                          <p:cTn id="12" fill="hold">
+                            <p:stCondLst>
+                              <p:cond delay="0"/>
+                            </p:stCondLst>
+                            <p:childTnLst>
+                              <p:par>
+                                <p:cTn id="13" presetID="1" presetClass="entr" presetSubtype="0" fill="hold" grpId="0" nodeType="clickEffect">
+                                  <p:stCondLst>
+                                    <p:cond delay="0"/>
+                                  </p:stCondLst>
+                                  <p:childTnLst>
+                                    <p:set>
+                                      <p:cBhvr>
+                                        <p:cTn id="14" dur="1" fill="hold">
+                                          <p:stCondLst>
+                                            <p:cond delay="0"/>
+                                          </p:stCondLst>
+                                        </p:cTn>
+                                        <p:tgtEl>
+                                          <p:spTgt spid="29"/>
+                                        </p:tgtEl>
+                                        <p:attrNameLst>
+                                          <p:attrName>style.visibility</p:attrName>
+                                        </p:attrNameLst>
+                                      </p:cBhvr>
+                                      <p:to>
+                                        <p:strVal val="visible"/>
+                                      </p:to>
+                                    </p:set>
+                                  </p:childTnLst>
+                                </p:cTn>
+                              </p:par>
+                              <p:par>
+                                <p:cTn id="15" presetID="1" presetClass="entr" presetSubtype="0" fill="hold" grpId="0" nodeType="withEffect">
+                                  <p:stCondLst>
+                                    <p:cond delay="0"/>
+                                  </p:stCondLst>
+                                  <p:childTnLst>
+                                    <p:set>
+                                      <p:cBhvr>
+                                        <p:cTn id="16" dur="1" fill="hold">
+                                          <p:stCondLst>
+                                            <p:cond delay="0"/>
+                                          </p:stCondLst>
+                                        </p:cTn>
+                                        <p:tgtEl>
+                                          <p:spTgt spid="30"/>
+                                        </p:tgtEl>
+                                        <p:attrNameLst>
+                                          <p:attrName>style.visibility</p:attrName>
+                                        </p:attrNameLst>
+                                      </p:cBhvr>
+                                      <p:to>
+                                        <p:strVal val="visible"/>
+                                      </p:to>
+                                    </p:set>
+                                  </p:childTnLst>
+                                </p:cTn>
+                              </p:par>
+                              <p:par>
+                                <p:cTn id="17" presetID="1" presetClass="entr" presetSubtype="0" fill="hold" nodeType="withEffect">
+                                  <p:stCondLst>
+                                    <p:cond delay="0"/>
+                                  </p:stCondLst>
+                                  <p:childTnLst>
+                                    <p:set>
+                                      <p:cBhvr>
+                                        <p:cTn id="18" dur="1" fill="hold">
+                                          <p:stCondLst>
+                                            <p:cond delay="0"/>
+                                          </p:stCondLst>
+                                        </p:cTn>
+                                        <p:tgtEl>
+                                          <p:spTgt spid="34"/>
+                                        </p:tgtEl>
+                                        <p:attrNameLst>
+                                          <p:attrName>style.visibility</p:attrName>
+                                        </p:attrNameLst>
+                                      </p:cBhvr>
+                                      <p:to>
+                                        <p:strVal val="visible"/>
+                                      </p:to>
+                                    </p:set>
+                                  </p:childTnLst>
+                                </p:cTn>
+                              </p:par>
+                              <p:par>
+                                <p:cTn id="19" presetID="1" presetClass="entr" presetSubtype="0" fill="hold" nodeType="withEffect">
+                                  <p:stCondLst>
+                                    <p:cond delay="0"/>
+                                  </p:stCondLst>
+                                  <p:childTnLst>
+                                    <p:set>
+                                      <p:cBhvr>
+                                        <p:cTn id="20" dur="1" fill="hold">
+                                          <p:stCondLst>
+                                            <p:cond delay="0"/>
+                                          </p:stCondLst>
+                                        </p:cTn>
+                                        <p:tgtEl>
+                                          <p:spTgt spid="35"/>
+                                        </p:tgtEl>
+                                        <p:attrNameLst>
+                                          <p:attrName>style.visibility</p:attrName>
+                                        </p:attrNameLst>
+                                      </p:cBhvr>
+                                      <p:to>
+                                        <p:strVal val="visible"/>
+                                      </p:to>
+                                    </p:set>
+                                  </p:childTnLst>
+                                </p:cTn>
+                              </p:par>
+                            </p:childTnLst>
+                          </p:cTn>
+                        </p:par>
+                      </p:childTnLst>
+                    </p:cTn>
+                  </p:par>
+                  <p:par>
+                    <p:cTn id="21" fill="hold">
+                      <p:stCondLst>
+                        <p:cond delay="indefinite"/>
+                      </p:stCondLst>
+                      <p:childTnLst>
+                        <p:par>
+                          <p:cTn id="22" fill="hold">
+                            <p:stCondLst>
+                              <p:cond delay="0"/>
+                            </p:stCondLst>
+                            <p:childTnLst>
+                              <p:par>
+                                <p:cTn id="23" presetID="1" presetClass="entr" presetSubtype="0" fill="hold" nodeType="clickEffect">
+                                  <p:stCondLst>
+                                    <p:cond delay="0"/>
+                                  </p:stCondLst>
+                                  <p:childTnLst>
+                                    <p:set>
+                                      <p:cBhvr>
+                                        <p:cTn id="24" dur="1" fill="hold">
+                                          <p:stCondLst>
+                                            <p:cond delay="0"/>
+                                          </p:stCondLst>
+                                        </p:cTn>
+                                        <p:tgtEl>
+                                          <p:spTgt spid="40"/>
+                                        </p:tgtEl>
+                                        <p:attrNameLst>
+                                          <p:attrName>style.visibility</p:attrName>
+                                        </p:attrNameLst>
+                                      </p:cBhvr>
+                                      <p:to>
+                                        <p:strVal val="visible"/>
+                                      </p:to>
+                                    </p:set>
+                                  </p:childTnLst>
+                                </p:cTn>
+                              </p:par>
+                              <p:par>
+                                <p:cTn id="25" presetID="1" presetClass="entr" presetSubtype="0" fill="hold" grpId="0" nodeType="withEffect">
+                                  <p:stCondLst>
+                                    <p:cond delay="0"/>
+                                  </p:stCondLst>
+                                  <p:childTnLst>
+                                    <p:set>
+                                      <p:cBhvr>
+                                        <p:cTn id="26" dur="1" fill="hold">
+                                          <p:stCondLst>
+                                            <p:cond delay="0"/>
+                                          </p:stCondLst>
+                                        </p:cTn>
+                                        <p:tgtEl>
+                                          <p:spTgt spid="3"/>
+                                        </p:tgtEl>
+                                        <p:attrNameLst>
+                                          <p:attrName>style.visibility</p:attrName>
+                                        </p:attrNameLst>
+                                      </p:cBhvr>
+                                      <p:to>
+                                        <p:strVal val="visible"/>
+                                      </p:to>
+                                    </p:set>
+                                  </p:childTnLst>
+                                </p:cTn>
+                              </p:par>
+                            </p:childTnLst>
+                          </p:cTn>
+                        </p:par>
+                      </p:childTnLst>
+                    </p:cTn>
+                  </p:par>
+                </p:childTnLst>
+              </p:cTn>
+              <p:prevCondLst>
+                <p:cond evt="onPrev" delay="0">
+                  <p:tgtEl>
+                    <p:sldTgt/>
+                  </p:tgtEl>
+                </p:cond>
+              </p:prevCondLst>
+              <p:nextCondLst>
+                <p:cond evt="onNext" delay="0">
+                  <p:tgtEl>
+                    <p:sldTgt/>
+                  </p:tgtEl>
+                </p:cond>
+              </p:nextCondLst>
+            </p:seq>
+          </p:childTnLst>
+        </p:cTn>
+      </p:par>
+    </p:tnLst>
+    <p:bldLst>
+      <p:bldP spid="3" grpId="0" animBg="1"/>
+      <p:bldP spid="29" grpId="0" animBg="1"/>
+      <p:bldP spid="30" grpId="0" animBg="1"/>
+      <p:bldP spid="31" grpId="0" animBg="1"/>
+      <p:bldP spid="33" grpId="0" animBg="1"/>
+    </p:bldLst>
+  </p:timing>
 </p:sld>
 </file>
 
@@ -20642,7 +22597,7 @@
       </p:grpSpPr>
       <p:sp>
         <p:nvSpPr>
-          <p:cNvPr id="4" name="Title 3"/>
+          <p:cNvPr id="2" name="Title 1"/>
           <p:cNvSpPr>
             <a:spLocks noGrp="1"/>
           </p:cNvSpPr>
@@ -20656,88 +22611,8 @@
           <a:lstStyle/>
           <a:p>
             <a:r>
-              <a:rPr lang="en-US" dirty="0" smtClean="0"/>
-              <a:t>App for Office Deployment</a:t>
-            </a:r>
-            <a:endParaRPr lang="en-US" dirty="0"/>
-          </a:p>
-        </p:txBody>
-      </p:sp>
-      <p:sp>
-        <p:nvSpPr>
-          <p:cNvPr id="3" name="Content Placeholder 2"/>
-          <p:cNvSpPr>
-            <a:spLocks noGrp="1"/>
-          </p:cNvSpPr>
-          <p:nvPr>
-            <p:ph type="body" sz="quarter" idx="10"/>
-          </p:nvPr>
-        </p:nvSpPr>
-        <p:spPr/>
-        <p:txBody>
-          <a:bodyPr/>
-          <a:lstStyle/>
-          <a:p>
-            <a:r>
-              <a:rPr lang="en-US" dirty="0" smtClean="0"/>
-              <a:t>Steps</a:t>
-            </a:r>
-          </a:p>
-          <a:p>
-            <a:pPr lvl="1"/>
-            <a:r>
-              <a:rPr lang="en-US" dirty="0" smtClean="0"/>
-              <a:t>Deploy the remote web to Windows Azure or to other web server</a:t>
-            </a:r>
-          </a:p>
-          <a:p>
-            <a:pPr lvl="1"/>
-            <a:r>
-              <a:rPr lang="en-US" dirty="0" smtClean="0"/>
-              <a:t>Build app package which must include HTTPS URL of remote web</a:t>
-            </a:r>
-          </a:p>
-          <a:p>
-            <a:pPr lvl="1"/>
-            <a:r>
-              <a:rPr lang="en-US" dirty="0" smtClean="0"/>
-              <a:t>Upload app package to app catalog</a:t>
-            </a:r>
-          </a:p>
-          <a:p>
-            <a:pPr lvl="1"/>
-            <a:endParaRPr lang="en-US" dirty="0" smtClean="0"/>
-          </a:p>
-          <a:p>
-            <a:r>
-              <a:rPr lang="en-US" dirty="0" smtClean="0"/>
-              <a:t>Choosing </a:t>
-            </a:r>
-            <a:r>
-              <a:rPr lang="en-US" dirty="0" smtClean="0"/>
-              <a:t>An App Catalog</a:t>
-            </a:r>
-          </a:p>
-          <a:p>
-            <a:pPr lvl="1"/>
-            <a:r>
-              <a:rPr lang="en-US" dirty="0" smtClean="0"/>
-              <a:t>SharePoint App Catalog is preferred because it offers several advantages</a:t>
-            </a:r>
-          </a:p>
-          <a:p>
-            <a:pPr lvl="1"/>
-            <a:r>
-              <a:rPr lang="en-US" dirty="0" smtClean="0"/>
-              <a:t>File </a:t>
-            </a:r>
-            <a:r>
-              <a:rPr lang="en-US" dirty="0"/>
-              <a:t>Share App </a:t>
-            </a:r>
-            <a:r>
-              <a:rPr lang="en-US" dirty="0" smtClean="0"/>
-              <a:t>Catalog deployment is a simpler, less-powerful option</a:t>
+              <a:rPr lang="en-US" sz="8000" dirty="0"/>
+              <a:t>Packaging and Deployment</a:t>
             </a:r>
           </a:p>
         </p:txBody>
@@ -20745,28 +22620,16 @@
     </p:spTree>
     <p:extLst>
       <p:ext uri="{BB962C8B-B14F-4D97-AF65-F5344CB8AC3E}">
-        <p14:creationId xmlns:p14="http://schemas.microsoft.com/office/powerpoint/2010/main" val="2472373513"/>
+        <p14:creationId xmlns:p14="http://schemas.microsoft.com/office/powerpoint/2010/main" val="1606935007"/>
       </p:ext>
     </p:extLst>
   </p:cSld>
   <p:clrMapOvr>
     <a:masterClrMapping/>
   </p:clrMapOvr>
-  <mc:AlternateContent xmlns:mc="http://schemas.openxmlformats.org/markup-compatibility/2006" xmlns:p14="http://schemas.microsoft.com/office/powerpoint/2010/main">
-    <mc:Choice Requires="p14">
-      <p:transition p14:dur="0"/>
-    </mc:Choice>
-    <mc:Fallback xmlns="">
-      <p:transition/>
-    </mc:Fallback>
-  </mc:AlternateContent>
-  <p:timing>
-    <p:tnLst>
-      <p:par>
-        <p:cTn id="1" dur="indefinite" restart="never" nodeType="tmRoot"/>
-      </p:par>
-    </p:tnLst>
-  </p:timing>
+  <p:transition>
+    <p:fade/>
+  </p:transition>
 </p:sld>
 </file>
 
@@ -20789,7 +22652,7 @@
       </p:grpSpPr>
       <p:sp>
         <p:nvSpPr>
-          <p:cNvPr id="3" name="Title 2"/>
+          <p:cNvPr id="4" name="Title 3"/>
           <p:cNvSpPr>
             <a:spLocks noGrp="1"/>
           </p:cNvSpPr>
@@ -20804,7 +22667,7 @@
           <a:p>
             <a:r>
               <a:rPr lang="en-US" dirty="0" smtClean="0"/>
-              <a:t>SharePoint App Catalog</a:t>
+              <a:t>App for Office Deployment</a:t>
             </a:r>
             <a:endParaRPr lang="en-US" dirty="0"/>
           </a:p>
@@ -20812,7 +22675,7 @@
       </p:sp>
       <p:sp>
         <p:nvSpPr>
-          <p:cNvPr id="5" name="Content Placeholder 4"/>
+          <p:cNvPr id="3" name="Content Placeholder 2"/>
           <p:cNvSpPr>
             <a:spLocks noGrp="1"/>
           </p:cNvSpPr>
@@ -20827,101 +22690,60 @@
           <a:p>
             <a:r>
               <a:rPr lang="en-US" dirty="0" smtClean="0"/>
-              <a:t>Designed for private corporate networks</a:t>
+              <a:t>Steps</a:t>
             </a:r>
           </a:p>
           <a:p>
             <a:pPr lvl="1"/>
             <a:r>
               <a:rPr lang="en-US" dirty="0" smtClean="0"/>
-              <a:t>Provides users with catalog of pre-screened and pre-approved apps</a:t>
+              <a:t>Deploy the remote web to Windows Azure or to other web server</a:t>
             </a:r>
           </a:p>
           <a:p>
             <a:pPr lvl="1"/>
             <a:r>
               <a:rPr lang="en-US" dirty="0" smtClean="0"/>
-              <a:t>Often used to deploy apps developed in-house of by 3</a:t>
-            </a:r>
-            <a:r>
-              <a:rPr lang="en-US" baseline="30000" dirty="0" smtClean="0"/>
-              <a:t>rd</a:t>
-            </a:r>
+              <a:t>Build app package which must include HTTPS URL of remote web</a:t>
+            </a:r>
+          </a:p>
+          <a:p>
+            <a:pPr lvl="1"/>
             <a:r>
               <a:rPr lang="en-US" dirty="0" smtClean="0"/>
-              <a:t> party ISV</a:t>
+              <a:t>Upload app package to app catalog</a:t>
             </a:r>
           </a:p>
           <a:p>
             <a:pPr lvl="1"/>
+            <a:endParaRPr lang="en-US" dirty="0" smtClean="0"/>
+          </a:p>
+          <a:p>
             <a:r>
               <a:rPr lang="en-US" dirty="0" smtClean="0"/>
-              <a:t>Supports document-based apps (</a:t>
-            </a:r>
-            <a:r>
-              <a:rPr lang="en-US" i="1" dirty="0" smtClean="0"/>
-              <a:t>i.e. Task </a:t>
-            </a:r>
-            <a:r>
-              <a:rPr lang="en-US" i="1" dirty="0"/>
-              <a:t>pane </a:t>
-            </a:r>
-            <a:r>
-              <a:rPr lang="en-US" i="1" dirty="0" smtClean="0"/>
-              <a:t>apps and Content apps</a:t>
-            </a:r>
+              <a:t>Choosing An App Catalog</a:t>
+            </a:r>
+          </a:p>
+          <a:p>
+            <a:pPr lvl="1"/>
             <a:r>
               <a:rPr lang="en-US" dirty="0" smtClean="0"/>
-              <a:t>)</a:t>
-            </a:r>
-            <a:endParaRPr lang="en-US" dirty="0"/>
-          </a:p>
-          <a:p>
-            <a:endParaRPr lang="en-US" dirty="0" smtClean="0"/>
-          </a:p>
-          <a:p>
+              <a:t>SharePoint App Catalog is preferred because it offers several advantages</a:t>
+            </a:r>
+          </a:p>
+          <a:p>
+            <a:pPr lvl="1"/>
             <a:r>
               <a:rPr lang="en-US" dirty="0" smtClean="0"/>
-              <a:t>SharePoint App Catalog hosted using Site Collection</a:t>
-            </a:r>
-          </a:p>
-          <a:p>
-            <a:pPr lvl="1"/>
+              <a:t>File </a:t>
+            </a:r>
+            <a:r>
+              <a:rPr lang="en-US" dirty="0"/>
+              <a:t>Share App </a:t>
+            </a:r>
             <a:r>
               <a:rPr lang="en-US" dirty="0" smtClean="0"/>
-              <a:t>Actual catalog is document </a:t>
-            </a:r>
-            <a:r>
-              <a:rPr lang="en-US" dirty="0"/>
-              <a:t>library </a:t>
-            </a:r>
-            <a:r>
-              <a:rPr lang="en-US" dirty="0" smtClean="0"/>
-              <a:t>containing app manifests</a:t>
-            </a:r>
-            <a:endParaRPr lang="en-US" dirty="0"/>
-          </a:p>
-          <a:p>
-            <a:pPr lvl="1"/>
-            <a:r>
-              <a:rPr lang="en-US" dirty="0" smtClean="0"/>
-              <a:t>Administrator </a:t>
-            </a:r>
-            <a:r>
-              <a:rPr lang="en-US" dirty="0"/>
-              <a:t>can configure </a:t>
-            </a:r>
-            <a:r>
-              <a:rPr lang="en-US" dirty="0" smtClean="0"/>
-              <a:t>app for Office </a:t>
-            </a:r>
-            <a:r>
-              <a:rPr lang="en-US" dirty="0"/>
-              <a:t>security </a:t>
-            </a:r>
-            <a:r>
-              <a:rPr lang="en-US" dirty="0" smtClean="0"/>
-              <a:t>settings</a:t>
+              <a:t>Catalog deployment is a simpler, less-powerful option</a:t>
             </a:r>
           </a:p>
         </p:txBody>
@@ -20929,7 +22751,7 @@
     </p:spTree>
     <p:extLst>
       <p:ext uri="{BB962C8B-B14F-4D97-AF65-F5344CB8AC3E}">
-        <p14:creationId xmlns:p14="http://schemas.microsoft.com/office/powerpoint/2010/main" val="3248572870"/>
+        <p14:creationId xmlns:p14="http://schemas.microsoft.com/office/powerpoint/2010/main" val="2472373513"/>
       </p:ext>
     </p:extLst>
   </p:cSld>
@@ -20988,7 +22810,7 @@
           <a:p>
             <a:r>
               <a:rPr lang="en-US" dirty="0" smtClean="0"/>
-              <a:t>File Share App Catalog</a:t>
+              <a:t>SharePoint App Catalog</a:t>
             </a:r>
             <a:endParaRPr lang="en-US" dirty="0"/>
           </a:p>
@@ -21011,47 +22833,109 @@
           <a:p>
             <a:r>
               <a:rPr lang="en-US" dirty="0" smtClean="0"/>
-              <a:t>Provides Simplest Means to Deploy Apps for Office</a:t>
+              <a:t>Designed for private corporate networks</a:t>
             </a:r>
           </a:p>
           <a:p>
             <a:pPr lvl="1"/>
             <a:r>
               <a:rPr lang="en-US" dirty="0" smtClean="0"/>
-              <a:t>Does not require either SharePoint or Exchange</a:t>
+              <a:t>Provides users with catalog of pre-screened and pre-approved apps</a:t>
             </a:r>
           </a:p>
           <a:p>
             <a:pPr lvl="1"/>
             <a:r>
               <a:rPr lang="en-US" dirty="0" smtClean="0"/>
-              <a:t>Apps for Office manifests copied to Windows File Share</a:t>
+              <a:t>Often used to deploy apps developed in-house of by 3</a:t>
+            </a:r>
+            <a:r>
+              <a:rPr lang="en-US" baseline="30000" dirty="0" smtClean="0"/>
+              <a:t>rd</a:t>
+            </a:r>
+            <a:r>
+              <a:rPr lang="en-US" dirty="0" smtClean="0"/>
+              <a:t> party ISV</a:t>
             </a:r>
           </a:p>
           <a:p>
             <a:pPr lvl="1"/>
             <a:r>
               <a:rPr lang="en-US" dirty="0" smtClean="0"/>
-              <a:t>Office Applications configured to read file share to discover Apps for Office</a:t>
+              <a:t>Supports document-based apps (</a:t>
+            </a:r>
+            <a:r>
+              <a:rPr lang="en-US" i="1" dirty="0" smtClean="0"/>
+              <a:t>i.e. Task </a:t>
+            </a:r>
+            <a:r>
+              <a:rPr lang="en-US" i="1" dirty="0"/>
+              <a:t>pane </a:t>
+            </a:r>
+            <a:r>
+              <a:rPr lang="en-US" i="1" dirty="0" smtClean="0"/>
+              <a:t>apps and Content apps</a:t>
+            </a:r>
+            <a:r>
+              <a:rPr lang="en-US" dirty="0" smtClean="0"/>
+              <a:t>)</a:t>
+            </a:r>
+            <a:endParaRPr lang="en-US" dirty="0"/>
+          </a:p>
+          <a:p>
+            <a:endParaRPr lang="en-US" dirty="0" smtClean="0"/>
+          </a:p>
+          <a:p>
+            <a:r>
+              <a:rPr lang="en-US" dirty="0" smtClean="0"/>
+              <a:t>SharePoint App Catalog hosted using Site Collection</a:t>
             </a:r>
           </a:p>
           <a:p>
             <a:pPr lvl="1"/>
             <a:r>
               <a:rPr lang="en-US" dirty="0" smtClean="0"/>
-              <a:t>Client machine requires registry entry with file share path</a:t>
+              <a:t>Actual catalog is document </a:t>
+            </a:r>
+            <a:r>
+              <a:rPr lang="en-US" dirty="0"/>
+              <a:t>library </a:t>
+            </a:r>
+            <a:r>
+              <a:rPr lang="en-US" dirty="0" smtClean="0"/>
+              <a:t>containing app manifests</a:t>
             </a:r>
             <a:endParaRPr lang="en-US" dirty="0"/>
           </a:p>
           <a:p>
-            <a:endParaRPr lang="en-US" dirty="0"/>
+            <a:pPr lvl="1"/>
+            <a:r>
+              <a:rPr lang="en-US" dirty="0" smtClean="0"/>
+              <a:t>Administrator </a:t>
+            </a:r>
+            <a:r>
+              <a:rPr lang="en-US" dirty="0"/>
+              <a:t>can configure </a:t>
+            </a:r>
+            <a:r>
+              <a:rPr lang="en-US" dirty="0" smtClean="0"/>
+              <a:t>app for Office </a:t>
+            </a:r>
+            <a:r>
+              <a:rPr lang="en-US" dirty="0"/>
+              <a:t>security </a:t>
+            </a:r>
+            <a:r>
+              <a:rPr lang="en-US" dirty="0" smtClean="0"/>
+              <a:t>settings</a:t>
+            </a:r>
           </a:p>
         </p:txBody>
       </p:sp>
     </p:spTree>
     <p:extLst>
       <p:ext uri="{BB962C8B-B14F-4D97-AF65-F5344CB8AC3E}">
-        <p14:creationId xmlns:p14="http://schemas.microsoft.com/office/powerpoint/2010/main" val="3959902913"/>
+        <p14:creationId xmlns:p14="http://schemas.microsoft.com/office/powerpoint/2010/main" val="3248572870"/>
       </p:ext>
     </p:extLst>
   </p:cSld>
@@ -21095,12 +22979,12 @@
       </p:grpSpPr>
       <p:sp>
         <p:nvSpPr>
-          <p:cNvPr id="4" name="Subtitle 3"/>
-          <p:cNvSpPr>
-            <a:spLocks noGrp="1"/>
-          </p:cNvSpPr>
-          <p:nvPr>
-            <p:ph type="subTitle" idx="1"/>
+          <p:cNvPr id="3" name="Title 2"/>
+          <p:cNvSpPr>
+            <a:spLocks noGrp="1"/>
+          </p:cNvSpPr>
+          <p:nvPr>
+            <p:ph type="title"/>
           </p:nvPr>
         </p:nvSpPr>
         <p:spPr/>
@@ -21110,7 +22994,7 @@
           <a:p>
             <a:r>
               <a:rPr lang="en-US" dirty="0" smtClean="0"/>
-              <a:t>Deploying an App for Office using Windows Azure</a:t>
+              <a:t>File Share App Catalog</a:t>
             </a:r>
             <a:endParaRPr lang="en-US" dirty="0"/>
           </a:p>
@@ -21118,7 +23002,7 @@
       </p:sp>
       <p:sp>
         <p:nvSpPr>
-          <p:cNvPr id="2" name="Text Placeholder 1"/>
+          <p:cNvPr id="5" name="Content Placeholder 4"/>
           <p:cNvSpPr>
             <a:spLocks noGrp="1"/>
           </p:cNvSpPr>
@@ -21131,13 +23015,41 @@
           <a:bodyPr/>
           <a:lstStyle/>
           <a:p>
-            <a:pPr marL="0" indent="0">
-              <a:buNone/>
-            </a:pPr>
             <a:r>
               <a:rPr lang="en-US" dirty="0" smtClean="0"/>
-              <a:t>demo</a:t>
-            </a:r>
+              <a:t>Provides Simplest Means to Deploy Apps for Office</a:t>
+            </a:r>
+          </a:p>
+          <a:p>
+            <a:pPr lvl="1"/>
+            <a:r>
+              <a:rPr lang="en-US" dirty="0" smtClean="0"/>
+              <a:t>Does not require either SharePoint or Exchange</a:t>
+            </a:r>
+          </a:p>
+          <a:p>
+            <a:pPr lvl="1"/>
+            <a:r>
+              <a:rPr lang="en-US" dirty="0" smtClean="0"/>
+              <a:t>Apps for Office manifests copied to Windows File Share</a:t>
+            </a:r>
+          </a:p>
+          <a:p>
+            <a:pPr lvl="1"/>
+            <a:r>
+              <a:rPr lang="en-US" dirty="0" smtClean="0"/>
+              <a:t>Office Applications configured to read file share to discover Apps for Office</a:t>
+            </a:r>
+          </a:p>
+          <a:p>
+            <a:pPr lvl="1"/>
+            <a:r>
+              <a:rPr lang="en-US" dirty="0" smtClean="0"/>
+              <a:t>Client machine requires registry entry with file share path</a:t>
+            </a:r>
+            <a:endParaRPr lang="en-US" dirty="0"/>
+          </a:p>
+          <a:p>
             <a:endParaRPr lang="en-US" dirty="0"/>
           </a:p>
         </p:txBody>
@@ -21145,16 +23057,21 @@
     </p:spTree>
     <p:extLst>
       <p:ext uri="{BB962C8B-B14F-4D97-AF65-F5344CB8AC3E}">
-        <p14:creationId xmlns:p14="http://schemas.microsoft.com/office/powerpoint/2010/main" val="3246659907"/>
+        <p14:creationId xmlns:p14="http://schemas.microsoft.com/office/powerpoint/2010/main" val="3959902913"/>
       </p:ext>
     </p:extLst>
   </p:cSld>
   <p:clrMapOvr>
     <a:masterClrMapping/>
   </p:clrMapOvr>
-  <p:transition>
-    <p:fade/>
-  </p:transition>
+  <mc:AlternateContent xmlns:mc="http://schemas.openxmlformats.org/markup-compatibility/2006" xmlns:p14="http://schemas.microsoft.com/office/powerpoint/2010/main">
+    <mc:Choice Requires="p14">
+      <p:transition p14:dur="0"/>
+    </mc:Choice>
+    <mc:Fallback xmlns="">
+      <p:transition/>
+    </mc:Fallback>
+  </mc:AlternateContent>
   <p:timing>
     <p:tnLst>
       <p:par>
@@ -21336,6 +23253,95 @@
 </file>
 
 <file path=ppt/slides/slide40.xml><?xml version="1.0" encoding="utf-8"?>
+<p:sld xmlns:a="http://schemas.openxmlformats.org/drawingml/2006/main" xmlns:r="http://schemas.openxmlformats.org/officeDocument/2006/relationships" xmlns:p="http://schemas.openxmlformats.org/presentationml/2006/main">
+  <p:cSld>
+    <p:spTree>
+      <p:nvGrpSpPr>
+        <p:cNvPr id="1" name=""/>
+        <p:cNvGrpSpPr/>
+        <p:nvPr/>
+      </p:nvGrpSpPr>
+      <p:grpSpPr>
+        <a:xfrm>
+          <a:off x="0" y="0"/>
+          <a:ext cx="0" cy="0"/>
+          <a:chOff x="0" y="0"/>
+          <a:chExt cx="0" cy="0"/>
+        </a:xfrm>
+      </p:grpSpPr>
+      <p:sp>
+        <p:nvSpPr>
+          <p:cNvPr id="4" name="Subtitle 3"/>
+          <p:cNvSpPr>
+            <a:spLocks noGrp="1"/>
+          </p:cNvSpPr>
+          <p:nvPr>
+            <p:ph type="subTitle" idx="1"/>
+          </p:nvPr>
+        </p:nvSpPr>
+        <p:spPr/>
+        <p:txBody>
+          <a:bodyPr/>
+          <a:lstStyle/>
+          <a:p>
+            <a:r>
+              <a:rPr lang="en-US" dirty="0" smtClean="0"/>
+              <a:t>Deploying an App for Office using Windows Azure</a:t>
+            </a:r>
+            <a:endParaRPr lang="en-US" dirty="0"/>
+          </a:p>
+        </p:txBody>
+      </p:sp>
+      <p:sp>
+        <p:nvSpPr>
+          <p:cNvPr id="2" name="Text Placeholder 1"/>
+          <p:cNvSpPr>
+            <a:spLocks noGrp="1"/>
+          </p:cNvSpPr>
+          <p:nvPr>
+            <p:ph type="body" sz="quarter" idx="10"/>
+          </p:nvPr>
+        </p:nvSpPr>
+        <p:spPr/>
+        <p:txBody>
+          <a:bodyPr/>
+          <a:lstStyle/>
+          <a:p>
+            <a:pPr marL="0" indent="0">
+              <a:buNone/>
+            </a:pPr>
+            <a:r>
+              <a:rPr lang="en-US" dirty="0" smtClean="0"/>
+              <a:t>demo</a:t>
+            </a:r>
+            <a:endParaRPr lang="en-US" dirty="0"/>
+          </a:p>
+        </p:txBody>
+      </p:sp>
+    </p:spTree>
+    <p:extLst>
+      <p:ext uri="{BB962C8B-B14F-4D97-AF65-F5344CB8AC3E}">
+        <p14:creationId xmlns:p14="http://schemas.microsoft.com/office/powerpoint/2010/main" val="3246659907"/>
+      </p:ext>
+    </p:extLst>
+  </p:cSld>
+  <p:clrMapOvr>
+    <a:masterClrMapping/>
+  </p:clrMapOvr>
+  <p:transition>
+    <p:fade/>
+  </p:transition>
+  <p:timing>
+    <p:tnLst>
+      <p:par>
+        <p:cTn id="1" dur="indefinite" restart="never" nodeType="tmRoot"/>
+      </p:par>
+    </p:tnLst>
+  </p:timing>
+</p:sld>
+</file>
+
+<file path=ppt/slides/slide41.xml><?xml version="1.0" encoding="utf-8"?>
 <p:sld xmlns:a="http://schemas.openxmlformats.org/drawingml/2006/main" xmlns:r="http://schemas.openxmlformats.org/officeDocument/2006/relationships" xmlns:p="http://schemas.openxmlformats.org/presentationml/2006/main">
   <p:cSld>
     <p:spTree>
@@ -24600,12 +26606,6 @@
 </file>
 
 <file path=customXml/item1.xml><?xml version="1.0" encoding="utf-8"?>
-<p:properties xmlns:p="http://schemas.microsoft.com/office/2006/metadata/properties" xmlns:xsi="http://www.w3.org/2001/XMLSchema-instance" xmlns:pc="http://schemas.microsoft.com/office/infopath/2007/PartnerControls">
-  <documentManagement/>
-</p:properties>
-</file>
-
-<file path=customXml/item2.xml><?xml version="1.0" encoding="utf-8"?>
 <ct:contentTypeSchema xmlns:ct="http://schemas.microsoft.com/office/2006/metadata/contentType" xmlns:ma="http://schemas.microsoft.com/office/2006/metadata/properties/metaAttributes" ct:_="" ma:_="" ma:contentTypeName="Document" ma:contentTypeID="0x010100A2E4C90AA7333249A7DBC8CC6F49919B" ma:contentTypeVersion="1" ma:contentTypeDescription="Create a new document." ma:contentTypeScope="" ma:versionID="e7b09f0f38d7ed30c7da14951e97abcc">
   <xsd:schema xmlns:xsd="http://www.w3.org/2001/XMLSchema" xmlns:xs="http://www.w3.org/2001/XMLSchema" xmlns:p="http://schemas.microsoft.com/office/2006/metadata/properties" xmlns:ns2="5fad15d0-477e-40da-a20d-40d4ca777cbd" targetNamespace="http://schemas.microsoft.com/office/2006/metadata/properties" ma:root="true" ma:fieldsID="0cee24db179c30c5ebec40b677cadf70" ns2:_="">
     <xsd:import namespace="5fad15d0-477e-40da-a20d-40d4ca777cbd"/>
@@ -24745,7 +26745,7 @@
 </ct:contentTypeSchema>
 </file>
 
-<file path=customXml/item3.xml><?xml version="1.0" encoding="utf-8"?>
+<file path=customXml/item2.xml><?xml version="1.0" encoding="utf-8"?>
 <?mso-contentType ?>
 <FormTemplates xmlns="http://schemas.microsoft.com/sharepoint/v3/contenttype/forms">
   <Display>DocumentLibraryForm</Display>
@@ -24754,23 +26754,13 @@
 </FormTemplates>
 </file>
 
-<file path=customXml/itemProps1.xml><?xml version="1.0" encoding="utf-8"?>
-<ds:datastoreItem xmlns:ds="http://schemas.openxmlformats.org/officeDocument/2006/customXml" ds:itemID="{DA593625-DB14-4FB0-B5A9-3269FA9C120B}">
-  <ds:schemaRefs>
-    <ds:schemaRef ds:uri="http://schemas.microsoft.com/office/2006/documentManagement/types"/>
-    <ds:schemaRef ds:uri="http://schemas.microsoft.com/office/infopath/2007/PartnerControls"/>
-    <ds:schemaRef ds:uri="http://schemas.microsoft.com/office/2006/metadata/properties"/>
-    <ds:schemaRef ds:uri="http://purl.org/dc/terms/"/>
-    <ds:schemaRef ds:uri="http://purl.org/dc/elements/1.1/"/>
-    <ds:schemaRef ds:uri="http://purl.org/dc/dcmitype/"/>
-    <ds:schemaRef ds:uri="5fad15d0-477e-40da-a20d-40d4ca777cbd"/>
-    <ds:schemaRef ds:uri="http://schemas.openxmlformats.org/package/2006/metadata/core-properties"/>
-    <ds:schemaRef ds:uri="http://www.w3.org/XML/1998/namespace"/>
-  </ds:schemaRefs>
-</ds:datastoreItem>
+<file path=customXml/item3.xml><?xml version="1.0" encoding="utf-8"?>
+<p:properties xmlns:p="http://schemas.microsoft.com/office/2006/metadata/properties" xmlns:xsi="http://www.w3.org/2001/XMLSchema-instance" xmlns:pc="http://schemas.microsoft.com/office/infopath/2007/PartnerControls">
+  <documentManagement/>
+</p:properties>
 </file>
 
-<file path=customXml/itemProps2.xml><?xml version="1.0" encoding="utf-8"?>
+<file path=customXml/itemProps1.xml><?xml version="1.0" encoding="utf-8"?>
 <ds:datastoreItem xmlns:ds="http://schemas.openxmlformats.org/officeDocument/2006/customXml" ds:itemID="{F17DCE38-6787-497B-B958-75817420EB1E}">
   <ds:schemaRefs>
     <ds:schemaRef ds:uri="http://schemas.microsoft.com/office/2006/metadata/contentType"/>
@@ -24788,10 +26778,26 @@
 </ds:datastoreItem>
 </file>
 
-<file path=customXml/itemProps3.xml><?xml version="1.0" encoding="utf-8"?>
+<file path=customXml/itemProps2.xml><?xml version="1.0" encoding="utf-8"?>
 <ds:datastoreItem xmlns:ds="http://schemas.openxmlformats.org/officeDocument/2006/customXml" ds:itemID="{E1E0CE18-CA03-4891-9CD8-3448778E3D53}">
   <ds:schemaRefs>
     <ds:schemaRef ds:uri="http://schemas.microsoft.com/sharepoint/v3/contenttype/forms"/>
   </ds:schemaRefs>
 </ds:datastoreItem>
+</file>
+
+<file path=customXml/itemProps3.xml><?xml version="1.0" encoding="utf-8"?>
+<ds:datastoreItem xmlns:ds="http://schemas.openxmlformats.org/officeDocument/2006/customXml" ds:itemID="{DA593625-DB14-4FB0-B5A9-3269FA9C120B}">
+  <ds:schemaRefs>
+    <ds:schemaRef ds:uri="http://schemas.microsoft.com/office/2006/documentManagement/types"/>
+    <ds:schemaRef ds:uri="http://schemas.microsoft.com/office/infopath/2007/PartnerControls"/>
+    <ds:schemaRef ds:uri="http://schemas.microsoft.com/office/2006/metadata/properties"/>
+    <ds:schemaRef ds:uri="http://purl.org/dc/terms/"/>
+    <ds:schemaRef ds:uri="http://purl.org/dc/elements/1.1/"/>
+    <ds:schemaRef ds:uri="http://purl.org/dc/dcmitype/"/>
+    <ds:schemaRef ds:uri="5fad15d0-477e-40da-a20d-40d4ca777cbd"/>
+    <ds:schemaRef ds:uri="http://schemas.openxmlformats.org/package/2006/metadata/core-properties"/>
+    <ds:schemaRef ds:uri="http://www.w3.org/XML/1998/namespace"/>
+  </ds:schemaRefs>
+</ds:datastoreItem>
 </file>
--- a/O3652-2 Deep Dive Apps for Office in Word/O3652-2 Deep Dive into Apps for Office in Word.pptx
+++ b/O3652-2 Deep Dive Apps for Office in Word/O3652-2 Deep Dive into Apps for Office in Word.pptx
@@ -355,7 +355,7 @@
           <a:p>
             <a:fld id="{DE219B1A-AE41-483B-A766-69B9363DDA6A}" type="datetimeFigureOut">
               <a:rPr lang="en-US" smtClean="0"/>
-              <a:t>9/2/2014</a:t>
+              <a:t>9/5/2014</a:t>
             </a:fld>
             <a:endParaRPr lang="en-US"/>
           </a:p>
@@ -637,7 +637,7 @@
           <a:p>
             <a:fld id="{D51B1278-D92B-4AF3-A9C1-71DD298190CE}" type="datetimeFigureOut">
               <a:rPr lang="en-US" smtClean="0"/>
-              <a:t>9/2/2014</a:t>
+              <a:t>9/5/2014</a:t>
             </a:fld>
             <a:endParaRPr lang="en-US"/>
           </a:p>
@@ -1330,7 +1330,7 @@
           <a:p>
             <a:fld id="{F520EA6B-12B9-470C-8032-CF7B89111BB8}" type="datetime1">
               <a:rPr lang="en-US" smtClean="0"/>
-              <a:t>9/2/2014</a:t>
+              <a:t>9/5/2014</a:t>
             </a:fld>
             <a:endParaRPr lang="en-US"/>
           </a:p>
@@ -1552,7 +1552,7 @@
           <a:p>
             <a:fld id="{FC5F0E7A-DD5F-4903-B380-98FDBDD8F972}" type="datetime1">
               <a:rPr lang="en-US" smtClean="0"/>
-              <a:t>9/2/2014</a:t>
+              <a:t>9/5/2014</a:t>
             </a:fld>
             <a:endParaRPr lang="en-US"/>
           </a:p>
@@ -1766,7 +1766,7 @@
           <a:p>
             <a:fld id="{64469F49-A1F5-4E7A-A41B-14BD8D8FB2E1}" type="datetime1">
               <a:rPr lang="en-US" smtClean="0"/>
-              <a:t>9/2/2014</a:t>
+              <a:t>9/5/2014</a:t>
             </a:fld>
             <a:endParaRPr lang="en-US"/>
           </a:p>
@@ -2163,7 +2163,7 @@
           <a:p>
             <a:fld id="{68584938-3506-4DA6-B670-23FF647A9E8B}" type="datetime1">
               <a:rPr lang="en-US" smtClean="0"/>
-              <a:t>9/2/2014</a:t>
+              <a:t>9/5/2014</a:t>
             </a:fld>
             <a:endParaRPr lang="en-US"/>
           </a:p>
@@ -2434,7 +2434,7 @@
           <a:p>
             <a:fld id="{05E1850F-7595-48D2-899E-D3C1304F8E26}" type="datetime1">
               <a:rPr lang="en-US" smtClean="0"/>
-              <a:t>9/2/2014</a:t>
+              <a:t>9/5/2014</a:t>
             </a:fld>
             <a:endParaRPr lang="en-US"/>
           </a:p>
@@ -2877,7 +2877,7 @@
           <a:p>
             <a:fld id="{F8C64A9D-8829-430E-BA7E-156543677E2C}" type="datetime1">
               <a:rPr lang="en-US" smtClean="0"/>
-              <a:t>9/2/2014</a:t>
+              <a:t>9/5/2014</a:t>
             </a:fld>
             <a:endParaRPr lang="en-US"/>
           </a:p>
@@ -3137,7 +3137,7 @@
           <a:p>
             <a:fld id="{B079C3B8-7366-4A44-A34B-3977080C19E7}" type="datetime1">
               <a:rPr lang="en-US" smtClean="0"/>
-              <a:t>9/2/2014</a:t>
+              <a:t>9/5/2014</a:t>
             </a:fld>
             <a:endParaRPr lang="en-US" dirty="0"/>
           </a:p>
@@ -3312,7 +3312,7 @@
           <a:p>
             <a:fld id="{CAFAEC0D-A9DC-4104-A93F-17133DFA0E36}" type="datetime1">
               <a:rPr lang="en-US" smtClean="0"/>
-              <a:t>9/2/2014</a:t>
+              <a:t>9/5/2014</a:t>
             </a:fld>
             <a:endParaRPr lang="en-US"/>
           </a:p>
@@ -3526,7 +3526,7 @@
           <a:p>
             <a:fld id="{9D689792-065F-46CA-A8D6-9FE9DE607F6F}" type="datetime1">
               <a:rPr lang="en-US" smtClean="0"/>
-              <a:t>9/2/2014</a:t>
+              <a:t>9/5/2014</a:t>
             </a:fld>
             <a:endParaRPr lang="en-US"/>
           </a:p>
@@ -3740,7 +3740,7 @@
           <a:p>
             <a:fld id="{EAAF7A1D-E478-4D65-ACC8-4A753A4B48E4}" type="datetime1">
               <a:rPr lang="en-US" smtClean="0"/>
-              <a:t>9/2/2014</a:t>
+              <a:t>9/5/2014</a:t>
             </a:fld>
             <a:endParaRPr lang="en-US"/>
           </a:p>
@@ -4021,7 +4021,7 @@
           <a:p>
             <a:fld id="{78F2F61C-3C71-4D72-AAAA-EBBF57852989}" type="datetime1">
               <a:rPr lang="en-US" smtClean="0"/>
-              <a:t>9/2/2014</a:t>
+              <a:t>9/5/2014</a:t>
             </a:fld>
             <a:endParaRPr lang="en-US"/>
           </a:p>
@@ -4266,7 +4266,7 @@
           <a:p>
             <a:fld id="{FF14B676-97ED-41B1-9238-56ABE5960535}" type="datetime1">
               <a:rPr lang="en-US" smtClean="0"/>
-              <a:t>9/2/2014</a:t>
+              <a:t>9/5/2014</a:t>
             </a:fld>
             <a:endParaRPr lang="en-US"/>
           </a:p>
@@ -4669,7 +4669,7 @@
           <a:p>
             <a:fld id="{1FACD3AE-923F-4C13-A9A6-673B7F1DFF4E}" type="datetime1">
               <a:rPr lang="en-US" smtClean="0"/>
-              <a:t>9/2/2014</a:t>
+              <a:t>9/5/2014</a:t>
             </a:fld>
             <a:endParaRPr lang="en-US"/>
           </a:p>
@@ -4951,7 +4951,7 @@
           <a:p>
             <a:fld id="{E8ACEF62-E2D2-43AA-9423-0EAFEA11EF99}" type="datetime1">
               <a:rPr lang="en-US" smtClean="0"/>
-              <a:t>9/2/2014</a:t>
+              <a:t>9/5/2014</a:t>
             </a:fld>
             <a:endParaRPr lang="en-US"/>
           </a:p>
@@ -5185,7 +5185,7 @@
           <a:p>
             <a:fld id="{19FBB715-882E-494B-9411-DF2FAA2E6AAD}" type="datetime1">
               <a:rPr lang="en-US" smtClean="0"/>
-              <a:t>9/2/2014</a:t>
+              <a:t>9/5/2014</a:t>
             </a:fld>
             <a:endParaRPr lang="en-US"/>
           </a:p>
@@ -5502,7 +5502,7 @@
           <a:p>
             <a:fld id="{0BB6559B-C68D-49B4-97AE-9BB74C417927}" type="datetime1">
               <a:rPr lang="en-US" smtClean="0"/>
-              <a:t>9/2/2014</a:t>
+              <a:t>9/5/2014</a:t>
             </a:fld>
             <a:endParaRPr lang="en-US"/>
           </a:p>
@@ -5665,7 +5665,7 @@
           <a:p>
             <a:fld id="{015232D4-6E30-4A26-A2CA-8531DCB72EA6}" type="datetime1">
               <a:rPr lang="en-US" smtClean="0"/>
-              <a:t>9/2/2014</a:t>
+              <a:t>9/5/2014</a:t>
             </a:fld>
             <a:endParaRPr lang="en-US"/>
           </a:p>
@@ -6045,7 +6045,7 @@
           <a:p>
             <a:fld id="{9FEEF74C-1007-402E-B0A6-22E0FEB3AB9E}" type="datetime1">
               <a:rPr lang="en-US" smtClean="0"/>
-              <a:t>9/2/2014</a:t>
+              <a:t>9/5/2014</a:t>
             </a:fld>
             <a:endParaRPr lang="en-US"/>
           </a:p>
@@ -6278,7 +6278,7 @@
           <a:p>
             <a:fld id="{0963315D-FADD-47D1-B04E-85DCA5AF53D6}" type="datetime1">
               <a:rPr lang="en-US" smtClean="0"/>
-              <a:t>9/2/2014</a:t>
+              <a:t>9/5/2014</a:t>
             </a:fld>
             <a:endParaRPr lang="en-US"/>
           </a:p>
@@ -6520,7 +6520,7 @@
           <a:p>
             <a:fld id="{F158C575-4F53-44CC-8D6E-CAE5944D2CEA}" type="datetime1">
               <a:rPr lang="en-US" smtClean="0"/>
-              <a:t>9/2/2014</a:t>
+              <a:t>9/5/2014</a:t>
             </a:fld>
             <a:endParaRPr lang="en-US"/>
           </a:p>
@@ -6808,7 +6808,7 @@
           <a:p>
             <a:fld id="{520542AC-2E5E-4BC8-BBEE-E2E42C12BB55}" type="datetime1">
               <a:rPr lang="en-US" smtClean="0"/>
-              <a:t>9/2/2014</a:t>
+              <a:t>9/5/2014</a:t>
             </a:fld>
             <a:endParaRPr lang="en-US"/>
           </a:p>
@@ -17409,7 +17409,7 @@
             <a:pPr lvl="1"/>
             <a:r>
               <a:rPr lang="en-US" sz="1999" dirty="0" smtClean="0"/>
-              <a:t>You must choose (1) the app share and (2) which Office application are to be supported</a:t>
+              <a:t>You must choose (1) the app shape and (2) which Office application are to be supported</a:t>
             </a:r>
             <a:endParaRPr lang="en-US" sz="1999" dirty="0"/>
           </a:p>
@@ -17645,7 +17645,7 @@
       </p:sp>
       <p:grpSp>
         <p:nvGrpSpPr>
-          <p:cNvPr id="6" name="Group 5"/>
+          <p:cNvPr id="5" name="Group 4"/>
           <p:cNvGrpSpPr/>
           <p:nvPr/>
         </p:nvGrpSpPr>
@@ -17659,7 +17659,7 @@
         </p:grpSpPr>
         <p:pic>
           <p:nvPicPr>
-            <p:cNvPr id="7" name="Picture 6"/>
+            <p:cNvPr id="6" name="Picture 5"/>
             <p:cNvPicPr>
               <a:picLocks noChangeAspect="1"/>
             </p:cNvPicPr>
@@ -17683,7 +17683,7 @@
         </p:pic>
         <p:pic>
           <p:nvPicPr>
-            <p:cNvPr id="8" name="Picture 7"/>
+            <p:cNvPr id="7" name="Picture 6"/>
             <p:cNvPicPr>
               <a:picLocks noChangeAspect="1"/>
             </p:cNvPicPr>
@@ -17714,7 +17714,7 @@
         </p:pic>
         <p:cxnSp>
           <p:nvCxnSpPr>
-            <p:cNvPr id="9" name="Straight Arrow Connector 8"/>
+            <p:cNvPr id="8" name="Straight Arrow Connector 7"/>
             <p:cNvCxnSpPr/>
             <p:nvPr/>
           </p:nvCxnSpPr>
@@ -17920,7 +17920,7 @@
       </p:sp>
       <p:pic>
         <p:nvPicPr>
-          <p:cNvPr id="5" name="Picture 4"/>
+          <p:cNvPr id="6" name="Picture 5"/>
           <p:cNvPicPr>
             <a:picLocks noChangeAspect="1"/>
           </p:cNvPicPr>
@@ -17934,7 +17934,7 @@
         </p:blipFill>
         <p:spPr>
           <a:xfrm>
-            <a:off x="162201" y="1570892"/>
+            <a:off x="253316" y="1465384"/>
             <a:ext cx="1838369" cy="3035110"/>
           </a:xfrm>
           <a:prstGeom prst="rect">
@@ -17944,7 +17944,7 @@
       </p:pic>
       <p:pic>
         <p:nvPicPr>
-          <p:cNvPr id="6" name="Picture 5"/>
+          <p:cNvPr id="7" name="Picture 6"/>
           <p:cNvPicPr>
             <a:picLocks noChangeAspect="1"/>
           </p:cNvPicPr>
@@ -17958,7 +17958,7 @@
         </p:blipFill>
         <p:spPr>
           <a:xfrm>
-            <a:off x="2486360" y="1570892"/>
+            <a:off x="2577475" y="1465384"/>
             <a:ext cx="9334288" cy="5156227"/>
           </a:xfrm>
           <a:prstGeom prst="rect">
@@ -17975,13 +17975,13 @@
       </p:pic>
       <p:cxnSp>
         <p:nvCxnSpPr>
-          <p:cNvPr id="9" name="Straight Arrow Connector 8"/>
+          <p:cNvPr id="10" name="Straight Arrow Connector 9"/>
           <p:cNvCxnSpPr/>
           <p:nvPr/>
         </p:nvCxnSpPr>
         <p:spPr>
           <a:xfrm>
-            <a:off x="1652954" y="2555631"/>
+            <a:off x="1744069" y="2450123"/>
             <a:ext cx="833406" cy="46892"/>
           </a:xfrm>
           <a:prstGeom prst="straightConnector1">
@@ -26606,6 +26606,21 @@
 </file>
 
 <file path=customXml/item1.xml><?xml version="1.0" encoding="utf-8"?>
+<?mso-contentType ?>
+<FormTemplates xmlns="http://schemas.microsoft.com/sharepoint/v3/contenttype/forms">
+  <Display>DocumentLibraryForm</Display>
+  <Edit>DocumentLibraryForm</Edit>
+  <New>DocumentLibraryForm</New>
+</FormTemplates>
+</file>
+
+<file path=customXml/item2.xml><?xml version="1.0" encoding="utf-8"?>
+<p:properties xmlns:p="http://schemas.microsoft.com/office/2006/metadata/properties" xmlns:xsi="http://www.w3.org/2001/XMLSchema-instance" xmlns:pc="http://schemas.microsoft.com/office/infopath/2007/PartnerControls">
+  <documentManagement/>
+</p:properties>
+</file>
+
+<file path=customXml/item3.xml><?xml version="1.0" encoding="utf-8"?>
 <ct:contentTypeSchema xmlns:ct="http://schemas.microsoft.com/office/2006/metadata/contentType" xmlns:ma="http://schemas.microsoft.com/office/2006/metadata/properties/metaAttributes" ct:_="" ma:_="" ma:contentTypeName="Document" ma:contentTypeID="0x010100A2E4C90AA7333249A7DBC8CC6F49919B" ma:contentTypeVersion="1" ma:contentTypeDescription="Create a new document." ma:contentTypeScope="" ma:versionID="e7b09f0f38d7ed30c7da14951e97abcc">
   <xsd:schema xmlns:xsd="http://www.w3.org/2001/XMLSchema" xmlns:xs="http://www.w3.org/2001/XMLSchema" xmlns:p="http://schemas.microsoft.com/office/2006/metadata/properties" xmlns:ns2="5fad15d0-477e-40da-a20d-40d4ca777cbd" targetNamespace="http://schemas.microsoft.com/office/2006/metadata/properties" ma:root="true" ma:fieldsID="0cee24db179c30c5ebec40b677cadf70" ns2:_="">
     <xsd:import namespace="5fad15d0-477e-40da-a20d-40d4ca777cbd"/>
@@ -26745,22 +26760,31 @@
 </ct:contentTypeSchema>
 </file>
 
-<file path=customXml/item2.xml><?xml version="1.0" encoding="utf-8"?>
-<?mso-contentType ?>
-<FormTemplates xmlns="http://schemas.microsoft.com/sharepoint/v3/contenttype/forms">
-  <Display>DocumentLibraryForm</Display>
-  <Edit>DocumentLibraryForm</Edit>
-  <New>DocumentLibraryForm</New>
-</FormTemplates>
+<file path=customXml/itemProps1.xml><?xml version="1.0" encoding="utf-8"?>
+<ds:datastoreItem xmlns:ds="http://schemas.openxmlformats.org/officeDocument/2006/customXml" ds:itemID="{E1E0CE18-CA03-4891-9CD8-3448778E3D53}">
+  <ds:schemaRefs>
+    <ds:schemaRef ds:uri="http://schemas.microsoft.com/sharepoint/v3/contenttype/forms"/>
+  </ds:schemaRefs>
+</ds:datastoreItem>
 </file>
 
-<file path=customXml/item3.xml><?xml version="1.0" encoding="utf-8"?>
-<p:properties xmlns:p="http://schemas.microsoft.com/office/2006/metadata/properties" xmlns:xsi="http://www.w3.org/2001/XMLSchema-instance" xmlns:pc="http://schemas.microsoft.com/office/infopath/2007/PartnerControls">
-  <documentManagement/>
-</p:properties>
+<file path=customXml/itemProps2.xml><?xml version="1.0" encoding="utf-8"?>
+<ds:datastoreItem xmlns:ds="http://schemas.openxmlformats.org/officeDocument/2006/customXml" ds:itemID="{DA593625-DB14-4FB0-B5A9-3269FA9C120B}">
+  <ds:schemaRefs>
+    <ds:schemaRef ds:uri="http://purl.org/dc/dcmitype/"/>
+    <ds:schemaRef ds:uri="http://purl.org/dc/terms/"/>
+    <ds:schemaRef ds:uri="http://schemas.openxmlformats.org/package/2006/metadata/core-properties"/>
+    <ds:schemaRef ds:uri="5fad15d0-477e-40da-a20d-40d4ca777cbd"/>
+    <ds:schemaRef ds:uri="http://purl.org/dc/elements/1.1/"/>
+    <ds:schemaRef ds:uri="http://schemas.microsoft.com/office/2006/documentManagement/types"/>
+    <ds:schemaRef ds:uri="http://schemas.microsoft.com/office/infopath/2007/PartnerControls"/>
+    <ds:schemaRef ds:uri="http://schemas.microsoft.com/office/2006/metadata/properties"/>
+    <ds:schemaRef ds:uri="http://www.w3.org/XML/1998/namespace"/>
+  </ds:schemaRefs>
+</ds:datastoreItem>
 </file>
 
-<file path=customXml/itemProps1.xml><?xml version="1.0" encoding="utf-8"?>
+<file path=customXml/itemProps3.xml><?xml version="1.0" encoding="utf-8"?>
 <ds:datastoreItem xmlns:ds="http://schemas.openxmlformats.org/officeDocument/2006/customXml" ds:itemID="{F17DCE38-6787-497B-B958-75817420EB1E}">
   <ds:schemaRefs>
     <ds:schemaRef ds:uri="http://schemas.microsoft.com/office/2006/metadata/contentType"/>
@@ -26776,28 +26800,4 @@
     <ds:schemaRef ds:uri="http://schemas.microsoft.com/internal/obd"/>
   </ds:schemaRefs>
 </ds:datastoreItem>
-</file>
-
-<file path=customXml/itemProps2.xml><?xml version="1.0" encoding="utf-8"?>
-<ds:datastoreItem xmlns:ds="http://schemas.openxmlformats.org/officeDocument/2006/customXml" ds:itemID="{E1E0CE18-CA03-4891-9CD8-3448778E3D53}">
-  <ds:schemaRefs>
-    <ds:schemaRef ds:uri="http://schemas.microsoft.com/sharepoint/v3/contenttype/forms"/>
-  </ds:schemaRefs>
-</ds:datastoreItem>
-</file>
-
-<file path=customXml/itemProps3.xml><?xml version="1.0" encoding="utf-8"?>
-<ds:datastoreItem xmlns:ds="http://schemas.openxmlformats.org/officeDocument/2006/customXml" ds:itemID="{DA593625-DB14-4FB0-B5A9-3269FA9C120B}">
-  <ds:schemaRefs>
-    <ds:schemaRef ds:uri="http://schemas.microsoft.com/office/2006/documentManagement/types"/>
-    <ds:schemaRef ds:uri="http://schemas.microsoft.com/office/infopath/2007/PartnerControls"/>
-    <ds:schemaRef ds:uri="http://schemas.microsoft.com/office/2006/metadata/properties"/>
-    <ds:schemaRef ds:uri="http://purl.org/dc/terms/"/>
-    <ds:schemaRef ds:uri="http://purl.org/dc/elements/1.1/"/>
-    <ds:schemaRef ds:uri="http://purl.org/dc/dcmitype/"/>
-    <ds:schemaRef ds:uri="5fad15d0-477e-40da-a20d-40d4ca777cbd"/>
-    <ds:schemaRef ds:uri="http://schemas.openxmlformats.org/package/2006/metadata/core-properties"/>
-    <ds:schemaRef ds:uri="http://www.w3.org/XML/1998/namespace"/>
-  </ds:schemaRefs>
-</ds:datastoreItem>
 </file>
--- a/O3652-2 Deep Dive Apps for Office in Word/O3652-2 Deep Dive into Apps for Office in Word.pptx
+++ b/O3652-2 Deep Dive Apps for Office in Word/O3652-2 Deep Dive into Apps for Office in Word.pptx
@@ -355,7 +355,7 @@
           <a:p>
             <a:fld id="{DE219B1A-AE41-483B-A766-69B9363DDA6A}" type="datetimeFigureOut">
               <a:rPr lang="en-US" smtClean="0"/>
-              <a:t>9/5/2014</a:t>
+              <a:t>9/12/2014</a:t>
             </a:fld>
             <a:endParaRPr lang="en-US"/>
           </a:p>
@@ -637,7 +637,7 @@
           <a:p>
             <a:fld id="{D51B1278-D92B-4AF3-A9C1-71DD298190CE}" type="datetimeFigureOut">
               <a:rPr lang="en-US" smtClean="0"/>
-              <a:t>9/5/2014</a:t>
+              <a:t>9/12/2014</a:t>
             </a:fld>
             <a:endParaRPr lang="en-US"/>
           </a:p>
@@ -1330,7 +1330,7 @@
           <a:p>
             <a:fld id="{F520EA6B-12B9-470C-8032-CF7B89111BB8}" type="datetime1">
               <a:rPr lang="en-US" smtClean="0"/>
-              <a:t>9/5/2014</a:t>
+              <a:t>9/12/2014</a:t>
             </a:fld>
             <a:endParaRPr lang="en-US"/>
           </a:p>
@@ -1552,7 +1552,7 @@
           <a:p>
             <a:fld id="{FC5F0E7A-DD5F-4903-B380-98FDBDD8F972}" type="datetime1">
               <a:rPr lang="en-US" smtClean="0"/>
-              <a:t>9/5/2014</a:t>
+              <a:t>9/12/2014</a:t>
             </a:fld>
             <a:endParaRPr lang="en-US"/>
           </a:p>
@@ -1766,7 +1766,7 @@
           <a:p>
             <a:fld id="{64469F49-A1F5-4E7A-A41B-14BD8D8FB2E1}" type="datetime1">
               <a:rPr lang="en-US" smtClean="0"/>
-              <a:t>9/5/2014</a:t>
+              <a:t>9/12/2014</a:t>
             </a:fld>
             <a:endParaRPr lang="en-US"/>
           </a:p>
@@ -2163,7 +2163,7 @@
           <a:p>
             <a:fld id="{68584938-3506-4DA6-B670-23FF647A9E8B}" type="datetime1">
               <a:rPr lang="en-US" smtClean="0"/>
-              <a:t>9/5/2014</a:t>
+              <a:t>9/12/2014</a:t>
             </a:fld>
             <a:endParaRPr lang="en-US"/>
           </a:p>
@@ -2434,7 +2434,7 @@
           <a:p>
             <a:fld id="{05E1850F-7595-48D2-899E-D3C1304F8E26}" type="datetime1">
               <a:rPr lang="en-US" smtClean="0"/>
-              <a:t>9/5/2014</a:t>
+              <a:t>9/12/2014</a:t>
             </a:fld>
             <a:endParaRPr lang="en-US"/>
           </a:p>
@@ -2877,7 +2877,7 @@
           <a:p>
             <a:fld id="{F8C64A9D-8829-430E-BA7E-156543677E2C}" type="datetime1">
               <a:rPr lang="en-US" smtClean="0"/>
-              <a:t>9/5/2014</a:t>
+              <a:t>9/12/2014</a:t>
             </a:fld>
             <a:endParaRPr lang="en-US"/>
           </a:p>
@@ -3137,7 +3137,7 @@
           <a:p>
             <a:fld id="{B079C3B8-7366-4A44-A34B-3977080C19E7}" type="datetime1">
               <a:rPr lang="en-US" smtClean="0"/>
-              <a:t>9/5/2014</a:t>
+              <a:t>9/12/2014</a:t>
             </a:fld>
             <a:endParaRPr lang="en-US" dirty="0"/>
           </a:p>
@@ -3312,7 +3312,7 @@
           <a:p>
             <a:fld id="{CAFAEC0D-A9DC-4104-A93F-17133DFA0E36}" type="datetime1">
               <a:rPr lang="en-US" smtClean="0"/>
-              <a:t>9/5/2014</a:t>
+              <a:t>9/12/2014</a:t>
             </a:fld>
             <a:endParaRPr lang="en-US"/>
           </a:p>
@@ -3526,7 +3526,7 @@
           <a:p>
             <a:fld id="{9D689792-065F-46CA-A8D6-9FE9DE607F6F}" type="datetime1">
               <a:rPr lang="en-US" smtClean="0"/>
-              <a:t>9/5/2014</a:t>
+              <a:t>9/12/2014</a:t>
             </a:fld>
             <a:endParaRPr lang="en-US"/>
           </a:p>
@@ -3740,7 +3740,7 @@
           <a:p>
             <a:fld id="{EAAF7A1D-E478-4D65-ACC8-4A753A4B48E4}" type="datetime1">
               <a:rPr lang="en-US" smtClean="0"/>
-              <a:t>9/5/2014</a:t>
+              <a:t>9/12/2014</a:t>
             </a:fld>
             <a:endParaRPr lang="en-US"/>
           </a:p>
@@ -4021,7 +4021,7 @@
           <a:p>
             <a:fld id="{78F2F61C-3C71-4D72-AAAA-EBBF57852989}" type="datetime1">
               <a:rPr lang="en-US" smtClean="0"/>
-              <a:t>9/5/2014</a:t>
+              <a:t>9/12/2014</a:t>
             </a:fld>
             <a:endParaRPr lang="en-US"/>
           </a:p>
@@ -4266,7 +4266,7 @@
           <a:p>
             <a:fld id="{FF14B676-97ED-41B1-9238-56ABE5960535}" type="datetime1">
               <a:rPr lang="en-US" smtClean="0"/>
-              <a:t>9/5/2014</a:t>
+              <a:t>9/12/2014</a:t>
             </a:fld>
             <a:endParaRPr lang="en-US"/>
           </a:p>
@@ -4669,7 +4669,7 @@
           <a:p>
             <a:fld id="{1FACD3AE-923F-4C13-A9A6-673B7F1DFF4E}" type="datetime1">
               <a:rPr lang="en-US" smtClean="0"/>
-              <a:t>9/5/2014</a:t>
+              <a:t>9/12/2014</a:t>
             </a:fld>
             <a:endParaRPr lang="en-US"/>
           </a:p>
@@ -4951,7 +4951,7 @@
           <a:p>
             <a:fld id="{E8ACEF62-E2D2-43AA-9423-0EAFEA11EF99}" type="datetime1">
               <a:rPr lang="en-US" smtClean="0"/>
-              <a:t>9/5/2014</a:t>
+              <a:t>9/12/2014</a:t>
             </a:fld>
             <a:endParaRPr lang="en-US"/>
           </a:p>
@@ -5185,7 +5185,7 @@
           <a:p>
             <a:fld id="{19FBB715-882E-494B-9411-DF2FAA2E6AAD}" type="datetime1">
               <a:rPr lang="en-US" smtClean="0"/>
-              <a:t>9/5/2014</a:t>
+              <a:t>9/12/2014</a:t>
             </a:fld>
             <a:endParaRPr lang="en-US"/>
           </a:p>
@@ -5502,7 +5502,7 @@
           <a:p>
             <a:fld id="{0BB6559B-C68D-49B4-97AE-9BB74C417927}" type="datetime1">
               <a:rPr lang="en-US" smtClean="0"/>
-              <a:t>9/5/2014</a:t>
+              <a:t>9/12/2014</a:t>
             </a:fld>
             <a:endParaRPr lang="en-US"/>
           </a:p>
@@ -5665,7 +5665,7 @@
           <a:p>
             <a:fld id="{015232D4-6E30-4A26-A2CA-8531DCB72EA6}" type="datetime1">
               <a:rPr lang="en-US" smtClean="0"/>
-              <a:t>9/5/2014</a:t>
+              <a:t>9/12/2014</a:t>
             </a:fld>
             <a:endParaRPr lang="en-US"/>
           </a:p>
@@ -6045,7 +6045,7 @@
           <a:p>
             <a:fld id="{9FEEF74C-1007-402E-B0A6-22E0FEB3AB9E}" type="datetime1">
               <a:rPr lang="en-US" smtClean="0"/>
-              <a:t>9/5/2014</a:t>
+              <a:t>9/12/2014</a:t>
             </a:fld>
             <a:endParaRPr lang="en-US"/>
           </a:p>
@@ -6278,7 +6278,7 @@
           <a:p>
             <a:fld id="{0963315D-FADD-47D1-B04E-85DCA5AF53D6}" type="datetime1">
               <a:rPr lang="en-US" smtClean="0"/>
-              <a:t>9/5/2014</a:t>
+              <a:t>9/12/2014</a:t>
             </a:fld>
             <a:endParaRPr lang="en-US"/>
           </a:p>
@@ -6520,7 +6520,7 @@
           <a:p>
             <a:fld id="{F158C575-4F53-44CC-8D6E-CAE5944D2CEA}" type="datetime1">
               <a:rPr lang="en-US" smtClean="0"/>
-              <a:t>9/5/2014</a:t>
+              <a:t>9/12/2014</a:t>
             </a:fld>
             <a:endParaRPr lang="en-US"/>
           </a:p>
@@ -6808,7 +6808,7 @@
           <a:p>
             <a:fld id="{520542AC-2E5E-4BC8-BBEE-E2E42C12BB55}" type="datetime1">
               <a:rPr lang="en-US" smtClean="0"/>
-              <a:t>9/5/2014</a:t>
+              <a:t>9/12/2014</a:t>
             </a:fld>
             <a:endParaRPr lang="en-US"/>
           </a:p>
@@ -18514,7 +18514,7 @@
                 <a:gridCol w="11225057">
                   <a:extLst>
                     <a:ext uri="{9D8B030D-6E8A-4147-A177-3AD203B41FA5}">
-                      <a16:colId xmlns:a16="http://schemas.microsoft.com/office/drawing/2014/main" xmlns="" val="1253488153"/>
+                      <a16:colId xmlns="" xmlns:a16="http://schemas.microsoft.com/office/drawing/2014/main" val="1253488153"/>
                     </a:ext>
                   </a:extLst>
                 </a:gridCol>
@@ -18544,7 +18544,7 @@
                 </a:tc>
                 <a:extLst>
                   <a:ext uri="{0D108BD9-81ED-4DB2-BD59-A6C34878D82A}">
-                    <a16:rowId xmlns:a16="http://schemas.microsoft.com/office/drawing/2014/main" xmlns="" val="829859176"/>
+                    <a16:rowId xmlns="" xmlns:a16="http://schemas.microsoft.com/office/drawing/2014/main" val="829859176"/>
                   </a:ext>
                 </a:extLst>
               </a:tr>
@@ -18565,7 +18565,7 @@
                 </a:tc>
                 <a:extLst>
                   <a:ext uri="{0D108BD9-81ED-4DB2-BD59-A6C34878D82A}">
-                    <a16:rowId xmlns:a16="http://schemas.microsoft.com/office/drawing/2014/main" xmlns="" val="1946132611"/>
+                    <a16:rowId xmlns="" xmlns:a16="http://schemas.microsoft.com/office/drawing/2014/main" val="1946132611"/>
                   </a:ext>
                 </a:extLst>
               </a:tr>
@@ -18602,7 +18602,7 @@
                 </a:tc>
                 <a:extLst>
                   <a:ext uri="{0D108BD9-81ED-4DB2-BD59-A6C34878D82A}">
-                    <a16:rowId xmlns:a16="http://schemas.microsoft.com/office/drawing/2014/main" xmlns="" val="3204002662"/>
+                    <a16:rowId xmlns="" xmlns:a16="http://schemas.microsoft.com/office/drawing/2014/main" val="3204002662"/>
                   </a:ext>
                 </a:extLst>
               </a:tr>
@@ -18643,7 +18643,7 @@
                 </a:tc>
                 <a:extLst>
                   <a:ext uri="{0D108BD9-81ED-4DB2-BD59-A6C34878D82A}">
-                    <a16:rowId xmlns:a16="http://schemas.microsoft.com/office/drawing/2014/main" xmlns="" val="4266278162"/>
+                    <a16:rowId xmlns="" xmlns:a16="http://schemas.microsoft.com/office/drawing/2014/main" val="4266278162"/>
                   </a:ext>
                 </a:extLst>
               </a:tr>
@@ -24124,27 +24124,2163 @@
       </p:sp>
       <p:grpSp>
         <p:nvGrpSpPr>
-          <p:cNvPr id="4" name="Group 3"/>
+          <p:cNvPr id="10" name="Group 9"/>
           <p:cNvGrpSpPr/>
           <p:nvPr/>
         </p:nvGrpSpPr>
         <p:grpSpPr>
           <a:xfrm>
-            <a:off x="1074686" y="3535108"/>
-            <a:ext cx="9831548" cy="2548920"/>
-            <a:chOff x="659720" y="3937907"/>
-            <a:chExt cx="8670472" cy="2247900"/>
+            <a:off x="1234228" y="3485833"/>
+            <a:ext cx="9594435" cy="2442792"/>
+            <a:chOff x="1163890" y="3052077"/>
+            <a:chExt cx="9594435" cy="2442792"/>
           </a:xfrm>
         </p:grpSpPr>
+        <p:grpSp>
+          <p:nvGrpSpPr>
+            <p:cNvPr id="11" name="Group 10"/>
+            <p:cNvGrpSpPr/>
+            <p:nvPr/>
+          </p:nvGrpSpPr>
+          <p:grpSpPr>
+            <a:xfrm>
+              <a:off x="4502991" y="3113564"/>
+              <a:ext cx="2897920" cy="2381305"/>
+              <a:chOff x="8415338" y="3969071"/>
+              <a:chExt cx="3516163" cy="2594233"/>
+            </a:xfrm>
+          </p:grpSpPr>
+          <p:sp>
+            <p:nvSpPr>
+              <p:cNvPr id="61" name="Rectangle 60"/>
+              <p:cNvSpPr/>
+              <p:nvPr/>
+            </p:nvSpPr>
+            <p:spPr>
+              <a:xfrm>
+                <a:off x="8428642" y="3969071"/>
+                <a:ext cx="3502859" cy="2594233"/>
+              </a:xfrm>
+              <a:prstGeom prst="rect">
+                <a:avLst/>
+              </a:prstGeom>
+              <a:solidFill>
+                <a:srgbClr val="FFFFFF"/>
+              </a:solidFill>
+              <a:ln w="28575" cap="flat" cmpd="sng" algn="ctr">
+                <a:solidFill>
+                  <a:srgbClr val="262626">
+                    <a:lumMod val="40000"/>
+                    <a:lumOff val="60000"/>
+                  </a:srgbClr>
+                </a:solidFill>
+                <a:prstDash val="solid"/>
+              </a:ln>
+              <a:effectLst>
+                <a:outerShdw blurRad="50800" dist="38100" dir="2700000" algn="tl" rotWithShape="0">
+                  <a:prstClr val="black">
+                    <a:alpha val="40000"/>
+                  </a:prstClr>
+                </a:outerShdw>
+              </a:effectLst>
+            </p:spPr>
+            <p:txBody>
+              <a:bodyPr rtlCol="0" anchor="ctr"/>
+              <a:lstStyle/>
+              <a:p>
+                <a:pPr algn="ctr" defTabSz="761183"/>
+                <a:endParaRPr lang="en-US" sz="1500" kern="0">
+                  <a:solidFill>
+                    <a:srgbClr val="1B1B1B"/>
+                  </a:solidFill>
+                  <a:latin typeface="Segoe UI"/>
+                </a:endParaRPr>
+              </a:p>
+            </p:txBody>
+          </p:sp>
+          <p:sp>
+            <p:nvSpPr>
+              <p:cNvPr id="62" name="Rectangle 61"/>
+              <p:cNvSpPr/>
+              <p:nvPr/>
+            </p:nvSpPr>
+            <p:spPr>
+              <a:xfrm>
+                <a:off x="8415338" y="3969071"/>
+                <a:ext cx="3516163" cy="529025"/>
+              </a:xfrm>
+              <a:prstGeom prst="rect">
+                <a:avLst/>
+              </a:prstGeom>
+              <a:solidFill>
+                <a:srgbClr val="FFFFFF"/>
+              </a:solidFill>
+              <a:ln w="28575" cap="flat" cmpd="sng" algn="ctr">
+                <a:solidFill>
+                  <a:srgbClr val="262626">
+                    <a:lumMod val="40000"/>
+                    <a:lumOff val="60000"/>
+                  </a:srgbClr>
+                </a:solidFill>
+                <a:prstDash val="solid"/>
+              </a:ln>
+              <a:effectLst/>
+            </p:spPr>
+            <p:txBody>
+              <a:bodyPr rtlCol="0" anchor="ctr"/>
+              <a:lstStyle/>
+              <a:p>
+                <a:pPr algn="ctr" defTabSz="761183"/>
+                <a:r>
+                  <a:rPr lang="en-US" sz="1400" b="1" kern="0" dirty="0" smtClean="0">
+                    <a:solidFill>
+                      <a:schemeClr val="tx1">
+                        <a:lumMod val="50000"/>
+                        <a:lumOff val="50000"/>
+                      </a:schemeClr>
+                    </a:solidFill>
+                  </a:rPr>
+                  <a:t>Excel Application</a:t>
+                </a:r>
+                <a:endParaRPr lang="en-US" sz="1400" b="1" kern="0" dirty="0">
+                  <a:solidFill>
+                    <a:schemeClr val="tx1">
+                      <a:lumMod val="50000"/>
+                      <a:lumOff val="50000"/>
+                    </a:schemeClr>
+                  </a:solidFill>
+                </a:endParaRPr>
+              </a:p>
+            </p:txBody>
+          </p:sp>
+        </p:grpSp>
+        <p:grpSp>
+          <p:nvGrpSpPr>
+            <p:cNvPr id="12" name="Group 11"/>
+            <p:cNvGrpSpPr/>
+            <p:nvPr/>
+          </p:nvGrpSpPr>
+          <p:grpSpPr>
+            <a:xfrm>
+              <a:off x="1163890" y="3113564"/>
+              <a:ext cx="2897920" cy="2381305"/>
+              <a:chOff x="8415338" y="3969071"/>
+              <a:chExt cx="3516163" cy="2594233"/>
+            </a:xfrm>
+          </p:grpSpPr>
+          <p:sp>
+            <p:nvSpPr>
+              <p:cNvPr id="59" name="Rectangle 58"/>
+              <p:cNvSpPr/>
+              <p:nvPr/>
+            </p:nvSpPr>
+            <p:spPr>
+              <a:xfrm>
+                <a:off x="8428642" y="3969071"/>
+                <a:ext cx="3502859" cy="2594233"/>
+              </a:xfrm>
+              <a:prstGeom prst="rect">
+                <a:avLst/>
+              </a:prstGeom>
+              <a:solidFill>
+                <a:srgbClr val="FFFFFF"/>
+              </a:solidFill>
+              <a:ln w="28575" cap="flat" cmpd="sng" algn="ctr">
+                <a:solidFill>
+                  <a:srgbClr val="262626">
+                    <a:lumMod val="40000"/>
+                    <a:lumOff val="60000"/>
+                  </a:srgbClr>
+                </a:solidFill>
+                <a:prstDash val="solid"/>
+              </a:ln>
+              <a:effectLst>
+                <a:outerShdw blurRad="50800" dist="38100" dir="2700000" algn="tl" rotWithShape="0">
+                  <a:prstClr val="black">
+                    <a:alpha val="40000"/>
+                  </a:prstClr>
+                </a:outerShdw>
+              </a:effectLst>
+            </p:spPr>
+            <p:txBody>
+              <a:bodyPr rtlCol="0" anchor="ctr"/>
+              <a:lstStyle/>
+              <a:p>
+                <a:pPr algn="ctr" defTabSz="761183"/>
+                <a:endParaRPr lang="en-US" sz="1500" kern="0">
+                  <a:solidFill>
+                    <a:srgbClr val="1B1B1B"/>
+                  </a:solidFill>
+                  <a:latin typeface="Segoe UI"/>
+                </a:endParaRPr>
+              </a:p>
+            </p:txBody>
+          </p:sp>
+          <p:sp>
+            <p:nvSpPr>
+              <p:cNvPr id="60" name="Rectangle 59"/>
+              <p:cNvSpPr/>
+              <p:nvPr/>
+            </p:nvSpPr>
+            <p:spPr>
+              <a:xfrm>
+                <a:off x="8415338" y="3969071"/>
+                <a:ext cx="3516163" cy="529025"/>
+              </a:xfrm>
+              <a:prstGeom prst="rect">
+                <a:avLst/>
+              </a:prstGeom>
+              <a:solidFill>
+                <a:srgbClr val="FFFFFF"/>
+              </a:solidFill>
+              <a:ln w="28575" cap="flat" cmpd="sng" algn="ctr">
+                <a:solidFill>
+                  <a:srgbClr val="262626">
+                    <a:lumMod val="40000"/>
+                    <a:lumOff val="60000"/>
+                  </a:srgbClr>
+                </a:solidFill>
+                <a:prstDash val="solid"/>
+              </a:ln>
+              <a:effectLst/>
+            </p:spPr>
+            <p:txBody>
+              <a:bodyPr rtlCol="0" anchor="ctr"/>
+              <a:lstStyle/>
+              <a:p>
+                <a:pPr algn="ctr" defTabSz="761183"/>
+                <a:r>
+                  <a:rPr lang="en-US" sz="1400" b="1" kern="0" dirty="0" smtClean="0">
+                    <a:solidFill>
+                      <a:schemeClr val="tx1">
+                        <a:lumMod val="50000"/>
+                        <a:lumOff val="50000"/>
+                      </a:schemeClr>
+                    </a:solidFill>
+                    <a:latin typeface="Segoe UI"/>
+                  </a:rPr>
+                  <a:t>Word Application</a:t>
+                </a:r>
+                <a:endParaRPr lang="en-US" sz="1400" b="1" kern="0" dirty="0">
+                  <a:solidFill>
+                    <a:schemeClr val="tx1">
+                      <a:lumMod val="50000"/>
+                      <a:lumOff val="50000"/>
+                    </a:schemeClr>
+                  </a:solidFill>
+                  <a:latin typeface="Segoe UI"/>
+                </a:endParaRPr>
+              </a:p>
+            </p:txBody>
+          </p:sp>
+        </p:grpSp>
+        <p:sp>
+          <p:nvSpPr>
+            <p:cNvPr id="13" name="Rectangle 12"/>
+            <p:cNvSpPr/>
+            <p:nvPr/>
+          </p:nvSpPr>
+          <p:spPr>
+            <a:xfrm>
+              <a:off x="1253594" y="3686551"/>
+              <a:ext cx="1882896" cy="1716274"/>
+            </a:xfrm>
+            <a:prstGeom prst="rect">
+              <a:avLst/>
+            </a:prstGeom>
+            <a:ln w="19050">
+              <a:solidFill>
+                <a:srgbClr val="4D4D4D">
+                  <a:lumMod val="40000"/>
+                  <a:lumOff val="60000"/>
+                </a:srgbClr>
+              </a:solidFill>
+            </a:ln>
+          </p:spPr>
+          <p:txBody>
+            <a:bodyPr vert="horz" lIns="0" tIns="0" rIns="0" bIns="0" rtlCol="0" anchor="ctr">
+              <a:noAutofit/>
+            </a:bodyPr>
+            <a:lstStyle/>
+            <a:p>
+              <a:pPr algn="ctr" defTabSz="761183">
+                <a:spcBef>
+                  <a:spcPct val="20000"/>
+                </a:spcBef>
+              </a:pPr>
+              <a:r>
+                <a:rPr lang="en-US" sz="2000" kern="0" spc="-67" dirty="0" smtClean="0">
+                  <a:solidFill>
+                    <a:schemeClr val="tx2"/>
+                  </a:solidFill>
+                  <a:latin typeface="Segoe UI Light"/>
+                  <a:ea typeface="Segoe UI" pitchFamily="34" charset="0"/>
+                  <a:cs typeface="Segoe UI" pitchFamily="34" charset="0"/>
+                </a:rPr>
+                <a:t>Document</a:t>
+              </a:r>
+              <a:endParaRPr lang="en-US" sz="2000" kern="0" spc="-67" dirty="0">
+                <a:solidFill>
+                  <a:schemeClr val="tx2"/>
+                </a:solidFill>
+                <a:latin typeface="Segoe UI Light"/>
+                <a:ea typeface="Segoe UI" pitchFamily="34" charset="0"/>
+                <a:cs typeface="Segoe UI" pitchFamily="34" charset="0"/>
+              </a:endParaRPr>
+            </a:p>
+          </p:txBody>
+        </p:sp>
+        <p:grpSp>
+          <p:nvGrpSpPr>
+            <p:cNvPr id="14" name="Group 13"/>
+            <p:cNvGrpSpPr/>
+            <p:nvPr/>
+          </p:nvGrpSpPr>
+          <p:grpSpPr>
+            <a:xfrm>
+              <a:off x="7860405" y="3113563"/>
+              <a:ext cx="2897920" cy="2381305"/>
+              <a:chOff x="8415338" y="3969071"/>
+              <a:chExt cx="3516163" cy="2594233"/>
+            </a:xfrm>
+          </p:grpSpPr>
+          <p:sp>
+            <p:nvSpPr>
+              <p:cNvPr id="57" name="Rectangle 56"/>
+              <p:cNvSpPr/>
+              <p:nvPr/>
+            </p:nvSpPr>
+            <p:spPr>
+              <a:xfrm>
+                <a:off x="8428642" y="3969071"/>
+                <a:ext cx="3502859" cy="2594233"/>
+              </a:xfrm>
+              <a:prstGeom prst="rect">
+                <a:avLst/>
+              </a:prstGeom>
+              <a:solidFill>
+                <a:srgbClr val="FFFFFF"/>
+              </a:solidFill>
+              <a:ln w="28575" cap="flat" cmpd="sng" algn="ctr">
+                <a:solidFill>
+                  <a:srgbClr val="262626">
+                    <a:lumMod val="40000"/>
+                    <a:lumOff val="60000"/>
+                  </a:srgbClr>
+                </a:solidFill>
+                <a:prstDash val="solid"/>
+              </a:ln>
+              <a:effectLst>
+                <a:outerShdw blurRad="50800" dist="38100" dir="2700000" algn="tl" rotWithShape="0">
+                  <a:prstClr val="black">
+                    <a:alpha val="40000"/>
+                  </a:prstClr>
+                </a:outerShdw>
+              </a:effectLst>
+            </p:spPr>
+            <p:txBody>
+              <a:bodyPr rtlCol="0" anchor="ctr"/>
+              <a:lstStyle/>
+              <a:p>
+                <a:pPr algn="ctr" defTabSz="761183"/>
+                <a:endParaRPr lang="en-US" sz="1500" kern="0" dirty="0">
+                  <a:solidFill>
+                    <a:srgbClr val="1B1B1B"/>
+                  </a:solidFill>
+                  <a:latin typeface="Segoe UI"/>
+                </a:endParaRPr>
+              </a:p>
+            </p:txBody>
+          </p:sp>
+          <p:sp>
+            <p:nvSpPr>
+              <p:cNvPr id="58" name="Rectangle 57"/>
+              <p:cNvSpPr/>
+              <p:nvPr/>
+            </p:nvSpPr>
+            <p:spPr>
+              <a:xfrm>
+                <a:off x="8415338" y="3969071"/>
+                <a:ext cx="3516163" cy="529025"/>
+              </a:xfrm>
+              <a:prstGeom prst="rect">
+                <a:avLst/>
+              </a:prstGeom>
+              <a:solidFill>
+                <a:srgbClr val="FFFFFF"/>
+              </a:solidFill>
+              <a:ln w="28575" cap="flat" cmpd="sng" algn="ctr">
+                <a:solidFill>
+                  <a:srgbClr val="262626">
+                    <a:lumMod val="40000"/>
+                    <a:lumOff val="60000"/>
+                  </a:srgbClr>
+                </a:solidFill>
+                <a:prstDash val="solid"/>
+              </a:ln>
+              <a:effectLst/>
+            </p:spPr>
+            <p:txBody>
+              <a:bodyPr rtlCol="0" anchor="ctr"/>
+              <a:lstStyle/>
+              <a:p>
+                <a:pPr algn="ctr" defTabSz="761183"/>
+                <a:r>
+                  <a:rPr lang="en-US" sz="1400" b="1" kern="0" dirty="0" smtClean="0">
+                    <a:solidFill>
+                      <a:schemeClr val="tx1">
+                        <a:lumMod val="50000"/>
+                        <a:lumOff val="50000"/>
+                      </a:schemeClr>
+                    </a:solidFill>
+                  </a:rPr>
+                  <a:t>Outlook Application</a:t>
+                </a:r>
+                <a:endParaRPr lang="en-US" sz="1400" b="1" kern="0" dirty="0">
+                  <a:solidFill>
+                    <a:schemeClr val="tx1">
+                      <a:lumMod val="50000"/>
+                      <a:lumOff val="50000"/>
+                    </a:schemeClr>
+                  </a:solidFill>
+                </a:endParaRPr>
+              </a:p>
+            </p:txBody>
+          </p:sp>
+        </p:grpSp>
+        <p:sp>
+          <p:nvSpPr>
+            <p:cNvPr id="15" name="Rectangle 14"/>
+            <p:cNvSpPr/>
+            <p:nvPr/>
+          </p:nvSpPr>
+          <p:spPr>
+            <a:xfrm>
+              <a:off x="4630974" y="3686551"/>
+              <a:ext cx="2625231" cy="1716274"/>
+            </a:xfrm>
+            <a:prstGeom prst="rect">
+              <a:avLst/>
+            </a:prstGeom>
+            <a:ln w="19050">
+              <a:solidFill>
+                <a:srgbClr val="4D4D4D">
+                  <a:lumMod val="40000"/>
+                  <a:lumOff val="60000"/>
+                </a:srgbClr>
+              </a:solidFill>
+            </a:ln>
+          </p:spPr>
+          <p:txBody>
+            <a:bodyPr vert="horz" lIns="0" tIns="0" rIns="0" bIns="0" rtlCol="0" anchor="t">
+              <a:noAutofit/>
+            </a:bodyPr>
+            <a:lstStyle/>
+            <a:p>
+              <a:pPr algn="ctr" defTabSz="761183">
+                <a:spcBef>
+                  <a:spcPct val="20000"/>
+                </a:spcBef>
+              </a:pPr>
+              <a:r>
+                <a:rPr lang="en-US" sz="2000" kern="0" spc="-67" dirty="0" smtClean="0">
+                  <a:solidFill>
+                    <a:schemeClr val="tx2"/>
+                  </a:solidFill>
+                  <a:latin typeface="Segoe UI Light"/>
+                  <a:ea typeface="Segoe UI" pitchFamily="34" charset="0"/>
+                  <a:cs typeface="Segoe UI" pitchFamily="34" charset="0"/>
+                </a:rPr>
+                <a:t>Document</a:t>
+              </a:r>
+              <a:endParaRPr lang="en-US" sz="2000" kern="0" spc="-67" dirty="0">
+                <a:solidFill>
+                  <a:schemeClr val="tx2"/>
+                </a:solidFill>
+                <a:latin typeface="Segoe UI Light"/>
+                <a:ea typeface="Segoe UI" pitchFamily="34" charset="0"/>
+                <a:cs typeface="Segoe UI" pitchFamily="34" charset="0"/>
+              </a:endParaRPr>
+            </a:p>
+          </p:txBody>
+        </p:sp>
+        <p:sp>
+          <p:nvSpPr>
+            <p:cNvPr id="16" name="Rectangle 15"/>
+            <p:cNvSpPr/>
+            <p:nvPr/>
+          </p:nvSpPr>
+          <p:spPr>
+            <a:xfrm>
+              <a:off x="7996750" y="3686551"/>
+              <a:ext cx="1196412" cy="1716274"/>
+            </a:xfrm>
+            <a:prstGeom prst="rect">
+              <a:avLst/>
+            </a:prstGeom>
+            <a:ln w="19050">
+              <a:solidFill>
+                <a:srgbClr val="4D4D4D">
+                  <a:lumMod val="40000"/>
+                  <a:lumOff val="60000"/>
+                </a:srgbClr>
+              </a:solidFill>
+            </a:ln>
+          </p:spPr>
+          <p:txBody>
+            <a:bodyPr vert="horz" lIns="0" tIns="0" rIns="0" bIns="0" rtlCol="0" anchor="t">
+              <a:noAutofit/>
+            </a:bodyPr>
+            <a:lstStyle/>
+            <a:p>
+              <a:pPr algn="ctr" defTabSz="761183">
+                <a:spcBef>
+                  <a:spcPct val="20000"/>
+                </a:spcBef>
+              </a:pPr>
+              <a:r>
+                <a:rPr lang="en-US" sz="1400" kern="0" spc="-67" dirty="0" smtClean="0">
+                  <a:solidFill>
+                    <a:schemeClr val="tx2"/>
+                  </a:solidFill>
+                  <a:latin typeface="Segoe UI Light"/>
+                  <a:ea typeface="Segoe UI" pitchFamily="34" charset="0"/>
+                  <a:cs typeface="Segoe UI" pitchFamily="34" charset="0"/>
+                </a:rPr>
+                <a:t>Inbox</a:t>
+              </a:r>
+              <a:endParaRPr lang="en-US" sz="1400" kern="0" spc="-67" dirty="0">
+                <a:solidFill>
+                  <a:schemeClr val="tx2"/>
+                </a:solidFill>
+                <a:latin typeface="Segoe UI Light"/>
+                <a:ea typeface="Segoe UI" pitchFamily="34" charset="0"/>
+                <a:cs typeface="Segoe UI" pitchFamily="34" charset="0"/>
+              </a:endParaRPr>
+            </a:p>
+          </p:txBody>
+        </p:sp>
+        <p:sp>
+          <p:nvSpPr>
+            <p:cNvPr id="17" name="Rectangle 16"/>
+            <p:cNvSpPr/>
+            <p:nvPr/>
+          </p:nvSpPr>
+          <p:spPr>
+            <a:xfrm>
+              <a:off x="9306926" y="3686551"/>
+              <a:ext cx="1302080" cy="1716274"/>
+            </a:xfrm>
+            <a:prstGeom prst="rect">
+              <a:avLst/>
+            </a:prstGeom>
+            <a:ln w="19050">
+              <a:solidFill>
+                <a:srgbClr val="4D4D4D">
+                  <a:lumMod val="40000"/>
+                  <a:lumOff val="60000"/>
+                </a:srgbClr>
+              </a:solidFill>
+            </a:ln>
+          </p:spPr>
+          <p:txBody>
+            <a:bodyPr vert="horz" lIns="0" tIns="0" rIns="0" bIns="0" rtlCol="0" anchor="t">
+              <a:noAutofit/>
+            </a:bodyPr>
+            <a:lstStyle/>
+            <a:p>
+              <a:pPr algn="ctr" defTabSz="761183">
+                <a:spcBef>
+                  <a:spcPct val="20000"/>
+                </a:spcBef>
+              </a:pPr>
+              <a:r>
+                <a:rPr lang="en-US" sz="1400" kern="0" spc="-67" dirty="0" smtClean="0">
+                  <a:solidFill>
+                    <a:schemeClr val="tx2"/>
+                  </a:solidFill>
+                  <a:latin typeface="Segoe UI Light"/>
+                  <a:ea typeface="Segoe UI" pitchFamily="34" charset="0"/>
+                  <a:cs typeface="Segoe UI" pitchFamily="34" charset="0"/>
+                </a:rPr>
+                <a:t>Selected Message</a:t>
+              </a:r>
+              <a:endParaRPr lang="en-US" sz="1400" kern="0" spc="-67" dirty="0">
+                <a:solidFill>
+                  <a:schemeClr val="tx2"/>
+                </a:solidFill>
+                <a:latin typeface="Segoe UI Light"/>
+                <a:ea typeface="Segoe UI" pitchFamily="34" charset="0"/>
+                <a:cs typeface="Segoe UI" pitchFamily="34" charset="0"/>
+              </a:endParaRPr>
+            </a:p>
+          </p:txBody>
+        </p:sp>
+        <p:sp>
+          <p:nvSpPr>
+            <p:cNvPr id="18" name="Rectangle 17"/>
+            <p:cNvSpPr/>
+            <p:nvPr/>
+          </p:nvSpPr>
+          <p:spPr>
+            <a:xfrm>
+              <a:off x="3245742" y="3599166"/>
+              <a:ext cx="827033" cy="1895701"/>
+            </a:xfrm>
+            <a:prstGeom prst="rect">
+              <a:avLst/>
+            </a:prstGeom>
+            <a:gradFill>
+              <a:gsLst>
+                <a:gs pos="0">
+                  <a:schemeClr val="accent1">
+                    <a:lumMod val="5000"/>
+                    <a:lumOff val="95000"/>
+                  </a:schemeClr>
+                </a:gs>
+                <a:gs pos="74000">
+                  <a:schemeClr val="accent1">
+                    <a:lumMod val="45000"/>
+                    <a:lumOff val="55000"/>
+                  </a:schemeClr>
+                </a:gs>
+                <a:gs pos="83000">
+                  <a:schemeClr val="accent1">
+                    <a:lumMod val="45000"/>
+                    <a:lumOff val="55000"/>
+                  </a:schemeClr>
+                </a:gs>
+                <a:gs pos="100000">
+                  <a:schemeClr val="accent1">
+                    <a:lumMod val="30000"/>
+                    <a:lumOff val="70000"/>
+                  </a:schemeClr>
+                </a:gs>
+              </a:gsLst>
+              <a:lin ang="5400000" scaled="1"/>
+            </a:gradFill>
+            <a:ln w="19050">
+              <a:solidFill>
+                <a:srgbClr val="4D4D4D">
+                  <a:lumMod val="40000"/>
+                  <a:lumOff val="60000"/>
+                </a:srgbClr>
+              </a:solidFill>
+            </a:ln>
+          </p:spPr>
+          <p:txBody>
+            <a:bodyPr vert="horz" lIns="0" tIns="0" rIns="0" bIns="0" rtlCol="0" anchor="ctr">
+              <a:noAutofit/>
+            </a:bodyPr>
+            <a:lstStyle/>
+            <a:p>
+              <a:pPr algn="ctr" defTabSz="761183">
+                <a:spcBef>
+                  <a:spcPct val="20000"/>
+                </a:spcBef>
+              </a:pPr>
+              <a:r>
+                <a:rPr lang="en-US" sz="1400" kern="0" spc="-67" dirty="0" smtClean="0">
+                  <a:latin typeface="Segoe UI Light"/>
+                  <a:ea typeface="Segoe UI" pitchFamily="34" charset="0"/>
+                  <a:cs typeface="Segoe UI" pitchFamily="34" charset="0"/>
+                </a:rPr>
+                <a:t>Task Pane App</a:t>
+              </a:r>
+              <a:endParaRPr lang="en-US" sz="1400" kern="0" spc="-67" dirty="0">
+                <a:latin typeface="Segoe UI Light"/>
+                <a:ea typeface="Segoe UI" pitchFamily="34" charset="0"/>
+                <a:cs typeface="Segoe UI" pitchFamily="34" charset="0"/>
+              </a:endParaRPr>
+            </a:p>
+          </p:txBody>
+        </p:sp>
+        <p:sp>
+          <p:nvSpPr>
+            <p:cNvPr id="19" name="Rectangle 18"/>
+            <p:cNvSpPr/>
+            <p:nvPr/>
+          </p:nvSpPr>
+          <p:spPr>
+            <a:xfrm>
+              <a:off x="6217244" y="4705295"/>
+              <a:ext cx="930808" cy="613957"/>
+            </a:xfrm>
+            <a:prstGeom prst="rect">
+              <a:avLst/>
+            </a:prstGeom>
+            <a:gradFill>
+              <a:gsLst>
+                <a:gs pos="0">
+                  <a:schemeClr val="accent1">
+                    <a:lumMod val="5000"/>
+                    <a:lumOff val="95000"/>
+                  </a:schemeClr>
+                </a:gs>
+                <a:gs pos="74000">
+                  <a:schemeClr val="accent1">
+                    <a:lumMod val="45000"/>
+                    <a:lumOff val="55000"/>
+                  </a:schemeClr>
+                </a:gs>
+                <a:gs pos="83000">
+                  <a:schemeClr val="accent1">
+                    <a:lumMod val="45000"/>
+                    <a:lumOff val="55000"/>
+                  </a:schemeClr>
+                </a:gs>
+                <a:gs pos="100000">
+                  <a:schemeClr val="accent1">
+                    <a:lumMod val="30000"/>
+                    <a:lumOff val="70000"/>
+                  </a:schemeClr>
+                </a:gs>
+              </a:gsLst>
+              <a:lin ang="5400000" scaled="1"/>
+            </a:gradFill>
+            <a:ln w="19050">
+              <a:solidFill>
+                <a:srgbClr val="4D4D4D">
+                  <a:lumMod val="40000"/>
+                  <a:lumOff val="60000"/>
+                </a:srgbClr>
+              </a:solidFill>
+            </a:ln>
+          </p:spPr>
+          <p:txBody>
+            <a:bodyPr vert="horz" lIns="0" tIns="0" rIns="0" bIns="0" rtlCol="0" anchor="ctr">
+              <a:noAutofit/>
+            </a:bodyPr>
+            <a:lstStyle/>
+            <a:p>
+              <a:pPr algn="ctr" defTabSz="761183">
+                <a:spcBef>
+                  <a:spcPct val="20000"/>
+                </a:spcBef>
+              </a:pPr>
+              <a:r>
+                <a:rPr lang="en-US" sz="1400" kern="0" spc="-67" dirty="0" smtClean="0">
+                  <a:latin typeface="Segoe UI Light"/>
+                  <a:ea typeface="Segoe UI" pitchFamily="34" charset="0"/>
+                  <a:cs typeface="Segoe UI" pitchFamily="34" charset="0"/>
+                </a:rPr>
+                <a:t>Content </a:t>
+              </a:r>
+              <a:br>
+                <a:rPr lang="en-US" sz="1400" kern="0" spc="-67" dirty="0" smtClean="0">
+                  <a:latin typeface="Segoe UI Light"/>
+                  <a:ea typeface="Segoe UI" pitchFamily="34" charset="0"/>
+                  <a:cs typeface="Segoe UI" pitchFamily="34" charset="0"/>
+                </a:rPr>
+              </a:br>
+              <a:r>
+                <a:rPr lang="en-US" sz="1400" kern="0" spc="-67" dirty="0" smtClean="0">
+                  <a:latin typeface="Segoe UI Light"/>
+                  <a:ea typeface="Segoe UI" pitchFamily="34" charset="0"/>
+                  <a:cs typeface="Segoe UI" pitchFamily="34" charset="0"/>
+                </a:rPr>
+                <a:t>App</a:t>
+              </a:r>
+              <a:endParaRPr lang="en-US" sz="1400" kern="0" spc="-67" dirty="0">
+                <a:latin typeface="Segoe UI Light"/>
+                <a:ea typeface="Segoe UI" pitchFamily="34" charset="0"/>
+                <a:cs typeface="Segoe UI" pitchFamily="34" charset="0"/>
+              </a:endParaRPr>
+            </a:p>
+          </p:txBody>
+        </p:sp>
+        <p:sp>
+          <p:nvSpPr>
+            <p:cNvPr id="20" name="Rectangle 19"/>
+            <p:cNvSpPr/>
+            <p:nvPr/>
+          </p:nvSpPr>
+          <p:spPr>
+            <a:xfrm>
+              <a:off x="9418994" y="4168749"/>
+              <a:ext cx="1091689" cy="413084"/>
+            </a:xfrm>
+            <a:prstGeom prst="rect">
+              <a:avLst/>
+            </a:prstGeom>
+            <a:gradFill>
+              <a:gsLst>
+                <a:gs pos="0">
+                  <a:schemeClr val="accent1">
+                    <a:lumMod val="5000"/>
+                    <a:lumOff val="95000"/>
+                  </a:schemeClr>
+                </a:gs>
+                <a:gs pos="74000">
+                  <a:schemeClr val="accent1">
+                    <a:lumMod val="45000"/>
+                    <a:lumOff val="55000"/>
+                  </a:schemeClr>
+                </a:gs>
+                <a:gs pos="83000">
+                  <a:schemeClr val="accent1">
+                    <a:lumMod val="45000"/>
+                    <a:lumOff val="55000"/>
+                  </a:schemeClr>
+                </a:gs>
+                <a:gs pos="100000">
+                  <a:schemeClr val="accent1">
+                    <a:lumMod val="30000"/>
+                    <a:lumOff val="70000"/>
+                  </a:schemeClr>
+                </a:gs>
+              </a:gsLst>
+              <a:lin ang="5400000" scaled="1"/>
+            </a:gradFill>
+            <a:ln w="19050">
+              <a:solidFill>
+                <a:srgbClr val="4D4D4D">
+                  <a:lumMod val="40000"/>
+                  <a:lumOff val="60000"/>
+                </a:srgbClr>
+              </a:solidFill>
+            </a:ln>
+          </p:spPr>
+          <p:txBody>
+            <a:bodyPr vert="horz" lIns="0" tIns="0" rIns="0" bIns="0" rtlCol="0" anchor="ctr">
+              <a:noAutofit/>
+            </a:bodyPr>
+            <a:lstStyle/>
+            <a:p>
+              <a:pPr algn="ctr" defTabSz="761183">
+                <a:spcBef>
+                  <a:spcPct val="20000"/>
+                </a:spcBef>
+              </a:pPr>
+              <a:r>
+                <a:rPr lang="en-US" sz="1400" kern="0" spc="-67" dirty="0" smtClean="0">
+                  <a:latin typeface="Segoe UI Light"/>
+                  <a:ea typeface="Segoe UI" pitchFamily="34" charset="0"/>
+                  <a:cs typeface="Segoe UI" pitchFamily="34" charset="0"/>
+                </a:rPr>
+                <a:t>Mail App</a:t>
+              </a:r>
+              <a:endParaRPr lang="en-US" sz="1400" kern="0" spc="-67" dirty="0">
+                <a:latin typeface="Segoe UI Light"/>
+                <a:ea typeface="Segoe UI" pitchFamily="34" charset="0"/>
+                <a:cs typeface="Segoe UI" pitchFamily="34" charset="0"/>
+              </a:endParaRPr>
+            </a:p>
+          </p:txBody>
+        </p:sp>
+        <p:cxnSp>
+          <p:nvCxnSpPr>
+            <p:cNvPr id="21" name="Straight Connector 20"/>
+            <p:cNvCxnSpPr/>
+            <p:nvPr/>
+          </p:nvCxnSpPr>
+          <p:spPr>
+            <a:xfrm>
+              <a:off x="1337187" y="3836890"/>
+              <a:ext cx="1651819" cy="0"/>
+            </a:xfrm>
+            <a:prstGeom prst="line">
+              <a:avLst/>
+            </a:prstGeom>
+            <a:ln>
+              <a:solidFill>
+                <a:schemeClr val="bg1">
+                  <a:lumMod val="65000"/>
+                </a:schemeClr>
+              </a:solidFill>
+              <a:headEnd type="none"/>
+              <a:tailEnd type="none"/>
+            </a:ln>
+          </p:spPr>
+          <p:style>
+            <a:lnRef idx="1">
+              <a:schemeClr val="accent1"/>
+            </a:lnRef>
+            <a:fillRef idx="0">
+              <a:schemeClr val="accent1"/>
+            </a:fillRef>
+            <a:effectRef idx="0">
+              <a:schemeClr val="accent1"/>
+            </a:effectRef>
+            <a:fontRef idx="minor">
+              <a:schemeClr val="tx1"/>
+            </a:fontRef>
+          </p:style>
+        </p:cxnSp>
+        <p:cxnSp>
+          <p:nvCxnSpPr>
+            <p:cNvPr id="22" name="Straight Connector 21"/>
+            <p:cNvCxnSpPr/>
+            <p:nvPr/>
+          </p:nvCxnSpPr>
+          <p:spPr>
+            <a:xfrm>
+              <a:off x="1337187" y="3993019"/>
+              <a:ext cx="1651819" cy="0"/>
+            </a:xfrm>
+            <a:prstGeom prst="line">
+              <a:avLst/>
+            </a:prstGeom>
+            <a:ln>
+              <a:solidFill>
+                <a:schemeClr val="bg1">
+                  <a:lumMod val="65000"/>
+                </a:schemeClr>
+              </a:solidFill>
+              <a:headEnd type="none"/>
+              <a:tailEnd type="none"/>
+            </a:ln>
+          </p:spPr>
+          <p:style>
+            <a:lnRef idx="1">
+              <a:schemeClr val="accent1"/>
+            </a:lnRef>
+            <a:fillRef idx="0">
+              <a:schemeClr val="accent1"/>
+            </a:fillRef>
+            <a:effectRef idx="0">
+              <a:schemeClr val="accent1"/>
+            </a:effectRef>
+            <a:fontRef idx="minor">
+              <a:schemeClr val="tx1"/>
+            </a:fontRef>
+          </p:style>
+        </p:cxnSp>
+        <p:cxnSp>
+          <p:nvCxnSpPr>
+            <p:cNvPr id="23" name="Straight Connector 22"/>
+            <p:cNvCxnSpPr/>
+            <p:nvPr/>
+          </p:nvCxnSpPr>
+          <p:spPr>
+            <a:xfrm>
+              <a:off x="1337187" y="4155251"/>
+              <a:ext cx="1651819" cy="0"/>
+            </a:xfrm>
+            <a:prstGeom prst="line">
+              <a:avLst/>
+            </a:prstGeom>
+            <a:ln>
+              <a:solidFill>
+                <a:schemeClr val="bg1">
+                  <a:lumMod val="65000"/>
+                </a:schemeClr>
+              </a:solidFill>
+              <a:headEnd type="none"/>
+              <a:tailEnd type="none"/>
+            </a:ln>
+          </p:spPr>
+          <p:style>
+            <a:lnRef idx="1">
+              <a:schemeClr val="accent1"/>
+            </a:lnRef>
+            <a:fillRef idx="0">
+              <a:schemeClr val="accent1"/>
+            </a:fillRef>
+            <a:effectRef idx="0">
+              <a:schemeClr val="accent1"/>
+            </a:effectRef>
+            <a:fontRef idx="minor">
+              <a:schemeClr val="tx1"/>
+            </a:fontRef>
+          </p:style>
+        </p:cxnSp>
+        <p:cxnSp>
+          <p:nvCxnSpPr>
+            <p:cNvPr id="24" name="Straight Connector 23"/>
+            <p:cNvCxnSpPr/>
+            <p:nvPr/>
+          </p:nvCxnSpPr>
+          <p:spPr>
+            <a:xfrm>
+              <a:off x="1337187" y="4337147"/>
+              <a:ext cx="1651819" cy="0"/>
+            </a:xfrm>
+            <a:prstGeom prst="line">
+              <a:avLst/>
+            </a:prstGeom>
+            <a:ln>
+              <a:solidFill>
+                <a:schemeClr val="bg1">
+                  <a:lumMod val="65000"/>
+                </a:schemeClr>
+              </a:solidFill>
+              <a:headEnd type="none"/>
+              <a:tailEnd type="none"/>
+            </a:ln>
+          </p:spPr>
+          <p:style>
+            <a:lnRef idx="1">
+              <a:schemeClr val="accent1"/>
+            </a:lnRef>
+            <a:fillRef idx="0">
+              <a:schemeClr val="accent1"/>
+            </a:fillRef>
+            <a:effectRef idx="0">
+              <a:schemeClr val="accent1"/>
+            </a:effectRef>
+            <a:fontRef idx="minor">
+              <a:schemeClr val="tx1"/>
+            </a:fontRef>
+          </p:style>
+        </p:cxnSp>
+        <p:cxnSp>
+          <p:nvCxnSpPr>
+            <p:cNvPr id="25" name="Straight Connector 24"/>
+            <p:cNvCxnSpPr/>
+            <p:nvPr/>
+          </p:nvCxnSpPr>
+          <p:spPr>
+            <a:xfrm>
+              <a:off x="1337187" y="4705295"/>
+              <a:ext cx="1651819" cy="0"/>
+            </a:xfrm>
+            <a:prstGeom prst="line">
+              <a:avLst/>
+            </a:prstGeom>
+            <a:ln>
+              <a:solidFill>
+                <a:schemeClr val="bg1">
+                  <a:lumMod val="65000"/>
+                </a:schemeClr>
+              </a:solidFill>
+              <a:headEnd type="none"/>
+              <a:tailEnd type="none"/>
+            </a:ln>
+          </p:spPr>
+          <p:style>
+            <a:lnRef idx="1">
+              <a:schemeClr val="accent1"/>
+            </a:lnRef>
+            <a:fillRef idx="0">
+              <a:schemeClr val="accent1"/>
+            </a:fillRef>
+            <a:effectRef idx="0">
+              <a:schemeClr val="accent1"/>
+            </a:effectRef>
+            <a:fontRef idx="minor">
+              <a:schemeClr val="tx1"/>
+            </a:fontRef>
+          </p:style>
+        </p:cxnSp>
+        <p:cxnSp>
+          <p:nvCxnSpPr>
+            <p:cNvPr id="26" name="Straight Connector 25"/>
+            <p:cNvCxnSpPr/>
+            <p:nvPr/>
+          </p:nvCxnSpPr>
+          <p:spPr>
+            <a:xfrm>
+              <a:off x="1337187" y="4897024"/>
+              <a:ext cx="1651819" cy="0"/>
+            </a:xfrm>
+            <a:prstGeom prst="line">
+              <a:avLst/>
+            </a:prstGeom>
+            <a:ln>
+              <a:solidFill>
+                <a:schemeClr val="bg1">
+                  <a:lumMod val="65000"/>
+                </a:schemeClr>
+              </a:solidFill>
+              <a:headEnd type="none"/>
+              <a:tailEnd type="none"/>
+            </a:ln>
+          </p:spPr>
+          <p:style>
+            <a:lnRef idx="1">
+              <a:schemeClr val="accent1"/>
+            </a:lnRef>
+            <a:fillRef idx="0">
+              <a:schemeClr val="accent1"/>
+            </a:fillRef>
+            <a:effectRef idx="0">
+              <a:schemeClr val="accent1"/>
+            </a:effectRef>
+            <a:fontRef idx="minor">
+              <a:schemeClr val="tx1"/>
+            </a:fontRef>
+          </p:style>
+        </p:cxnSp>
+        <p:cxnSp>
+          <p:nvCxnSpPr>
+            <p:cNvPr id="27" name="Straight Connector 26"/>
+            <p:cNvCxnSpPr/>
+            <p:nvPr/>
+          </p:nvCxnSpPr>
+          <p:spPr>
+            <a:xfrm>
+              <a:off x="1337187" y="5078921"/>
+              <a:ext cx="1651819" cy="0"/>
+            </a:xfrm>
+            <a:prstGeom prst="line">
+              <a:avLst/>
+            </a:prstGeom>
+            <a:ln>
+              <a:solidFill>
+                <a:schemeClr val="bg1">
+                  <a:lumMod val="65000"/>
+                </a:schemeClr>
+              </a:solidFill>
+              <a:headEnd type="none"/>
+              <a:tailEnd type="none"/>
+            </a:ln>
+          </p:spPr>
+          <p:style>
+            <a:lnRef idx="1">
+              <a:schemeClr val="accent1"/>
+            </a:lnRef>
+            <a:fillRef idx="0">
+              <a:schemeClr val="accent1"/>
+            </a:fillRef>
+            <a:effectRef idx="0">
+              <a:schemeClr val="accent1"/>
+            </a:effectRef>
+            <a:fontRef idx="minor">
+              <a:schemeClr val="tx1"/>
+            </a:fontRef>
+          </p:style>
+        </p:cxnSp>
+        <p:cxnSp>
+          <p:nvCxnSpPr>
+            <p:cNvPr id="28" name="Straight Connector 27"/>
+            <p:cNvCxnSpPr/>
+            <p:nvPr/>
+          </p:nvCxnSpPr>
+          <p:spPr>
+            <a:xfrm>
+              <a:off x="1337187" y="5241153"/>
+              <a:ext cx="1651819" cy="0"/>
+            </a:xfrm>
+            <a:prstGeom prst="line">
+              <a:avLst/>
+            </a:prstGeom>
+            <a:ln>
+              <a:solidFill>
+                <a:schemeClr val="bg1">
+                  <a:lumMod val="65000"/>
+                </a:schemeClr>
+              </a:solidFill>
+              <a:headEnd type="none"/>
+              <a:tailEnd type="none"/>
+            </a:ln>
+          </p:spPr>
+          <p:style>
+            <a:lnRef idx="1">
+              <a:schemeClr val="accent1"/>
+            </a:lnRef>
+            <a:fillRef idx="0">
+              <a:schemeClr val="accent1"/>
+            </a:fillRef>
+            <a:effectRef idx="0">
+              <a:schemeClr val="accent1"/>
+            </a:effectRef>
+            <a:fontRef idx="minor">
+              <a:schemeClr val="tx1"/>
+            </a:fontRef>
+          </p:style>
+        </p:cxnSp>
+        <p:cxnSp>
+          <p:nvCxnSpPr>
+            <p:cNvPr id="29" name="Straight Connector 28"/>
+            <p:cNvCxnSpPr/>
+            <p:nvPr/>
+          </p:nvCxnSpPr>
+          <p:spPr>
+            <a:xfrm>
+              <a:off x="4768645" y="3993019"/>
+              <a:ext cx="2379407" cy="0"/>
+            </a:xfrm>
+            <a:prstGeom prst="line">
+              <a:avLst/>
+            </a:prstGeom>
+            <a:ln>
+              <a:solidFill>
+                <a:schemeClr val="bg1">
+                  <a:lumMod val="65000"/>
+                </a:schemeClr>
+              </a:solidFill>
+              <a:headEnd type="none"/>
+              <a:tailEnd type="none"/>
+            </a:ln>
+          </p:spPr>
+          <p:style>
+            <a:lnRef idx="1">
+              <a:schemeClr val="accent1"/>
+            </a:lnRef>
+            <a:fillRef idx="0">
+              <a:schemeClr val="accent1"/>
+            </a:fillRef>
+            <a:effectRef idx="0">
+              <a:schemeClr val="accent1"/>
+            </a:effectRef>
+            <a:fontRef idx="minor">
+              <a:schemeClr val="tx1"/>
+            </a:fontRef>
+          </p:style>
+        </p:cxnSp>
+        <p:cxnSp>
+          <p:nvCxnSpPr>
+            <p:cNvPr id="30" name="Straight Connector 29"/>
+            <p:cNvCxnSpPr/>
+            <p:nvPr/>
+          </p:nvCxnSpPr>
+          <p:spPr>
+            <a:xfrm>
+              <a:off x="4768645" y="4155251"/>
+              <a:ext cx="2379407" cy="0"/>
+            </a:xfrm>
+            <a:prstGeom prst="line">
+              <a:avLst/>
+            </a:prstGeom>
+            <a:ln>
+              <a:solidFill>
+                <a:schemeClr val="bg1">
+                  <a:lumMod val="65000"/>
+                </a:schemeClr>
+              </a:solidFill>
+              <a:headEnd type="none"/>
+              <a:tailEnd type="none"/>
+            </a:ln>
+          </p:spPr>
+          <p:style>
+            <a:lnRef idx="1">
+              <a:schemeClr val="accent1"/>
+            </a:lnRef>
+            <a:fillRef idx="0">
+              <a:schemeClr val="accent1"/>
+            </a:fillRef>
+            <a:effectRef idx="0">
+              <a:schemeClr val="accent1"/>
+            </a:effectRef>
+            <a:fontRef idx="minor">
+              <a:schemeClr val="tx1"/>
+            </a:fontRef>
+          </p:style>
+        </p:cxnSp>
+        <p:cxnSp>
+          <p:nvCxnSpPr>
+            <p:cNvPr id="31" name="Straight Connector 30"/>
+            <p:cNvCxnSpPr/>
+            <p:nvPr/>
+          </p:nvCxnSpPr>
+          <p:spPr>
+            <a:xfrm>
+              <a:off x="4768645" y="4337147"/>
+              <a:ext cx="2379407" cy="0"/>
+            </a:xfrm>
+            <a:prstGeom prst="line">
+              <a:avLst/>
+            </a:prstGeom>
+            <a:ln>
+              <a:solidFill>
+                <a:schemeClr val="bg1">
+                  <a:lumMod val="65000"/>
+                </a:schemeClr>
+              </a:solidFill>
+              <a:headEnd type="none"/>
+              <a:tailEnd type="none"/>
+            </a:ln>
+          </p:spPr>
+          <p:style>
+            <a:lnRef idx="1">
+              <a:schemeClr val="accent1"/>
+            </a:lnRef>
+            <a:fillRef idx="0">
+              <a:schemeClr val="accent1"/>
+            </a:fillRef>
+            <a:effectRef idx="0">
+              <a:schemeClr val="accent1"/>
+            </a:effectRef>
+            <a:fontRef idx="minor">
+              <a:schemeClr val="tx1"/>
+            </a:fontRef>
+          </p:style>
+        </p:cxnSp>
+        <p:cxnSp>
+          <p:nvCxnSpPr>
+            <p:cNvPr id="32" name="Straight Connector 31"/>
+            <p:cNvCxnSpPr/>
+            <p:nvPr/>
+          </p:nvCxnSpPr>
+          <p:spPr>
+            <a:xfrm>
+              <a:off x="4768645" y="4484631"/>
+              <a:ext cx="2379407" cy="0"/>
+            </a:xfrm>
+            <a:prstGeom prst="line">
+              <a:avLst/>
+            </a:prstGeom>
+            <a:ln>
+              <a:solidFill>
+                <a:schemeClr val="bg1">
+                  <a:lumMod val="65000"/>
+                </a:schemeClr>
+              </a:solidFill>
+              <a:headEnd type="none"/>
+              <a:tailEnd type="none"/>
+            </a:ln>
+          </p:spPr>
+          <p:style>
+            <a:lnRef idx="1">
+              <a:schemeClr val="accent1"/>
+            </a:lnRef>
+            <a:fillRef idx="0">
+              <a:schemeClr val="accent1"/>
+            </a:fillRef>
+            <a:effectRef idx="0">
+              <a:schemeClr val="accent1"/>
+            </a:effectRef>
+            <a:fontRef idx="minor">
+              <a:schemeClr val="tx1"/>
+            </a:fontRef>
+          </p:style>
+        </p:cxnSp>
+        <p:cxnSp>
+          <p:nvCxnSpPr>
+            <p:cNvPr id="33" name="Straight Connector 32"/>
+            <p:cNvCxnSpPr/>
+            <p:nvPr/>
+          </p:nvCxnSpPr>
+          <p:spPr>
+            <a:xfrm>
+              <a:off x="4768645" y="4640825"/>
+              <a:ext cx="2379407" cy="0"/>
+            </a:xfrm>
+            <a:prstGeom prst="line">
+              <a:avLst/>
+            </a:prstGeom>
+            <a:ln>
+              <a:solidFill>
+                <a:schemeClr val="bg1">
+                  <a:lumMod val="65000"/>
+                </a:schemeClr>
+              </a:solidFill>
+              <a:headEnd type="none"/>
+              <a:tailEnd type="none"/>
+            </a:ln>
+          </p:spPr>
+          <p:style>
+            <a:lnRef idx="1">
+              <a:schemeClr val="accent1"/>
+            </a:lnRef>
+            <a:fillRef idx="0">
+              <a:schemeClr val="accent1"/>
+            </a:fillRef>
+            <a:effectRef idx="0">
+              <a:schemeClr val="accent1"/>
+            </a:effectRef>
+            <a:fontRef idx="minor">
+              <a:schemeClr val="tx1"/>
+            </a:fontRef>
+          </p:style>
+        </p:cxnSp>
+        <p:cxnSp>
+          <p:nvCxnSpPr>
+            <p:cNvPr id="34" name="Straight Connector 33"/>
+            <p:cNvCxnSpPr/>
+            <p:nvPr/>
+          </p:nvCxnSpPr>
+          <p:spPr>
+            <a:xfrm>
+              <a:off x="4768645" y="4804179"/>
+              <a:ext cx="1337187" cy="13627"/>
+            </a:xfrm>
+            <a:prstGeom prst="line">
+              <a:avLst/>
+            </a:prstGeom>
+            <a:ln>
+              <a:solidFill>
+                <a:schemeClr val="bg1">
+                  <a:lumMod val="65000"/>
+                </a:schemeClr>
+              </a:solidFill>
+              <a:headEnd type="none"/>
+              <a:tailEnd type="none"/>
+            </a:ln>
+          </p:spPr>
+          <p:style>
+            <a:lnRef idx="1">
+              <a:schemeClr val="accent1"/>
+            </a:lnRef>
+            <a:fillRef idx="0">
+              <a:schemeClr val="accent1"/>
+            </a:fillRef>
+            <a:effectRef idx="0">
+              <a:schemeClr val="accent1"/>
+            </a:effectRef>
+            <a:fontRef idx="minor">
+              <a:schemeClr val="tx1"/>
+            </a:fontRef>
+          </p:style>
+        </p:cxnSp>
+        <p:cxnSp>
+          <p:nvCxnSpPr>
+            <p:cNvPr id="35" name="Straight Connector 34"/>
+            <p:cNvCxnSpPr/>
+            <p:nvPr/>
+          </p:nvCxnSpPr>
+          <p:spPr>
+            <a:xfrm>
+              <a:off x="4766293" y="4963243"/>
+              <a:ext cx="1337187" cy="13627"/>
+            </a:xfrm>
+            <a:prstGeom prst="line">
+              <a:avLst/>
+            </a:prstGeom>
+            <a:ln>
+              <a:solidFill>
+                <a:schemeClr val="bg1">
+                  <a:lumMod val="65000"/>
+                </a:schemeClr>
+              </a:solidFill>
+              <a:headEnd type="none"/>
+              <a:tailEnd type="none"/>
+            </a:ln>
+          </p:spPr>
+          <p:style>
+            <a:lnRef idx="1">
+              <a:schemeClr val="accent1"/>
+            </a:lnRef>
+            <a:fillRef idx="0">
+              <a:schemeClr val="accent1"/>
+            </a:fillRef>
+            <a:effectRef idx="0">
+              <a:schemeClr val="accent1"/>
+            </a:effectRef>
+            <a:fontRef idx="minor">
+              <a:schemeClr val="tx1"/>
+            </a:fontRef>
+          </p:style>
+        </p:cxnSp>
+        <p:cxnSp>
+          <p:nvCxnSpPr>
+            <p:cNvPr id="36" name="Straight Connector 35"/>
+            <p:cNvCxnSpPr/>
+            <p:nvPr/>
+          </p:nvCxnSpPr>
+          <p:spPr>
+            <a:xfrm>
+              <a:off x="4766293" y="5133409"/>
+              <a:ext cx="1337187" cy="13627"/>
+            </a:xfrm>
+            <a:prstGeom prst="line">
+              <a:avLst/>
+            </a:prstGeom>
+            <a:ln>
+              <a:solidFill>
+                <a:schemeClr val="bg1">
+                  <a:lumMod val="65000"/>
+                </a:schemeClr>
+              </a:solidFill>
+              <a:headEnd type="none"/>
+              <a:tailEnd type="none"/>
+            </a:ln>
+          </p:spPr>
+          <p:style>
+            <a:lnRef idx="1">
+              <a:schemeClr val="accent1"/>
+            </a:lnRef>
+            <a:fillRef idx="0">
+              <a:schemeClr val="accent1"/>
+            </a:fillRef>
+            <a:effectRef idx="0">
+              <a:schemeClr val="accent1"/>
+            </a:effectRef>
+            <a:fontRef idx="minor">
+              <a:schemeClr val="tx1"/>
+            </a:fontRef>
+          </p:style>
+        </p:cxnSp>
+        <p:cxnSp>
+          <p:nvCxnSpPr>
+            <p:cNvPr id="37" name="Straight Connector 36"/>
+            <p:cNvCxnSpPr/>
+            <p:nvPr/>
+          </p:nvCxnSpPr>
+          <p:spPr>
+            <a:xfrm>
+              <a:off x="8081807" y="3977344"/>
+              <a:ext cx="1003199" cy="15675"/>
+            </a:xfrm>
+            <a:prstGeom prst="line">
+              <a:avLst/>
+            </a:prstGeom>
+            <a:ln>
+              <a:solidFill>
+                <a:schemeClr val="bg1">
+                  <a:lumMod val="65000"/>
+                </a:schemeClr>
+              </a:solidFill>
+              <a:headEnd type="none"/>
+              <a:tailEnd type="none"/>
+            </a:ln>
+          </p:spPr>
+          <p:style>
+            <a:lnRef idx="1">
+              <a:schemeClr val="accent1"/>
+            </a:lnRef>
+            <a:fillRef idx="0">
+              <a:schemeClr val="accent1"/>
+            </a:fillRef>
+            <a:effectRef idx="0">
+              <a:schemeClr val="accent1"/>
+            </a:effectRef>
+            <a:fontRef idx="minor">
+              <a:schemeClr val="tx1"/>
+            </a:fontRef>
+          </p:style>
+        </p:cxnSp>
+        <p:cxnSp>
+          <p:nvCxnSpPr>
+            <p:cNvPr id="38" name="Straight Connector 37"/>
+            <p:cNvCxnSpPr/>
+            <p:nvPr/>
+          </p:nvCxnSpPr>
+          <p:spPr>
+            <a:xfrm>
+              <a:off x="8093356" y="4125950"/>
+              <a:ext cx="1003199" cy="15675"/>
+            </a:xfrm>
+            <a:prstGeom prst="line">
+              <a:avLst/>
+            </a:prstGeom>
+            <a:ln>
+              <a:solidFill>
+                <a:schemeClr val="bg1">
+                  <a:lumMod val="65000"/>
+                </a:schemeClr>
+              </a:solidFill>
+              <a:headEnd type="none"/>
+              <a:tailEnd type="none"/>
+            </a:ln>
+          </p:spPr>
+          <p:style>
+            <a:lnRef idx="1">
+              <a:schemeClr val="accent1"/>
+            </a:lnRef>
+            <a:fillRef idx="0">
+              <a:schemeClr val="accent1"/>
+            </a:fillRef>
+            <a:effectRef idx="0">
+              <a:schemeClr val="accent1"/>
+            </a:effectRef>
+            <a:fontRef idx="minor">
+              <a:schemeClr val="tx1"/>
+            </a:fontRef>
+          </p:style>
+        </p:cxnSp>
+        <p:cxnSp>
+          <p:nvCxnSpPr>
+            <p:cNvPr id="39" name="Straight Connector 38"/>
+            <p:cNvCxnSpPr/>
+            <p:nvPr/>
+          </p:nvCxnSpPr>
+          <p:spPr>
+            <a:xfrm>
+              <a:off x="8093356" y="4278243"/>
+              <a:ext cx="1003199" cy="15675"/>
+            </a:xfrm>
+            <a:prstGeom prst="line">
+              <a:avLst/>
+            </a:prstGeom>
+            <a:ln>
+              <a:solidFill>
+                <a:schemeClr val="bg1">
+                  <a:lumMod val="65000"/>
+                </a:schemeClr>
+              </a:solidFill>
+              <a:headEnd type="none"/>
+              <a:tailEnd type="none"/>
+            </a:ln>
+          </p:spPr>
+          <p:style>
+            <a:lnRef idx="1">
+              <a:schemeClr val="accent1"/>
+            </a:lnRef>
+            <a:fillRef idx="0">
+              <a:schemeClr val="accent1"/>
+            </a:fillRef>
+            <a:effectRef idx="0">
+              <a:schemeClr val="accent1"/>
+            </a:effectRef>
+            <a:fontRef idx="minor">
+              <a:schemeClr val="tx1"/>
+            </a:fontRef>
+          </p:style>
+        </p:cxnSp>
+        <p:cxnSp>
+          <p:nvCxnSpPr>
+            <p:cNvPr id="40" name="Straight Connector 39"/>
+            <p:cNvCxnSpPr/>
+            <p:nvPr/>
+          </p:nvCxnSpPr>
+          <p:spPr>
+            <a:xfrm>
+              <a:off x="8103469" y="4431657"/>
+              <a:ext cx="1003199" cy="15675"/>
+            </a:xfrm>
+            <a:prstGeom prst="line">
+              <a:avLst/>
+            </a:prstGeom>
+            <a:ln>
+              <a:solidFill>
+                <a:schemeClr val="bg1">
+                  <a:lumMod val="65000"/>
+                </a:schemeClr>
+              </a:solidFill>
+              <a:headEnd type="none"/>
+              <a:tailEnd type="none"/>
+            </a:ln>
+          </p:spPr>
+          <p:style>
+            <a:lnRef idx="1">
+              <a:schemeClr val="accent1"/>
+            </a:lnRef>
+            <a:fillRef idx="0">
+              <a:schemeClr val="accent1"/>
+            </a:fillRef>
+            <a:effectRef idx="0">
+              <a:schemeClr val="accent1"/>
+            </a:effectRef>
+            <a:fontRef idx="minor">
+              <a:schemeClr val="tx1"/>
+            </a:fontRef>
+          </p:style>
+        </p:cxnSp>
+        <p:cxnSp>
+          <p:nvCxnSpPr>
+            <p:cNvPr id="41" name="Straight Connector 40"/>
+            <p:cNvCxnSpPr/>
+            <p:nvPr/>
+          </p:nvCxnSpPr>
+          <p:spPr>
+            <a:xfrm>
+              <a:off x="8093355" y="4603696"/>
+              <a:ext cx="1003199" cy="15675"/>
+            </a:xfrm>
+            <a:prstGeom prst="line">
+              <a:avLst/>
+            </a:prstGeom>
+            <a:ln>
+              <a:solidFill>
+                <a:schemeClr val="bg1">
+                  <a:lumMod val="65000"/>
+                </a:schemeClr>
+              </a:solidFill>
+              <a:headEnd type="none"/>
+              <a:tailEnd type="none"/>
+            </a:ln>
+          </p:spPr>
+          <p:style>
+            <a:lnRef idx="1">
+              <a:schemeClr val="accent1"/>
+            </a:lnRef>
+            <a:fillRef idx="0">
+              <a:schemeClr val="accent1"/>
+            </a:fillRef>
+            <a:effectRef idx="0">
+              <a:schemeClr val="accent1"/>
+            </a:effectRef>
+            <a:fontRef idx="minor">
+              <a:schemeClr val="tx1"/>
+            </a:fontRef>
+          </p:style>
+        </p:cxnSp>
+        <p:cxnSp>
+          <p:nvCxnSpPr>
+            <p:cNvPr id="42" name="Straight Connector 41"/>
+            <p:cNvCxnSpPr/>
+            <p:nvPr/>
+          </p:nvCxnSpPr>
+          <p:spPr>
+            <a:xfrm>
+              <a:off x="8093354" y="4755989"/>
+              <a:ext cx="1003199" cy="15675"/>
+            </a:xfrm>
+            <a:prstGeom prst="line">
+              <a:avLst/>
+            </a:prstGeom>
+            <a:ln>
+              <a:solidFill>
+                <a:schemeClr val="bg1">
+                  <a:lumMod val="65000"/>
+                </a:schemeClr>
+              </a:solidFill>
+              <a:headEnd type="none"/>
+              <a:tailEnd type="none"/>
+            </a:ln>
+          </p:spPr>
+          <p:style>
+            <a:lnRef idx="1">
+              <a:schemeClr val="accent1"/>
+            </a:lnRef>
+            <a:fillRef idx="0">
+              <a:schemeClr val="accent1"/>
+            </a:fillRef>
+            <a:effectRef idx="0">
+              <a:schemeClr val="accent1"/>
+            </a:effectRef>
+            <a:fontRef idx="minor">
+              <a:schemeClr val="tx1"/>
+            </a:fontRef>
+          </p:style>
+        </p:cxnSp>
+        <p:cxnSp>
+          <p:nvCxnSpPr>
+            <p:cNvPr id="43" name="Straight Connector 42"/>
+            <p:cNvCxnSpPr/>
+            <p:nvPr/>
+          </p:nvCxnSpPr>
+          <p:spPr>
+            <a:xfrm>
+              <a:off x="8103469" y="4909403"/>
+              <a:ext cx="1003199" cy="15675"/>
+            </a:xfrm>
+            <a:prstGeom prst="line">
+              <a:avLst/>
+            </a:prstGeom>
+            <a:ln>
+              <a:solidFill>
+                <a:schemeClr val="bg1">
+                  <a:lumMod val="65000"/>
+                </a:schemeClr>
+              </a:solidFill>
+              <a:headEnd type="none"/>
+              <a:tailEnd type="none"/>
+            </a:ln>
+          </p:spPr>
+          <p:style>
+            <a:lnRef idx="1">
+              <a:schemeClr val="accent1"/>
+            </a:lnRef>
+            <a:fillRef idx="0">
+              <a:schemeClr val="accent1"/>
+            </a:fillRef>
+            <a:effectRef idx="0">
+              <a:schemeClr val="accent1"/>
+            </a:effectRef>
+            <a:fontRef idx="minor">
+              <a:schemeClr val="tx1"/>
+            </a:fontRef>
+          </p:style>
+        </p:cxnSp>
+        <p:cxnSp>
+          <p:nvCxnSpPr>
+            <p:cNvPr id="44" name="Straight Connector 43"/>
+            <p:cNvCxnSpPr/>
+            <p:nvPr/>
+          </p:nvCxnSpPr>
+          <p:spPr>
+            <a:xfrm>
+              <a:off x="8103468" y="5063246"/>
+              <a:ext cx="1003199" cy="15675"/>
+            </a:xfrm>
+            <a:prstGeom prst="line">
+              <a:avLst/>
+            </a:prstGeom>
+            <a:ln>
+              <a:solidFill>
+                <a:schemeClr val="bg1">
+                  <a:lumMod val="65000"/>
+                </a:schemeClr>
+              </a:solidFill>
+              <a:headEnd type="none"/>
+              <a:tailEnd type="none"/>
+            </a:ln>
+          </p:spPr>
+          <p:style>
+            <a:lnRef idx="1">
+              <a:schemeClr val="accent1"/>
+            </a:lnRef>
+            <a:fillRef idx="0">
+              <a:schemeClr val="accent1"/>
+            </a:fillRef>
+            <a:effectRef idx="0">
+              <a:schemeClr val="accent1"/>
+            </a:effectRef>
+            <a:fontRef idx="minor">
+              <a:schemeClr val="tx1"/>
+            </a:fontRef>
+          </p:style>
+        </p:cxnSp>
+        <p:cxnSp>
+          <p:nvCxnSpPr>
+            <p:cNvPr id="45" name="Straight Connector 44"/>
+            <p:cNvCxnSpPr/>
+            <p:nvPr/>
+          </p:nvCxnSpPr>
+          <p:spPr>
+            <a:xfrm>
+              <a:off x="8081806" y="5215947"/>
+              <a:ext cx="1003199" cy="15675"/>
+            </a:xfrm>
+            <a:prstGeom prst="line">
+              <a:avLst/>
+            </a:prstGeom>
+            <a:ln>
+              <a:solidFill>
+                <a:schemeClr val="bg1">
+                  <a:lumMod val="65000"/>
+                </a:schemeClr>
+              </a:solidFill>
+              <a:headEnd type="none"/>
+              <a:tailEnd type="none"/>
+            </a:ln>
+          </p:spPr>
+          <p:style>
+            <a:lnRef idx="1">
+              <a:schemeClr val="accent1"/>
+            </a:lnRef>
+            <a:fillRef idx="0">
+              <a:schemeClr val="accent1"/>
+            </a:fillRef>
+            <a:effectRef idx="0">
+              <a:schemeClr val="accent1"/>
+            </a:effectRef>
+            <a:fontRef idx="minor">
+              <a:schemeClr val="tx1"/>
+            </a:fontRef>
+          </p:style>
+        </p:cxnSp>
+        <p:cxnSp>
+          <p:nvCxnSpPr>
+            <p:cNvPr id="46" name="Straight Connector 45"/>
+            <p:cNvCxnSpPr/>
+            <p:nvPr/>
+          </p:nvCxnSpPr>
+          <p:spPr>
+            <a:xfrm>
+              <a:off x="9418994" y="4806075"/>
+              <a:ext cx="1003199" cy="15675"/>
+            </a:xfrm>
+            <a:prstGeom prst="line">
+              <a:avLst/>
+            </a:prstGeom>
+            <a:ln>
+              <a:solidFill>
+                <a:schemeClr val="bg1">
+                  <a:lumMod val="65000"/>
+                </a:schemeClr>
+              </a:solidFill>
+              <a:headEnd type="none"/>
+              <a:tailEnd type="none"/>
+            </a:ln>
+          </p:spPr>
+          <p:style>
+            <a:lnRef idx="1">
+              <a:schemeClr val="accent1"/>
+            </a:lnRef>
+            <a:fillRef idx="0">
+              <a:schemeClr val="accent1"/>
+            </a:fillRef>
+            <a:effectRef idx="0">
+              <a:schemeClr val="accent1"/>
+            </a:effectRef>
+            <a:fontRef idx="minor">
+              <a:schemeClr val="tx1"/>
+            </a:fontRef>
+          </p:style>
+        </p:cxnSp>
+        <p:cxnSp>
+          <p:nvCxnSpPr>
+            <p:cNvPr id="47" name="Straight Connector 46"/>
+            <p:cNvCxnSpPr/>
+            <p:nvPr/>
+          </p:nvCxnSpPr>
+          <p:spPr>
+            <a:xfrm>
+              <a:off x="9418994" y="4947568"/>
+              <a:ext cx="1003199" cy="15675"/>
+            </a:xfrm>
+            <a:prstGeom prst="line">
+              <a:avLst/>
+            </a:prstGeom>
+            <a:ln>
+              <a:solidFill>
+                <a:schemeClr val="bg1">
+                  <a:lumMod val="65000"/>
+                </a:schemeClr>
+              </a:solidFill>
+              <a:headEnd type="none"/>
+              <a:tailEnd type="none"/>
+            </a:ln>
+          </p:spPr>
+          <p:style>
+            <a:lnRef idx="1">
+              <a:schemeClr val="accent1"/>
+            </a:lnRef>
+            <a:fillRef idx="0">
+              <a:schemeClr val="accent1"/>
+            </a:fillRef>
+            <a:effectRef idx="0">
+              <a:schemeClr val="accent1"/>
+            </a:effectRef>
+            <a:fontRef idx="minor">
+              <a:schemeClr val="tx1"/>
+            </a:fontRef>
+          </p:style>
+        </p:cxnSp>
+        <p:cxnSp>
+          <p:nvCxnSpPr>
+            <p:cNvPr id="48" name="Straight Connector 47"/>
+            <p:cNvCxnSpPr/>
+            <p:nvPr/>
+          </p:nvCxnSpPr>
+          <p:spPr>
+            <a:xfrm>
+              <a:off x="9418994" y="5099864"/>
+              <a:ext cx="1003199" cy="15675"/>
+            </a:xfrm>
+            <a:prstGeom prst="line">
+              <a:avLst/>
+            </a:prstGeom>
+            <a:ln>
+              <a:solidFill>
+                <a:schemeClr val="bg1">
+                  <a:lumMod val="65000"/>
+                </a:schemeClr>
+              </a:solidFill>
+              <a:headEnd type="none"/>
+              <a:tailEnd type="none"/>
+            </a:ln>
+          </p:spPr>
+          <p:style>
+            <a:lnRef idx="1">
+              <a:schemeClr val="accent1"/>
+            </a:lnRef>
+            <a:fillRef idx="0">
+              <a:schemeClr val="accent1"/>
+            </a:fillRef>
+            <a:effectRef idx="0">
+              <a:schemeClr val="accent1"/>
+            </a:effectRef>
+            <a:fontRef idx="minor">
+              <a:schemeClr val="tx1"/>
+            </a:fontRef>
+          </p:style>
+        </p:cxnSp>
+        <p:cxnSp>
+          <p:nvCxnSpPr>
+            <p:cNvPr id="49" name="Straight Connector 48"/>
+            <p:cNvCxnSpPr/>
+            <p:nvPr/>
+          </p:nvCxnSpPr>
+          <p:spPr>
+            <a:xfrm>
+              <a:off x="9418994" y="5251344"/>
+              <a:ext cx="1003199" cy="15675"/>
+            </a:xfrm>
+            <a:prstGeom prst="line">
+              <a:avLst/>
+            </a:prstGeom>
+            <a:ln>
+              <a:solidFill>
+                <a:schemeClr val="bg1">
+                  <a:lumMod val="65000"/>
+                </a:schemeClr>
+              </a:solidFill>
+              <a:headEnd type="none"/>
+              <a:tailEnd type="none"/>
+            </a:ln>
+          </p:spPr>
+          <p:style>
+            <a:lnRef idx="1">
+              <a:schemeClr val="accent1"/>
+            </a:lnRef>
+            <a:fillRef idx="0">
+              <a:schemeClr val="accent1"/>
+            </a:fillRef>
+            <a:effectRef idx="0">
+              <a:schemeClr val="accent1"/>
+            </a:effectRef>
+            <a:fontRef idx="minor">
+              <a:schemeClr val="tx1"/>
+            </a:fontRef>
+          </p:style>
+        </p:cxnSp>
+        <p:sp>
+          <p:nvSpPr>
+            <p:cNvPr id="50" name="TextBox 49"/>
+            <p:cNvSpPr txBox="1"/>
+            <p:nvPr/>
+          </p:nvSpPr>
+          <p:spPr>
+            <a:xfrm>
+              <a:off x="9418839" y="3925222"/>
+              <a:ext cx="807272" cy="107722"/>
+            </a:xfrm>
+            <a:prstGeom prst="rect">
+              <a:avLst/>
+            </a:prstGeom>
+            <a:noFill/>
+          </p:spPr>
+          <p:txBody>
+            <a:bodyPr wrap="none" lIns="0" tIns="0" rIns="0" bIns="0" rtlCol="0">
+              <a:spAutoFit/>
+            </a:bodyPr>
+            <a:lstStyle/>
+            <a:p>
+              <a:r>
+                <a:rPr lang="en-US" sz="700" spc="-70" dirty="0" smtClean="0"/>
+                <a:t>Reply </a:t>
+              </a:r>
+              <a:r>
+                <a:rPr lang="fi-FI" sz="700" spc="-70" dirty="0" smtClean="0"/>
+                <a:t>| </a:t>
+              </a:r>
+              <a:r>
+                <a:rPr lang="en-US" sz="700" spc="-70" dirty="0"/>
+                <a:t> </a:t>
+              </a:r>
+              <a:r>
+                <a:rPr lang="en-US" sz="700" spc="-70" dirty="0" smtClean="0"/>
+                <a:t>Reply All </a:t>
+              </a:r>
+              <a:r>
+                <a:rPr lang="fi-FI" sz="700" spc="-70" dirty="0" smtClean="0"/>
+                <a:t>| </a:t>
+              </a:r>
+              <a:r>
+                <a:rPr lang="en-US" sz="700" spc="-70" dirty="0" smtClean="0"/>
+                <a:t> Forward</a:t>
+              </a:r>
+            </a:p>
+          </p:txBody>
+        </p:sp>
+        <p:sp>
+          <p:nvSpPr>
+            <p:cNvPr id="51" name="Rectangle 50"/>
+            <p:cNvSpPr/>
+            <p:nvPr/>
+          </p:nvSpPr>
+          <p:spPr>
+            <a:xfrm>
+              <a:off x="9418994" y="4071701"/>
+              <a:ext cx="1091689" cy="97048"/>
+            </a:xfrm>
+            <a:prstGeom prst="rect">
+              <a:avLst/>
+            </a:prstGeom>
+            <a:solidFill>
+              <a:schemeClr val="bg2"/>
+            </a:solidFill>
+            <a:ln w="19050">
+              <a:solidFill>
+                <a:schemeClr val="bg2"/>
+              </a:solidFill>
+            </a:ln>
+          </p:spPr>
+          <p:txBody>
+            <a:bodyPr vert="horz" lIns="0" tIns="0" rIns="0" bIns="0" rtlCol="0" anchor="ctr">
+              <a:noAutofit/>
+            </a:bodyPr>
+            <a:lstStyle/>
+            <a:p>
+              <a:pPr algn="ctr" defTabSz="761183">
+                <a:spcBef>
+                  <a:spcPct val="20000"/>
+                </a:spcBef>
+              </a:pPr>
+              <a:endParaRPr lang="en-US" sz="1400" kern="0" spc="-67" dirty="0">
+                <a:latin typeface="Segoe UI Light"/>
+                <a:ea typeface="Segoe UI" pitchFamily="34" charset="0"/>
+                <a:cs typeface="Segoe UI" pitchFamily="34" charset="0"/>
+              </a:endParaRPr>
+            </a:p>
+          </p:txBody>
+        </p:sp>
+        <p:sp>
+          <p:nvSpPr>
+            <p:cNvPr id="52" name="Rectangle 51"/>
+            <p:cNvSpPr/>
+            <p:nvPr/>
+          </p:nvSpPr>
+          <p:spPr>
+            <a:xfrm>
+              <a:off x="9418994" y="4071701"/>
+              <a:ext cx="267931" cy="97048"/>
+            </a:xfrm>
+            <a:prstGeom prst="rect">
+              <a:avLst/>
+            </a:prstGeom>
+            <a:solidFill>
+              <a:schemeClr val="bg1"/>
+            </a:solidFill>
+            <a:ln w="19050">
+              <a:solidFill>
+                <a:srgbClr val="4D4D4D">
+                  <a:lumMod val="40000"/>
+                  <a:lumOff val="60000"/>
+                </a:srgbClr>
+              </a:solidFill>
+            </a:ln>
+          </p:spPr>
+          <p:txBody>
+            <a:bodyPr vert="horz" lIns="0" tIns="0" rIns="0" bIns="0" rtlCol="0" anchor="ctr">
+              <a:noAutofit/>
+            </a:bodyPr>
+            <a:lstStyle/>
+            <a:p>
+              <a:pPr algn="ctr" defTabSz="761183">
+                <a:spcBef>
+                  <a:spcPct val="20000"/>
+                </a:spcBef>
+              </a:pPr>
+              <a:r>
+                <a:rPr lang="en-US" sz="600" kern="0" spc="-67" dirty="0" smtClean="0">
+                  <a:latin typeface="Segoe UI Light"/>
+                  <a:ea typeface="Segoe UI" pitchFamily="34" charset="0"/>
+                  <a:cs typeface="Segoe UI" pitchFamily="34" charset="0"/>
+                </a:rPr>
+                <a:t>app</a:t>
+              </a:r>
+              <a:endParaRPr lang="en-US" sz="600" kern="0" spc="-67" dirty="0">
+                <a:latin typeface="Segoe UI Light"/>
+                <a:ea typeface="Segoe UI" pitchFamily="34" charset="0"/>
+                <a:cs typeface="Segoe UI" pitchFamily="34" charset="0"/>
+              </a:endParaRPr>
+            </a:p>
+          </p:txBody>
+        </p:sp>
+        <p:sp>
+          <p:nvSpPr>
+            <p:cNvPr id="53" name="TextBox 52"/>
+            <p:cNvSpPr txBox="1"/>
+            <p:nvPr/>
+          </p:nvSpPr>
+          <p:spPr>
+            <a:xfrm>
+              <a:off x="9418839" y="4648267"/>
+              <a:ext cx="464551" cy="107722"/>
+            </a:xfrm>
+            <a:prstGeom prst="rect">
+              <a:avLst/>
+            </a:prstGeom>
+            <a:noFill/>
+          </p:spPr>
+          <p:txBody>
+            <a:bodyPr wrap="none" lIns="0" tIns="0" rIns="0" bIns="0" rtlCol="0">
+              <a:spAutoFit/>
+            </a:bodyPr>
+            <a:lstStyle/>
+            <a:p>
+              <a:r>
+                <a:rPr lang="en-US" sz="700" spc="-70" dirty="0" smtClean="0"/>
+                <a:t>Message Body</a:t>
+              </a:r>
+            </a:p>
+          </p:txBody>
+        </p:sp>
         <p:pic>
           <p:nvPicPr>
-            <p:cNvPr id="3074" name="Picture 2"/>
+            <p:cNvPr id="54" name="Picture 53"/>
             <p:cNvPicPr>
-              <a:picLocks noChangeAspect="1" noChangeArrowheads="1"/>
+              <a:picLocks noChangeAspect="1"/>
             </p:cNvPicPr>
             <p:nvPr/>
           </p:nvPicPr>
-          <p:blipFill>
+          <p:blipFill rotWithShape="1">
             <a:blip r:embed="rId3">
               <a:extLst>
                 <a:ext uri="{28A0092B-C50C-407E-A947-70E740481C1C}">
@@ -24152,63 +26288,28 @@
                 </a:ext>
               </a:extLst>
             </a:blip>
-            <a:srcRect/>
-            <a:stretch>
-              <a:fillRect/>
-            </a:stretch>
+            <a:srcRect r="50340"/>
+            <a:stretch/>
           </p:blipFill>
-          <p:spPr bwMode="auto">
+          <p:spPr>
             <a:xfrm>
-              <a:off x="659720" y="3937907"/>
-              <a:ext cx="2705100" cy="2247900"/>
+              <a:off x="1174855" y="3135231"/>
+              <a:ext cx="441960" cy="455456"/>
             </a:xfrm>
             <a:prstGeom prst="rect">
               <a:avLst/>
             </a:prstGeom>
-            <a:noFill/>
-            <a:ln>
-              <a:noFill/>
-            </a:ln>
-            <a:effectLst/>
-            <a:extLst>
-              <a:ext uri="{909E8E84-426E-40DD-AFC4-6F175D3DCCD1}">
-                <a14:hiddenFill xmlns:a14="http://schemas.microsoft.com/office/drawing/2010/main">
-                  <a:solidFill>
-                    <a:schemeClr val="accent1"/>
-                  </a:solidFill>
-                </a14:hiddenFill>
-              </a:ext>
-              <a:ext uri="{91240B29-F687-4F45-9708-019B960494DF}">
-                <a14:hiddenLine xmlns:a14="http://schemas.microsoft.com/office/drawing/2010/main" w="9525">
-                  <a:solidFill>
-                    <a:schemeClr val="tx1"/>
-                  </a:solidFill>
-                  <a:miter lim="800000"/>
-                  <a:headEnd/>
-                  <a:tailEnd/>
-                </a14:hiddenLine>
-              </a:ext>
-              <a:ext uri="{AF507438-7753-43E0-B8FC-AC1667EBCBE1}">
-                <a14:hiddenEffects xmlns:a14="http://schemas.microsoft.com/office/drawing/2010/main">
-                  <a:effectLst>
-                    <a:outerShdw dist="35921" dir="2700000" algn="ctr" rotWithShape="0">
-                      <a:schemeClr val="bg2"/>
-                    </a:outerShdw>
-                  </a:effectLst>
-                </a14:hiddenEffects>
-              </a:ext>
-            </a:extLst>
           </p:spPr>
         </p:pic>
         <p:pic>
           <p:nvPicPr>
-            <p:cNvPr id="3075" name="Picture 3"/>
+            <p:cNvPr id="55" name="Picture 54"/>
             <p:cNvPicPr>
-              <a:picLocks noChangeAspect="1" noChangeArrowheads="1"/>
+              <a:picLocks noChangeAspect="1"/>
             </p:cNvPicPr>
             <p:nvPr/>
           </p:nvPicPr>
-          <p:blipFill>
+          <p:blipFill rotWithShape="1">
             <a:blip r:embed="rId4">
               <a:extLst>
                 <a:ext uri="{28A0092B-C50C-407E-A947-70E740481C1C}">
@@ -24216,63 +26317,28 @@
                 </a:ext>
               </a:extLst>
             </a:blip>
-            <a:srcRect/>
-            <a:stretch>
-              <a:fillRect/>
-            </a:stretch>
+            <a:srcRect r="46952"/>
+            <a:stretch/>
           </p:blipFill>
-          <p:spPr bwMode="auto">
+          <p:spPr>
             <a:xfrm>
-              <a:off x="3664178" y="3937907"/>
-              <a:ext cx="2705100" cy="2247900"/>
+              <a:off x="4540571" y="3123472"/>
+              <a:ext cx="451444" cy="465551"/>
             </a:xfrm>
             <a:prstGeom prst="rect">
               <a:avLst/>
             </a:prstGeom>
-            <a:noFill/>
-            <a:ln>
-              <a:noFill/>
-            </a:ln>
-            <a:effectLst/>
-            <a:extLst>
-              <a:ext uri="{909E8E84-426E-40DD-AFC4-6F175D3DCCD1}">
-                <a14:hiddenFill xmlns:a14="http://schemas.microsoft.com/office/drawing/2010/main">
-                  <a:solidFill>
-                    <a:schemeClr val="accent1"/>
-                  </a:solidFill>
-                </a14:hiddenFill>
-              </a:ext>
-              <a:ext uri="{91240B29-F687-4F45-9708-019B960494DF}">
-                <a14:hiddenLine xmlns:a14="http://schemas.microsoft.com/office/drawing/2010/main" w="9525">
-                  <a:solidFill>
-                    <a:schemeClr val="tx1"/>
-                  </a:solidFill>
-                  <a:miter lim="800000"/>
-                  <a:headEnd/>
-                  <a:tailEnd/>
-                </a14:hiddenLine>
-              </a:ext>
-              <a:ext uri="{AF507438-7753-43E0-B8FC-AC1667EBCBE1}">
-                <a14:hiddenEffects xmlns:a14="http://schemas.microsoft.com/office/drawing/2010/main">
-                  <a:effectLst>
-                    <a:outerShdw dist="35921" dir="2700000" algn="ctr" rotWithShape="0">
-                      <a:schemeClr val="bg2"/>
-                    </a:outerShdw>
-                  </a:effectLst>
-                </a14:hiddenEffects>
-              </a:ext>
-            </a:extLst>
           </p:spPr>
         </p:pic>
         <p:pic>
           <p:nvPicPr>
-            <p:cNvPr id="3076" name="Picture 4"/>
+            <p:cNvPr id="56" name="Picture 55"/>
             <p:cNvPicPr>
-              <a:picLocks noChangeAspect="1" noChangeArrowheads="1"/>
+              <a:picLocks noChangeAspect="1"/>
             </p:cNvPicPr>
             <p:nvPr/>
           </p:nvPicPr>
-          <p:blipFill>
+          <p:blipFill rotWithShape="1">
             <a:blip r:embed="rId5">
               <a:extLst>
                 <a:ext uri="{28A0092B-C50C-407E-A947-70E740481C1C}">
@@ -24280,52 +26346,17 @@
                 </a:ext>
               </a:extLst>
             </a:blip>
-            <a:srcRect/>
-            <a:stretch>
-              <a:fillRect/>
-            </a:stretch>
+            <a:srcRect r="64717"/>
+            <a:stretch/>
           </p:blipFill>
-          <p:spPr bwMode="auto">
+          <p:spPr>
             <a:xfrm>
-              <a:off x="6625092" y="3937907"/>
-              <a:ext cx="2705100" cy="2247900"/>
+              <a:off x="7809665" y="3052077"/>
+              <a:ext cx="587605" cy="626979"/>
             </a:xfrm>
             <a:prstGeom prst="rect">
               <a:avLst/>
             </a:prstGeom>
-            <a:noFill/>
-            <a:ln>
-              <a:noFill/>
-            </a:ln>
-            <a:effectLst/>
-            <a:extLst>
-              <a:ext uri="{909E8E84-426E-40DD-AFC4-6F175D3DCCD1}">
-                <a14:hiddenFill xmlns:a14="http://schemas.microsoft.com/office/drawing/2010/main">
-                  <a:solidFill>
-                    <a:schemeClr val="accent1"/>
-                  </a:solidFill>
-                </a14:hiddenFill>
-              </a:ext>
-              <a:ext uri="{91240B29-F687-4F45-9708-019B960494DF}">
-                <a14:hiddenLine xmlns:a14="http://schemas.microsoft.com/office/drawing/2010/main" w="9525">
-                  <a:solidFill>
-                    <a:schemeClr val="tx1"/>
-                  </a:solidFill>
-                  <a:miter lim="800000"/>
-                  <a:headEnd/>
-                  <a:tailEnd/>
-                </a14:hiddenLine>
-              </a:ext>
-              <a:ext uri="{AF507438-7753-43E0-B8FC-AC1667EBCBE1}">
-                <a14:hiddenEffects xmlns:a14="http://schemas.microsoft.com/office/drawing/2010/main">
-                  <a:effectLst>
-                    <a:outerShdw dist="35921" dir="2700000" algn="ctr" rotWithShape="0">
-                      <a:schemeClr val="bg2"/>
-                    </a:outerShdw>
-                  </a:effectLst>
-                </a14:hiddenEffects>
-              </a:ext>
-            </a:extLst>
           </p:spPr>
         </p:pic>
       </p:grpSp>
@@ -24635,21 +26666,21 @@
       </p:sp>
       <p:grpSp>
         <p:nvGrpSpPr>
-          <p:cNvPr id="8" name="Group 7"/>
+          <p:cNvPr id="23" name="Group 22"/>
           <p:cNvGrpSpPr/>
           <p:nvPr/>
         </p:nvGrpSpPr>
         <p:grpSpPr>
           <a:xfrm>
-            <a:off x="2296070" y="3488761"/>
-            <a:ext cx="7596685" cy="2811349"/>
-            <a:chOff x="-204092" y="2267256"/>
-            <a:chExt cx="7598664" cy="2812081"/>
+            <a:off x="1864834" y="3736142"/>
+            <a:ext cx="7598664" cy="2381305"/>
+            <a:chOff x="-204092" y="2698032"/>
+            <a:chExt cx="7598664" cy="2381305"/>
           </a:xfrm>
         </p:grpSpPr>
         <p:pic>
           <p:nvPicPr>
-            <p:cNvPr id="9" name="Picture 8"/>
+            <p:cNvPr id="24" name="Picture 23"/>
             <p:cNvPicPr>
               <a:picLocks noChangeAspect="1"/>
             </p:cNvPicPr>
@@ -24686,7 +26717,7 @@
         </p:pic>
         <p:grpSp>
           <p:nvGrpSpPr>
-            <p:cNvPr id="10" name="Group 9"/>
+            <p:cNvPr id="25" name="Group 24"/>
             <p:cNvGrpSpPr/>
             <p:nvPr/>
           </p:nvGrpSpPr>
@@ -24700,7 +26731,7 @@
           </p:grpSpPr>
           <p:sp>
             <p:nvSpPr>
-              <p:cNvPr id="21" name="Rectangle 20"/>
+              <p:cNvPr id="31" name="Rectangle 30"/>
               <p:cNvSpPr/>
               <p:nvPr/>
             </p:nvSpPr>
@@ -24736,7 +26767,7 @@
               <a:bodyPr rtlCol="0" anchor="ctr"/>
               <a:lstStyle/>
               <a:p>
-                <a:pPr algn="ctr" defTabSz="760955"/>
+                <a:pPr algn="ctr" defTabSz="761183"/>
                 <a:endParaRPr lang="en-US" sz="1500" kern="0">
                   <a:solidFill>
                     <a:srgbClr val="1B1B1B"/>
@@ -24748,7 +26779,7 @@
           </p:sp>
           <p:sp>
             <p:nvSpPr>
-              <p:cNvPr id="22" name="Rectangle 21"/>
+              <p:cNvPr id="32" name="Rectangle 31"/>
               <p:cNvSpPr/>
               <p:nvPr/>
             </p:nvSpPr>
@@ -24778,7 +26809,7 @@
               <a:bodyPr rtlCol="0" anchor="ctr"/>
               <a:lstStyle/>
               <a:p>
-                <a:pPr algn="ctr" defTabSz="760955"/>
+                <a:pPr algn="ctr" defTabSz="761183"/>
                 <a:endParaRPr lang="en-US" sz="1166" kern="0" dirty="0">
                   <a:solidFill>
                     <a:srgbClr val="262626">
@@ -24794,7 +26825,7 @@
         </p:grpSp>
         <p:sp>
           <p:nvSpPr>
-            <p:cNvPr id="11" name="Rectangle 10"/>
+            <p:cNvPr id="26" name="Rectangle 25"/>
             <p:cNvSpPr/>
             <p:nvPr/>
           </p:nvSpPr>
@@ -24818,12 +26849,12 @@
             <a:effectLst/>
           </p:spPr>
           <p:txBody>
-            <a:bodyPr lIns="47566" tIns="23782" rIns="47566" bIns="23782" rtlCol="0" anchor="ctr"/>
+            <a:bodyPr lIns="47578" tIns="23788" rIns="47578" bIns="23788" rtlCol="0" anchor="ctr"/>
             <a:lstStyle/>
             <a:p>
-              <a:pPr algn="ctr" defTabSz="760955"/>
+              <a:pPr algn="ctr" defTabSz="761183"/>
               <a:r>
-                <a:rPr lang="en-US" sz="1166" kern="0" dirty="0">
+                <a:rPr lang="en-US" sz="1166" kern="0" dirty="0" smtClean="0">
                   <a:solidFill>
                     <a:srgbClr val="1B1B1B"/>
                   </a:solidFill>
@@ -24831,9 +26862,15 @@
                 </a:rPr>
                 <a:t>App for Office</a:t>
               </a:r>
+              <a:endParaRPr lang="en-US" sz="1166" kern="0" dirty="0">
+                <a:solidFill>
+                  <a:srgbClr val="1B1B1B"/>
+                </a:solidFill>
+                <a:latin typeface="Segoe UI"/>
+              </a:endParaRPr>
             </a:p>
             <a:p>
-              <a:pPr algn="ctr" defTabSz="760955"/>
+              <a:pPr algn="ctr" defTabSz="761183"/>
               <a:r>
                 <a:rPr lang="en-US" sz="1166" kern="0" dirty="0">
                   <a:solidFill>
@@ -24845,7 +26882,7 @@
               </a:r>
             </a:p>
             <a:p>
-              <a:pPr algn="ctr" defTabSz="760955"/>
+              <a:pPr algn="ctr" defTabSz="761183"/>
               <a:endParaRPr lang="en-US" sz="1166" kern="0" dirty="0">
                 <a:solidFill>
                   <a:srgbClr val="1B1B1B"/>
@@ -24854,11 +26891,11 @@
               </a:endParaRPr>
             </a:p>
             <a:p>
-              <a:pPr algn="ctr" defTabSz="760955"/>
+              <a:pPr algn="ctr" defTabSz="761183"/>
               <a:r>
                 <a:rPr lang="en-US" sz="833" b="1" kern="0" dirty="0">
                   <a:solidFill>
-                    <a:srgbClr val="FF7401"/>
+                    <a:schemeClr val="tx2"/>
                   </a:solidFill>
                   <a:latin typeface="Segoe UI"/>
                 </a:rPr>
@@ -24869,7 +26906,7 @@
         </p:sp>
         <p:sp>
           <p:nvSpPr>
-            <p:cNvPr id="12" name="Rectangle 11"/>
+            <p:cNvPr id="27" name="Rectangle 26"/>
             <p:cNvSpPr/>
             <p:nvPr/>
           </p:nvSpPr>
@@ -24893,10 +26930,10 @@
             <a:effectLst/>
           </p:spPr>
           <p:txBody>
-            <a:bodyPr lIns="47566" tIns="23782" rIns="47566" bIns="23782" rtlCol="0" anchor="ctr"/>
+            <a:bodyPr lIns="47578" tIns="23788" rIns="47578" bIns="23788" rtlCol="0" anchor="ctr"/>
             <a:lstStyle/>
             <a:p>
-              <a:pPr algn="ctr" defTabSz="760955"/>
+              <a:pPr algn="ctr" defTabSz="761183"/>
               <a:r>
                 <a:rPr lang="en-US" sz="1166" kern="0" dirty="0">
                   <a:solidFill>
@@ -24908,7 +26945,7 @@
               </a:r>
             </a:p>
             <a:p>
-              <a:pPr algn="ctr" defTabSz="760955"/>
+              <a:pPr algn="ctr" defTabSz="761183"/>
               <a:r>
                 <a:rPr lang="en-US" sz="1166" kern="0" dirty="0">
                   <a:solidFill>
@@ -24920,7 +26957,7 @@
               </a:r>
             </a:p>
             <a:p>
-              <a:pPr algn="ctr" defTabSz="760955"/>
+              <a:pPr algn="ctr" defTabSz="761183"/>
               <a:endParaRPr lang="en-US" sz="833" b="1" kern="0" dirty="0">
                 <a:solidFill>
                   <a:srgbClr val="FF7401"/>
@@ -24929,11 +26966,11 @@
               </a:endParaRPr>
             </a:p>
             <a:p>
-              <a:pPr algn="ctr" defTabSz="760955"/>
+              <a:pPr algn="ctr" defTabSz="761183"/>
               <a:r>
                 <a:rPr lang="en-US" sz="833" b="1" kern="0" dirty="0">
                   <a:solidFill>
-                    <a:srgbClr val="FF7401"/>
+                    <a:schemeClr val="tx2"/>
                   </a:solidFill>
                   <a:latin typeface="Segoe UI"/>
                 </a:rPr>
@@ -24944,7 +26981,7 @@
         </p:sp>
         <p:sp>
           <p:nvSpPr>
-            <p:cNvPr id="13" name="Cross 12"/>
+            <p:cNvPr id="28" name="Cross 27"/>
             <p:cNvSpPr/>
             <p:nvPr/>
           </p:nvSpPr>
@@ -24968,10 +27005,10 @@
             <a:effectLst/>
           </p:spPr>
           <p:txBody>
-            <a:bodyPr lIns="47566" tIns="23782" rIns="47566" bIns="23782" rtlCol="0" anchor="ctr"/>
+            <a:bodyPr lIns="47578" tIns="23788" rIns="47578" bIns="23788" rtlCol="0" anchor="ctr"/>
             <a:lstStyle/>
             <a:p>
-              <a:pPr algn="ctr" defTabSz="760955"/>
+              <a:pPr algn="ctr" defTabSz="761183"/>
               <a:endParaRPr lang="en-US" sz="1500" kern="0">
                 <a:solidFill>
                   <a:srgbClr val="FFFFFF"/>
@@ -24983,7 +27020,7 @@
         </p:sp>
         <p:sp>
           <p:nvSpPr>
-            <p:cNvPr id="14" name="Equal 13"/>
+            <p:cNvPr id="29" name="Equal 28"/>
             <p:cNvSpPr/>
             <p:nvPr/>
           </p:nvSpPr>
@@ -25010,10 +27047,10 @@
             <a:effectLst/>
           </p:spPr>
           <p:txBody>
-            <a:bodyPr lIns="47566" tIns="23782" rIns="47566" bIns="23782" rtlCol="0" anchor="ctr"/>
+            <a:bodyPr lIns="47578" tIns="23788" rIns="47578" bIns="23788" rtlCol="0" anchor="ctr"/>
             <a:lstStyle/>
             <a:p>
-              <a:pPr algn="ctr" defTabSz="760955"/>
+              <a:pPr algn="ctr" defTabSz="761183"/>
               <a:endParaRPr lang="en-US" sz="1500" kern="0">
                 <a:solidFill>
                   <a:srgbClr val="1B1B1B"/>
@@ -25023,177 +27060,9 @@
             </a:p>
           </p:txBody>
         </p:sp>
-        <p:pic>
-          <p:nvPicPr>
-            <p:cNvPr id="15" name="Picture 14"/>
-            <p:cNvPicPr>
-              <a:picLocks noChangeAspect="1"/>
-            </p:cNvPicPr>
-            <p:nvPr/>
-          </p:nvPicPr>
-          <p:blipFill>
-            <a:blip r:embed="rId4" cstate="print">
-              <a:extLst>
-                <a:ext uri="{28A0092B-C50C-407E-A947-70E740481C1C}">
-                  <a14:useLocalDpi xmlns:a14="http://schemas.microsoft.com/office/drawing/2010/main" val="0"/>
-                </a:ext>
-              </a:extLst>
-            </a:blip>
-            <a:stretch>
-              <a:fillRect/>
-            </a:stretch>
-          </p:blipFill>
-          <p:spPr>
-            <a:xfrm>
-              <a:off x="2803761" y="2775126"/>
-              <a:ext cx="663059" cy="781743"/>
-            </a:xfrm>
-            <a:prstGeom prst="rect">
-              <a:avLst/>
-            </a:prstGeom>
-          </p:spPr>
-        </p:pic>
-        <p:pic>
-          <p:nvPicPr>
-            <p:cNvPr id="16" name="Picture 15"/>
-            <p:cNvPicPr>
-              <a:picLocks noChangeAspect="1"/>
-            </p:cNvPicPr>
-            <p:nvPr/>
-          </p:nvPicPr>
-          <p:blipFill>
-            <a:blip r:embed="rId5" cstate="print">
-              <a:extLst>
-                <a:ext uri="{28A0092B-C50C-407E-A947-70E740481C1C}">
-                  <a14:useLocalDpi xmlns:a14="http://schemas.microsoft.com/office/drawing/2010/main" val="0"/>
-                </a:ext>
-              </a:extLst>
-            </a:blip>
-            <a:stretch>
-              <a:fillRect/>
-            </a:stretch>
-          </p:blipFill>
-          <p:spPr>
-            <a:xfrm>
-              <a:off x="1006267" y="2739053"/>
-              <a:ext cx="676500" cy="799632"/>
-            </a:xfrm>
-            <a:prstGeom prst="rect">
-              <a:avLst/>
-            </a:prstGeom>
-          </p:spPr>
-        </p:pic>
         <p:sp>
           <p:nvSpPr>
-            <p:cNvPr id="17" name="TextBox 16"/>
-            <p:cNvSpPr txBox="1"/>
-            <p:nvPr/>
-          </p:nvSpPr>
-          <p:spPr>
-            <a:xfrm>
-              <a:off x="587206" y="2267256"/>
-              <a:ext cx="1645202" cy="435669"/>
-            </a:xfrm>
-            <a:prstGeom prst="rect">
-              <a:avLst/>
-            </a:prstGeom>
-            <a:noFill/>
-          </p:spPr>
-          <p:txBody>
-            <a:bodyPr wrap="square" lIns="76099" tIns="38045" rIns="76099" bIns="38045" rtlCol="0">
-              <a:spAutoFit/>
-            </a:bodyPr>
-            <a:lstStyle/>
-            <a:p>
-              <a:pPr algn="ctr" defTabSz="760955"/>
-              <a:r>
-                <a:rPr lang="en-US" sz="1166" kern="0" dirty="0">
-                  <a:solidFill>
-                    <a:srgbClr val="595959"/>
-                  </a:solidFill>
-                </a:rPr>
-                <a:t>App for Office </a:t>
-              </a:r>
-            </a:p>
-            <a:p>
-              <a:pPr algn="ctr" defTabSz="760955"/>
-              <a:r>
-                <a:rPr lang="en-US" sz="1166" kern="0" dirty="0">
-                  <a:solidFill>
-                    <a:srgbClr val="595959"/>
-                  </a:solidFill>
-                </a:rPr>
-                <a:t>Catalog Server</a:t>
-              </a:r>
-            </a:p>
-          </p:txBody>
-        </p:sp>
-        <p:sp>
-          <p:nvSpPr>
-            <p:cNvPr id="18" name="TextBox 17"/>
-            <p:cNvSpPr txBox="1"/>
-            <p:nvPr/>
-          </p:nvSpPr>
-          <p:spPr>
-            <a:xfrm>
-              <a:off x="2712836" y="2457706"/>
-              <a:ext cx="1360592" cy="256261"/>
-            </a:xfrm>
-            <a:prstGeom prst="rect">
-              <a:avLst/>
-            </a:prstGeom>
-            <a:noFill/>
-          </p:spPr>
-          <p:txBody>
-            <a:bodyPr wrap="square" lIns="76099" tIns="38045" rIns="76099" bIns="38045" rtlCol="0">
-              <a:spAutoFit/>
-            </a:bodyPr>
-            <a:lstStyle/>
-            <a:p>
-              <a:pPr defTabSz="760955"/>
-              <a:r>
-                <a:rPr lang="en-US" sz="1166" kern="0" dirty="0">
-                  <a:solidFill>
-                    <a:srgbClr val="595959"/>
-                  </a:solidFill>
-                </a:rPr>
-                <a:t>Web Server</a:t>
-              </a:r>
-            </a:p>
-          </p:txBody>
-        </p:sp>
-        <p:pic>
-          <p:nvPicPr>
-            <p:cNvPr id="19" name="Picture 18"/>
-            <p:cNvPicPr>
-              <a:picLocks noChangeAspect="1"/>
-            </p:cNvPicPr>
-            <p:nvPr/>
-          </p:nvPicPr>
-          <p:blipFill rotWithShape="1">
-            <a:blip r:embed="rId6" cstate="print">
-              <a:extLst>
-                <a:ext uri="{28A0092B-C50C-407E-A947-70E740481C1C}">
-                  <a14:useLocalDpi xmlns:a14="http://schemas.microsoft.com/office/drawing/2010/main" val="0"/>
-                </a:ext>
-              </a:extLst>
-            </a:blip>
-            <a:srcRect/>
-            <a:stretch/>
-          </p:blipFill>
-          <p:spPr>
-            <a:xfrm>
-              <a:off x="5299470" y="2735748"/>
-              <a:ext cx="1281318" cy="416356"/>
-            </a:xfrm>
-            <a:prstGeom prst="rect">
-              <a:avLst/>
-            </a:prstGeom>
-          </p:spPr>
-        </p:pic>
-        <p:sp>
-          <p:nvSpPr>
-            <p:cNvPr id="20" name="Rectangle 19"/>
+            <p:cNvPr id="30" name="Rectangle 29"/>
             <p:cNvSpPr/>
             <p:nvPr/>
           </p:nvSpPr>
@@ -25220,15 +27089,15 @@
             </a:bodyPr>
             <a:lstStyle/>
             <a:p>
-              <a:pPr algn="ctr" defTabSz="760955">
+              <a:pPr algn="ctr" defTabSz="761183">
                 <a:spcBef>
                   <a:spcPct val="20000"/>
                 </a:spcBef>
               </a:pPr>
               <a:r>
-                <a:rPr lang="en-US" sz="2332" kern="0" spc="-67" dirty="0">
+                <a:rPr lang="en-US" sz="2333" kern="0" spc="-67" dirty="0" smtClean="0">
                   <a:solidFill>
-                    <a:srgbClr val="FF7401"/>
+                    <a:schemeClr val="tx2"/>
                   </a:solidFill>
                   <a:latin typeface="Segoe UI Light"/>
                   <a:ea typeface="Segoe UI" pitchFamily="34" charset="0"/>
@@ -25236,6 +27105,14 @@
                 </a:rPr>
                 <a:t>App for Office</a:t>
               </a:r>
+              <a:endParaRPr lang="en-US" sz="2333" kern="0" spc="-67" dirty="0">
+                <a:solidFill>
+                  <a:schemeClr val="tx2"/>
+                </a:solidFill>
+                <a:latin typeface="Segoe UI Light"/>
+                <a:ea typeface="Segoe UI" pitchFamily="34" charset="0"/>
+                <a:cs typeface="Segoe UI" pitchFamily="34" charset="0"/>
+              </a:endParaRPr>
             </a:p>
           </p:txBody>
         </p:sp>
@@ -26606,21 +28483,6 @@
 </file>
 
 <file path=customXml/item1.xml><?xml version="1.0" encoding="utf-8"?>
-<?mso-contentType ?>
-<FormTemplates xmlns="http://schemas.microsoft.com/sharepoint/v3/contenttype/forms">
-  <Display>DocumentLibraryForm</Display>
-  <Edit>DocumentLibraryForm</Edit>
-  <New>DocumentLibraryForm</New>
-</FormTemplates>
-</file>
-
-<file path=customXml/item2.xml><?xml version="1.0" encoding="utf-8"?>
-<p:properties xmlns:p="http://schemas.microsoft.com/office/2006/metadata/properties" xmlns:xsi="http://www.w3.org/2001/XMLSchema-instance" xmlns:pc="http://schemas.microsoft.com/office/infopath/2007/PartnerControls">
-  <documentManagement/>
-</p:properties>
-</file>
-
-<file path=customXml/item3.xml><?xml version="1.0" encoding="utf-8"?>
 <ct:contentTypeSchema xmlns:ct="http://schemas.microsoft.com/office/2006/metadata/contentType" xmlns:ma="http://schemas.microsoft.com/office/2006/metadata/properties/metaAttributes" ct:_="" ma:_="" ma:contentTypeName="Document" ma:contentTypeID="0x010100A2E4C90AA7333249A7DBC8CC6F49919B" ma:contentTypeVersion="1" ma:contentTypeDescription="Create a new document." ma:contentTypeScope="" ma:versionID="e7b09f0f38d7ed30c7da14951e97abcc">
   <xsd:schema xmlns:xsd="http://www.w3.org/2001/XMLSchema" xmlns:xs="http://www.w3.org/2001/XMLSchema" xmlns:p="http://schemas.microsoft.com/office/2006/metadata/properties" xmlns:ns2="5fad15d0-477e-40da-a20d-40d4ca777cbd" targetNamespace="http://schemas.microsoft.com/office/2006/metadata/properties" ma:root="true" ma:fieldsID="0cee24db179c30c5ebec40b677cadf70" ns2:_="">
     <xsd:import namespace="5fad15d0-477e-40da-a20d-40d4ca777cbd"/>
@@ -26760,31 +28622,22 @@
 </ct:contentTypeSchema>
 </file>
 
-<file path=customXml/itemProps1.xml><?xml version="1.0" encoding="utf-8"?>
-<ds:datastoreItem xmlns:ds="http://schemas.openxmlformats.org/officeDocument/2006/customXml" ds:itemID="{E1E0CE18-CA03-4891-9CD8-3448778E3D53}">
-  <ds:schemaRefs>
-    <ds:schemaRef ds:uri="http://schemas.microsoft.com/sharepoint/v3/contenttype/forms"/>
-  </ds:schemaRefs>
-</ds:datastoreItem>
+<file path=customXml/item2.xml><?xml version="1.0" encoding="utf-8"?>
+<?mso-contentType ?>
+<FormTemplates xmlns="http://schemas.microsoft.com/sharepoint/v3/contenttype/forms">
+  <Display>DocumentLibraryForm</Display>
+  <Edit>DocumentLibraryForm</Edit>
+  <New>DocumentLibraryForm</New>
+</FormTemplates>
 </file>
 
-<file path=customXml/itemProps2.xml><?xml version="1.0" encoding="utf-8"?>
-<ds:datastoreItem xmlns:ds="http://schemas.openxmlformats.org/officeDocument/2006/customXml" ds:itemID="{DA593625-DB14-4FB0-B5A9-3269FA9C120B}">
-  <ds:schemaRefs>
-    <ds:schemaRef ds:uri="http://purl.org/dc/dcmitype/"/>
-    <ds:schemaRef ds:uri="http://purl.org/dc/terms/"/>
-    <ds:schemaRef ds:uri="http://schemas.openxmlformats.org/package/2006/metadata/core-properties"/>
-    <ds:schemaRef ds:uri="5fad15d0-477e-40da-a20d-40d4ca777cbd"/>
-    <ds:schemaRef ds:uri="http://purl.org/dc/elements/1.1/"/>
-    <ds:schemaRef ds:uri="http://schemas.microsoft.com/office/2006/documentManagement/types"/>
-    <ds:schemaRef ds:uri="http://schemas.microsoft.com/office/infopath/2007/PartnerControls"/>
-    <ds:schemaRef ds:uri="http://schemas.microsoft.com/office/2006/metadata/properties"/>
-    <ds:schemaRef ds:uri="http://www.w3.org/XML/1998/namespace"/>
-  </ds:schemaRefs>
-</ds:datastoreItem>
+<file path=customXml/item3.xml><?xml version="1.0" encoding="utf-8"?>
+<p:properties xmlns:p="http://schemas.microsoft.com/office/2006/metadata/properties" xmlns:xsi="http://www.w3.org/2001/XMLSchema-instance" xmlns:pc="http://schemas.microsoft.com/office/infopath/2007/PartnerControls">
+  <documentManagement/>
+</p:properties>
 </file>
 
-<file path=customXml/itemProps3.xml><?xml version="1.0" encoding="utf-8"?>
+<file path=customXml/itemProps1.xml><?xml version="1.0" encoding="utf-8"?>
 <ds:datastoreItem xmlns:ds="http://schemas.openxmlformats.org/officeDocument/2006/customXml" ds:itemID="{F17DCE38-6787-497B-B958-75817420EB1E}">
   <ds:schemaRefs>
     <ds:schemaRef ds:uri="http://schemas.microsoft.com/office/2006/metadata/contentType"/>
@@ -26800,4 +28653,28 @@
     <ds:schemaRef ds:uri="http://schemas.microsoft.com/internal/obd"/>
   </ds:schemaRefs>
 </ds:datastoreItem>
+</file>
+
+<file path=customXml/itemProps2.xml><?xml version="1.0" encoding="utf-8"?>
+<ds:datastoreItem xmlns:ds="http://schemas.openxmlformats.org/officeDocument/2006/customXml" ds:itemID="{E1E0CE18-CA03-4891-9CD8-3448778E3D53}">
+  <ds:schemaRefs>
+    <ds:schemaRef ds:uri="http://schemas.microsoft.com/sharepoint/v3/contenttype/forms"/>
+  </ds:schemaRefs>
+</ds:datastoreItem>
+</file>
+
+<file path=customXml/itemProps3.xml><?xml version="1.0" encoding="utf-8"?>
+<ds:datastoreItem xmlns:ds="http://schemas.openxmlformats.org/officeDocument/2006/customXml" ds:itemID="{DA593625-DB14-4FB0-B5A9-3269FA9C120B}">
+  <ds:schemaRefs>
+    <ds:schemaRef ds:uri="http://purl.org/dc/terms/"/>
+    <ds:schemaRef ds:uri="http://schemas.microsoft.com/office/2006/documentManagement/types"/>
+    <ds:schemaRef ds:uri="http://purl.org/dc/elements/1.1/"/>
+    <ds:schemaRef ds:uri="http://schemas.microsoft.com/office/2006/metadata/properties"/>
+    <ds:schemaRef ds:uri="http://purl.org/dc/dcmitype/"/>
+    <ds:schemaRef ds:uri="http://www.w3.org/XML/1998/namespace"/>
+    <ds:schemaRef ds:uri="http://schemas.microsoft.com/office/infopath/2007/PartnerControls"/>
+    <ds:schemaRef ds:uri="http://schemas.openxmlformats.org/package/2006/metadata/core-properties"/>
+    <ds:schemaRef ds:uri="5fad15d0-477e-40da-a20d-40d4ca777cbd"/>
+  </ds:schemaRefs>
+</ds:datastoreItem>
 </file>